--- a/DataScience/Capstone/biodiversity.pptx
+++ b/DataScience/Capstone/biodiversity.pptx
@@ -5,23 +5,26 @@
     <p:sldMasterId id="2147483648" r:id="rId1"/>
   </p:sldMasterIdLst>
   <p:notesMasterIdLst>
-    <p:notesMasterId r:id="rId13"/>
+    <p:notesMasterId r:id="rId16"/>
   </p:notesMasterIdLst>
   <p:handoutMasterIdLst>
-    <p:handoutMasterId r:id="rId14"/>
+    <p:handoutMasterId r:id="rId17"/>
   </p:handoutMasterIdLst>
   <p:sldIdLst>
     <p:sldId id="258" r:id="rId2"/>
     <p:sldId id="275" r:id="rId3"/>
-    <p:sldId id="276" r:id="rId4"/>
-    <p:sldId id="277" r:id="rId5"/>
-    <p:sldId id="278" r:id="rId6"/>
-    <p:sldId id="269" r:id="rId7"/>
-    <p:sldId id="279" r:id="rId8"/>
-    <p:sldId id="280" r:id="rId9"/>
-    <p:sldId id="281" r:id="rId10"/>
-    <p:sldId id="282" r:id="rId11"/>
-    <p:sldId id="283" r:id="rId12"/>
+    <p:sldId id="286" r:id="rId4"/>
+    <p:sldId id="276" r:id="rId5"/>
+    <p:sldId id="277" r:id="rId6"/>
+    <p:sldId id="278" r:id="rId7"/>
+    <p:sldId id="269" r:id="rId8"/>
+    <p:sldId id="279" r:id="rId9"/>
+    <p:sldId id="280" r:id="rId10"/>
+    <p:sldId id="281" r:id="rId11"/>
+    <p:sldId id="282" r:id="rId12"/>
+    <p:sldId id="283" r:id="rId13"/>
+    <p:sldId id="284" r:id="rId14"/>
+    <p:sldId id="285" r:id="rId15"/>
   </p:sldIdLst>
   <p:sldSz cx="12192000" cy="6858000"/>
   <p:notesSz cx="6858000" cy="9144000"/>
@@ -4501,7 +4504,7 @@
           <a:p>
             <a:fld id="{30E08F2E-5F06-4CE2-A139-452A1382A6F0}" type="datetimeFigureOut">
               <a:rPr lang="en-US"/>
-              <a:t>5/1/2018</a:t>
+              <a:t>5/3/2018</a:t>
             </a:fld>
             <a:endParaRPr/>
           </a:p>
@@ -4666,7 +4669,7 @@
           <a:p>
             <a:fld id="{1A4C5DC6-1594-414D-9341-ABA08739246C}" type="datetimeFigureOut">
               <a:rPr lang="en-US"/>
-              <a:t>5/1/2018</a:t>
+              <a:t>5/3/2018</a:t>
             </a:fld>
             <a:endParaRPr/>
           </a:p>
@@ -5437,7 +5440,7 @@
             <a:fld id="{C9B55A74-0919-413E-865C-E0E8D1722ED7}" type="datetime1">
               <a:rPr lang="en-US" smtClean="0"/>
               <a:pPr/>
-              <a:t>5/1/2018</a:t>
+              <a:t>5/3/2018</a:t>
             </a:fld>
             <a:endParaRPr lang="en-US" dirty="0"/>
           </a:p>
@@ -5637,7 +5640,7 @@
             <a:fld id="{25BFE46A-5893-4F80-829A-F37AF8AAC03B}" type="datetime1">
               <a:rPr lang="en-US" smtClean="0"/>
               <a:pPr/>
-              <a:t>5/1/2018</a:t>
+              <a:t>5/3/2018</a:t>
             </a:fld>
             <a:endParaRPr lang="en-US" dirty="0"/>
           </a:p>
@@ -5827,7 +5830,7 @@
             <a:fld id="{6DD1B487-36FD-4CED-B07A-1A81FC6540B1}" type="datetime1">
               <a:rPr lang="en-US" smtClean="0"/>
               <a:pPr/>
-              <a:t>5/1/2018</a:t>
+              <a:t>5/3/2018</a:t>
             </a:fld>
             <a:endParaRPr lang="en-US" dirty="0"/>
           </a:p>
@@ -6407,7 +6410,7 @@
             <a:fld id="{93A66BA0-BF77-43AC-894A-20AD8220B887}" type="datetime1">
               <a:rPr lang="en-US" smtClean="0"/>
               <a:pPr/>
-              <a:t>5/1/2018</a:t>
+              <a:t>5/3/2018</a:t>
             </a:fld>
             <a:endParaRPr lang="en-US" dirty="0"/>
           </a:p>
@@ -6860,7 +6863,7 @@
             <a:fld id="{94C81B4D-F060-418E-A958-B2BDC1A258F8}" type="datetime1">
               <a:rPr lang="en-US" smtClean="0"/>
               <a:pPr/>
-              <a:t>5/1/2018</a:t>
+              <a:t>5/3/2018</a:t>
             </a:fld>
             <a:endParaRPr lang="en-US" dirty="0"/>
           </a:p>
@@ -7003,7 +7006,7 @@
             <a:fld id="{9386AC23-C97B-41FB-9B89-C7FE0FB631CA}" type="datetime1">
               <a:rPr lang="en-US" smtClean="0"/>
               <a:pPr/>
-              <a:t>5/1/2018</a:t>
+              <a:t>5/3/2018</a:t>
             </a:fld>
             <a:endParaRPr lang="en-US" dirty="0"/>
           </a:p>
@@ -7118,7 +7121,7 @@
             <a:fld id="{C81B9673-AC7F-4F1F-84E4-F0E5EAAE106D}" type="datetime1">
               <a:rPr lang="en-US" smtClean="0"/>
               <a:pPr/>
-              <a:t>5/1/2018</a:t>
+              <a:t>5/3/2018</a:t>
             </a:fld>
             <a:endParaRPr lang="en-US" dirty="0"/>
           </a:p>
@@ -7420,7 +7423,7 @@
             <a:fld id="{BA2A3310-D664-4933-9402-AB5DB0887727}" type="datetime1">
               <a:rPr lang="en-US" smtClean="0"/>
               <a:pPr/>
-              <a:t>5/1/2018</a:t>
+              <a:t>5/3/2018</a:t>
             </a:fld>
             <a:endParaRPr lang="en-US" dirty="0"/>
           </a:p>
@@ -7712,7 +7715,7 @@
             <a:fld id="{E1447A63-5E3D-469C-A0D1-119323F4F95E}" type="datetime1">
               <a:rPr lang="en-US" smtClean="0"/>
               <a:pPr/>
-              <a:t>5/1/2018</a:t>
+              <a:t>5/3/2018</a:t>
             </a:fld>
             <a:endParaRPr lang="en-US" dirty="0"/>
           </a:p>
@@ -8098,7 +8101,7 @@
             <a:fld id="{1E56E745-E731-42F7-BC46-83DD513FC98F}" type="datetime1">
               <a:rPr lang="en-US" smtClean="0"/>
               <a:pPr/>
-              <a:t>5/1/2018</a:t>
+              <a:t>5/3/2018</a:t>
             </a:fld>
             <a:endParaRPr lang="en-US" dirty="0"/>
           </a:p>
@@ -8504,14 +8507,19 @@
             <p:ph type="ctrTitle"/>
           </p:nvPr>
         </p:nvSpPr>
-        <p:spPr/>
+        <p:spPr>
+          <a:xfrm>
+            <a:off x="1751776" y="3019706"/>
+            <a:ext cx="5051695" cy="2387600"/>
+          </a:xfrm>
+        </p:spPr>
         <p:txBody>
           <a:bodyPr/>
           <a:lstStyle/>
           <a:p>
             <a:r>
-              <a:rPr lang="en-GB"/>
-              <a:t>Biodiversity for the National Parks</a:t>
+              <a:rPr lang="en-GB" dirty="0"/>
+              <a:t>Biodiversity Project</a:t>
             </a:r>
             <a:endParaRPr lang="en-US" dirty="0"/>
           </a:p>
@@ -8534,7 +8542,7 @@
           <a:p>
             <a:r>
               <a:rPr lang="en-US" dirty="0"/>
-              <a:t>Subtitle</a:t>
+              <a:t>Biodiversity for the national parks</a:t>
             </a:r>
           </a:p>
         </p:txBody>
@@ -8583,67 +8591,7 @@
       </p:grpSpPr>
       <p:sp>
         <p:nvSpPr>
-          <p:cNvPr id="2" name="Title 1"/>
-          <p:cNvSpPr>
-            <a:spLocks noGrp="1"/>
-          </p:cNvSpPr>
-          <p:nvPr>
-            <p:ph type="title"/>
-          </p:nvPr>
-        </p:nvSpPr>
-        <p:spPr/>
-        <p:txBody>
-          <a:bodyPr/>
-          <a:lstStyle/>
-          <a:p>
-            <a:r>
-              <a:rPr lang="en-US" dirty="0"/>
-              <a:t>Add a Slide Title - 4</a:t>
-            </a:r>
-          </a:p>
-        </p:txBody>
-      </p:sp>
-      <p:sp>
-        <p:nvSpPr>
-          <p:cNvPr id="3" name="Content Placeholder 2"/>
-          <p:cNvSpPr>
-            <a:spLocks noGrp="1"/>
-          </p:cNvSpPr>
-          <p:nvPr>
-            <p:ph idx="1"/>
-          </p:nvPr>
-        </p:nvSpPr>
-        <p:spPr/>
-        <p:txBody>
-          <a:bodyPr/>
-          <a:lstStyle/>
-          <a:p>
-            <a:endParaRPr lang="en-US"/>
-          </a:p>
-        </p:txBody>
-      </p:sp>
-      <p:sp>
-        <p:nvSpPr>
-          <p:cNvPr id="4" name="Text Placeholder 3"/>
-          <p:cNvSpPr>
-            <a:spLocks noGrp="1"/>
-          </p:cNvSpPr>
-          <p:nvPr>
-            <p:ph type="body" sz="half" idx="2"/>
-          </p:nvPr>
-        </p:nvSpPr>
-        <p:spPr/>
-        <p:txBody>
-          <a:bodyPr/>
-          <a:lstStyle/>
-          <a:p>
-            <a:endParaRPr lang="en-US"/>
-          </a:p>
-        </p:txBody>
-      </p:sp>
-      <p:sp>
-        <p:nvSpPr>
-          <p:cNvPr id="5" name="Slide Number Placeholder 4"/>
+          <p:cNvPr id="2" name="Slide Number Placeholder 1"/>
           <p:cNvSpPr>
             <a:spLocks noGrp="1"/>
           </p:cNvSpPr>
@@ -8666,7 +8614,7 @@
       </p:sp>
       <p:sp>
         <p:nvSpPr>
-          <p:cNvPr id="6" name="Date Placeholder 5"/>
+          <p:cNvPr id="3" name="Date Placeholder 2"/>
           <p:cNvSpPr>
             <a:spLocks noGrp="1"/>
           </p:cNvSpPr>
@@ -8679,10 +8627,10 @@
           <a:bodyPr/>
           <a:lstStyle/>
           <a:p>
-            <a:fld id="{BA2A3310-D664-4933-9402-AB5DB0887727}" type="datetime1">
+            <a:fld id="{C81B9673-AC7F-4F1F-84E4-F0E5EAAE106D}" type="datetime1">
               <a:rPr lang="en-US" smtClean="0"/>
               <a:pPr/>
-              <a:t>5/1/2018</a:t>
+              <a:t>5/3/2018</a:t>
             </a:fld>
             <a:endParaRPr lang="en-US" dirty="0"/>
           </a:p>
@@ -8690,7 +8638,7 @@
       </p:sp>
       <p:sp>
         <p:nvSpPr>
-          <p:cNvPr id="7" name="Footer Placeholder 6"/>
+          <p:cNvPr id="4" name="Footer Placeholder 3"/>
           <p:cNvSpPr>
             <a:spLocks noGrp="1"/>
           </p:cNvSpPr>
@@ -8714,7 +8662,7 @@
     </p:spTree>
     <p:extLst>
       <p:ext uri="{BB962C8B-B14F-4D97-AF65-F5344CB8AC3E}">
-        <p14:creationId xmlns:p14="http://schemas.microsoft.com/office/powerpoint/2010/main" val="3971194441"/>
+        <p14:creationId xmlns:p14="http://schemas.microsoft.com/office/powerpoint/2010/main" val="109062006"/>
       </p:ext>
     </p:extLst>
   </p:cSld>
@@ -8770,22 +8718,29 @@
           <a:p>
             <a:r>
               <a:rPr lang="en-US" dirty="0"/>
-              <a:t>Add a Slide Title - 5</a:t>
-            </a:r>
-          </a:p>
-        </p:txBody>
-      </p:sp>
-      <p:sp>
-        <p:nvSpPr>
-          <p:cNvPr id="3" name="Picture Placeholder 2" descr="An empty placeholder to add an image. Click on the placeholder and select the image that you wish to add"/>
-          <p:cNvSpPr>
-            <a:spLocks noGrp="1"/>
-          </p:cNvSpPr>
-          <p:nvPr>
-            <p:ph type="pic" idx="1"/>
+              <a:t>Add a Slide Title - 4</a:t>
+            </a:r>
+          </a:p>
+        </p:txBody>
+      </p:sp>
+      <p:sp>
+        <p:nvSpPr>
+          <p:cNvPr id="3" name="Content Placeholder 2"/>
+          <p:cNvSpPr>
+            <a:spLocks noGrp="1"/>
+          </p:cNvSpPr>
+          <p:nvPr>
+            <p:ph idx="1"/>
           </p:nvPr>
         </p:nvSpPr>
         <p:spPr/>
+        <p:txBody>
+          <a:bodyPr/>
+          <a:lstStyle/>
+          <a:p>
+            <a:endParaRPr lang="en-US"/>
+          </a:p>
+        </p:txBody>
       </p:sp>
       <p:sp>
         <p:nvSpPr>
@@ -8844,10 +8799,163 @@
           <a:bodyPr/>
           <a:lstStyle/>
           <a:p>
+            <a:fld id="{BA2A3310-D664-4933-9402-AB5DB0887727}" type="datetime1">
+              <a:rPr lang="en-US" smtClean="0"/>
+              <a:pPr/>
+              <a:t>5/3/2018</a:t>
+            </a:fld>
+            <a:endParaRPr lang="en-US" dirty="0"/>
+          </a:p>
+        </p:txBody>
+      </p:sp>
+      <p:sp>
+        <p:nvSpPr>
+          <p:cNvPr id="7" name="Footer Placeholder 6"/>
+          <p:cNvSpPr>
+            <a:spLocks noGrp="1"/>
+          </p:cNvSpPr>
+          <p:nvPr>
+            <p:ph type="ftr" sz="quarter" idx="11"/>
+          </p:nvPr>
+        </p:nvSpPr>
+        <p:spPr/>
+        <p:txBody>
+          <a:bodyPr/>
+          <a:lstStyle/>
+          <a:p>
+            <a:r>
+              <a:rPr lang="en-US"/>
+              <a:t>Add a footer</a:t>
+            </a:r>
+            <a:endParaRPr lang="en-US" dirty="0"/>
+          </a:p>
+        </p:txBody>
+      </p:sp>
+    </p:spTree>
+    <p:extLst>
+      <p:ext uri="{BB962C8B-B14F-4D97-AF65-F5344CB8AC3E}">
+        <p14:creationId xmlns:p14="http://schemas.microsoft.com/office/powerpoint/2010/main" val="3971194441"/>
+      </p:ext>
+    </p:extLst>
+  </p:cSld>
+  <p:clrMapOvr>
+    <a:masterClrMapping/>
+  </p:clrMapOvr>
+  <mc:AlternateContent xmlns:mc="http://schemas.openxmlformats.org/markup-compatibility/2006" xmlns:p14="http://schemas.microsoft.com/office/powerpoint/2010/main">
+    <mc:Choice Requires="p14">
+      <p:transition spd="med" p14:dur="700">
+        <p:fade/>
+      </p:transition>
+    </mc:Choice>
+    <mc:Fallback xmlns="">
+      <p:transition spd="med">
+        <p:fade/>
+      </p:transition>
+    </mc:Fallback>
+  </mc:AlternateContent>
+</p:sld>
+</file>
+
+<file path=ppt/slides/slide12.xml><?xml version="1.0" encoding="utf-8"?>
+<p:sld xmlns:a="http://schemas.openxmlformats.org/drawingml/2006/main" xmlns:r="http://schemas.openxmlformats.org/officeDocument/2006/relationships" xmlns:p="http://schemas.openxmlformats.org/presentationml/2006/main">
+  <p:cSld>
+    <p:spTree>
+      <p:nvGrpSpPr>
+        <p:cNvPr id="1" name=""/>
+        <p:cNvGrpSpPr/>
+        <p:nvPr/>
+      </p:nvGrpSpPr>
+      <p:grpSpPr>
+        <a:xfrm>
+          <a:off x="0" y="0"/>
+          <a:ext cx="0" cy="0"/>
+          <a:chOff x="0" y="0"/>
+          <a:chExt cx="0" cy="0"/>
+        </a:xfrm>
+      </p:grpSpPr>
+      <p:sp>
+        <p:nvSpPr>
+          <p:cNvPr id="2" name="Title 1"/>
+          <p:cNvSpPr>
+            <a:spLocks noGrp="1"/>
+          </p:cNvSpPr>
+          <p:nvPr>
+            <p:ph type="title"/>
+          </p:nvPr>
+        </p:nvSpPr>
+        <p:spPr/>
+        <p:txBody>
+          <a:bodyPr/>
+          <a:lstStyle/>
+          <a:p>
+            <a:r>
+              <a:rPr lang="en-US" dirty="0"/>
+              <a:t>Add a Slide Title - 5</a:t>
+            </a:r>
+          </a:p>
+        </p:txBody>
+      </p:sp>
+      <p:sp>
+        <p:nvSpPr>
+          <p:cNvPr id="4" name="Text Placeholder 3"/>
+          <p:cNvSpPr>
+            <a:spLocks noGrp="1"/>
+          </p:cNvSpPr>
+          <p:nvPr>
+            <p:ph type="body" sz="half" idx="2"/>
+          </p:nvPr>
+        </p:nvSpPr>
+        <p:spPr/>
+        <p:txBody>
+          <a:bodyPr/>
+          <a:lstStyle/>
+          <a:p>
+            <a:endParaRPr lang="en-US"/>
+          </a:p>
+        </p:txBody>
+      </p:sp>
+      <p:sp>
+        <p:nvSpPr>
+          <p:cNvPr id="5" name="Slide Number Placeholder 4"/>
+          <p:cNvSpPr>
+            <a:spLocks noGrp="1"/>
+          </p:cNvSpPr>
+          <p:nvPr>
+            <p:ph type="sldNum" sz="quarter" idx="12"/>
+          </p:nvPr>
+        </p:nvSpPr>
+        <p:spPr/>
+        <p:txBody>
+          <a:bodyPr/>
+          <a:lstStyle/>
+          <a:p>
+            <a:fld id="{9CD8D479-8942-46E8-A226-A4E01F7A105C}" type="slidenum">
+              <a:rPr lang="en-US" smtClean="0"/>
+              <a:t>12</a:t>
+            </a:fld>
+            <a:endParaRPr lang="en-US"/>
+          </a:p>
+        </p:txBody>
+      </p:sp>
+      <p:sp>
+        <p:nvSpPr>
+          <p:cNvPr id="6" name="Date Placeholder 5"/>
+          <p:cNvSpPr>
+            <a:spLocks noGrp="1"/>
+          </p:cNvSpPr>
+          <p:nvPr>
+            <p:ph type="dt" sz="half" idx="10"/>
+          </p:nvPr>
+        </p:nvSpPr>
+        <p:spPr/>
+        <p:txBody>
+          <a:bodyPr/>
+          <a:lstStyle/>
+          <a:p>
             <a:fld id="{E1447A63-5E3D-469C-A0D1-119323F4F95E}" type="datetime1">
               <a:rPr lang="en-US" smtClean="0"/>
               <a:pPr/>
-              <a:t>5/1/2018</a:t>
+              <a:t>5/3/2018</a:t>
             </a:fld>
             <a:endParaRPr lang="en-US" dirty="0"/>
           </a:p>
@@ -8875,11 +8983,582 @@
             <a:endParaRPr lang="en-US" dirty="0"/>
           </a:p>
         </p:txBody>
+      </p:sp>
+      <p:sp>
+        <p:nvSpPr>
+          <p:cNvPr id="18" name="Picture Placeholder 17">
+            <a:extLst>
+              <a:ext uri="{FF2B5EF4-FFF2-40B4-BE49-F238E27FC236}">
+                <a16:creationId xmlns:a16="http://schemas.microsoft.com/office/drawing/2014/main" id="{B2F7CCFF-52ED-4391-B08A-F4D0372E296B}"/>
+              </a:ext>
+            </a:extLst>
+          </p:cNvPr>
+          <p:cNvSpPr>
+            <a:spLocks noGrp="1"/>
+          </p:cNvSpPr>
+          <p:nvPr>
+            <p:ph type="pic" idx="1"/>
+          </p:nvPr>
+        </p:nvSpPr>
+        <p:spPr/>
       </p:sp>
     </p:spTree>
     <p:extLst>
       <p:ext uri="{BB962C8B-B14F-4D97-AF65-F5344CB8AC3E}">
         <p14:creationId xmlns:p14="http://schemas.microsoft.com/office/powerpoint/2010/main" val="1445667631"/>
+      </p:ext>
+    </p:extLst>
+  </p:cSld>
+  <p:clrMapOvr>
+    <a:masterClrMapping/>
+  </p:clrMapOvr>
+  <mc:AlternateContent xmlns:mc="http://schemas.openxmlformats.org/markup-compatibility/2006" xmlns:p14="http://schemas.microsoft.com/office/powerpoint/2010/main">
+    <mc:Choice Requires="p14">
+      <p:transition spd="med" p14:dur="700">
+        <p:fade/>
+      </p:transition>
+    </mc:Choice>
+    <mc:Fallback xmlns="">
+      <p:transition spd="med">
+        <p:fade/>
+      </p:transition>
+    </mc:Fallback>
+  </mc:AlternateContent>
+</p:sld>
+</file>
+
+<file path=ppt/slides/slide13.xml><?xml version="1.0" encoding="utf-8"?>
+<p:sld xmlns:a="http://schemas.openxmlformats.org/drawingml/2006/main" xmlns:r="http://schemas.openxmlformats.org/officeDocument/2006/relationships" xmlns:p="http://schemas.openxmlformats.org/presentationml/2006/main">
+  <p:cSld>
+    <p:spTree>
+      <p:nvGrpSpPr>
+        <p:cNvPr id="1" name=""/>
+        <p:cNvGrpSpPr/>
+        <p:nvPr/>
+      </p:nvGrpSpPr>
+      <p:grpSpPr>
+        <a:xfrm>
+          <a:off x="0" y="0"/>
+          <a:ext cx="0" cy="0"/>
+          <a:chOff x="0" y="0"/>
+          <a:chExt cx="0" cy="0"/>
+        </a:xfrm>
+      </p:grpSpPr>
+      <p:sp>
+        <p:nvSpPr>
+          <p:cNvPr id="2" name="Title 1">
+            <a:extLst>
+              <a:ext uri="{FF2B5EF4-FFF2-40B4-BE49-F238E27FC236}">
+                <a16:creationId xmlns:a16="http://schemas.microsoft.com/office/drawing/2014/main" id="{C88F9A59-0457-4143-87C3-80307D7432F9}"/>
+              </a:ext>
+            </a:extLst>
+          </p:cNvPr>
+          <p:cNvSpPr>
+            <a:spLocks noGrp="1"/>
+          </p:cNvSpPr>
+          <p:nvPr>
+            <p:ph type="title"/>
+          </p:nvPr>
+        </p:nvSpPr>
+        <p:spPr/>
+        <p:txBody>
+          <a:bodyPr/>
+          <a:lstStyle/>
+          <a:p>
+            <a:endParaRPr lang="en-GB"/>
+          </a:p>
+        </p:txBody>
+      </p:sp>
+      <p:sp>
+        <p:nvSpPr>
+          <p:cNvPr id="3" name="Text Placeholder 2">
+            <a:extLst>
+              <a:ext uri="{FF2B5EF4-FFF2-40B4-BE49-F238E27FC236}">
+                <a16:creationId xmlns:a16="http://schemas.microsoft.com/office/drawing/2014/main" id="{519296E9-831A-4D05-BB07-55E8D08F3550}"/>
+              </a:ext>
+            </a:extLst>
+          </p:cNvPr>
+          <p:cNvSpPr>
+            <a:spLocks noGrp="1"/>
+          </p:cNvSpPr>
+          <p:nvPr>
+            <p:ph type="body" idx="1"/>
+          </p:nvPr>
+        </p:nvSpPr>
+        <p:spPr/>
+        <p:txBody>
+          <a:bodyPr/>
+          <a:lstStyle/>
+          <a:p>
+            <a:endParaRPr lang="en-GB"/>
+          </a:p>
+        </p:txBody>
+      </p:sp>
+      <p:pic>
+        <p:nvPicPr>
+          <p:cNvPr id="11" name="Content Placeholder 10" descr="A screenshot of a cell phone&#10;&#10;Description generated with high confidence">
+            <a:extLst>
+              <a:ext uri="{FF2B5EF4-FFF2-40B4-BE49-F238E27FC236}">
+                <a16:creationId xmlns:a16="http://schemas.microsoft.com/office/drawing/2014/main" id="{A9717D17-3F1F-4970-93AF-1140BC540902}"/>
+              </a:ext>
+            </a:extLst>
+          </p:cNvPr>
+          <p:cNvPicPr>
+            <a:picLocks noGrp="1" noChangeAspect="1"/>
+          </p:cNvPicPr>
+          <p:nvPr>
+            <p:ph sz="half" idx="2"/>
+          </p:nvPr>
+        </p:nvPicPr>
+        <p:blipFill>
+          <a:blip r:embed="rId2">
+            <a:extLst>
+              <a:ext uri="{28A0092B-C50C-407E-A947-70E740481C1C}">
+                <a14:useLocalDpi xmlns:a14="http://schemas.microsoft.com/office/drawing/2010/main" val="0"/>
+              </a:ext>
+            </a:extLst>
+          </a:blip>
+          <a:stretch>
+            <a:fillRect/>
+          </a:stretch>
+        </p:blipFill>
+        <p:spPr>
+          <a:xfrm>
+            <a:off x="1409700" y="3699091"/>
+            <a:ext cx="4608513" cy="1280681"/>
+          </a:xfrm>
+        </p:spPr>
+      </p:pic>
+      <p:sp>
+        <p:nvSpPr>
+          <p:cNvPr id="5" name="Text Placeholder 4">
+            <a:extLst>
+              <a:ext uri="{FF2B5EF4-FFF2-40B4-BE49-F238E27FC236}">
+                <a16:creationId xmlns:a16="http://schemas.microsoft.com/office/drawing/2014/main" id="{8CF0AFFA-1B88-4A71-B5C1-8C44BD2C691C}"/>
+              </a:ext>
+            </a:extLst>
+          </p:cNvPr>
+          <p:cNvSpPr>
+            <a:spLocks noGrp="1"/>
+          </p:cNvSpPr>
+          <p:nvPr>
+            <p:ph type="body" sz="quarter" idx="3"/>
+          </p:nvPr>
+        </p:nvSpPr>
+        <p:spPr/>
+        <p:txBody>
+          <a:bodyPr/>
+          <a:lstStyle/>
+          <a:p>
+            <a:endParaRPr lang="en-GB" dirty="0"/>
+          </a:p>
+        </p:txBody>
+      </p:sp>
+      <p:pic>
+        <p:nvPicPr>
+          <p:cNvPr id="13" name="Content Placeholder 12">
+            <a:extLst>
+              <a:ext uri="{FF2B5EF4-FFF2-40B4-BE49-F238E27FC236}">
+                <a16:creationId xmlns:a16="http://schemas.microsoft.com/office/drawing/2014/main" id="{A763166C-E011-441A-9162-6D8C2BC524FC}"/>
+              </a:ext>
+            </a:extLst>
+          </p:cNvPr>
+          <p:cNvPicPr>
+            <a:picLocks noGrp="1" noChangeAspect="1"/>
+          </p:cNvPicPr>
+          <p:nvPr>
+            <p:ph sz="quarter" idx="4"/>
+          </p:nvPr>
+        </p:nvPicPr>
+        <p:blipFill>
+          <a:blip r:embed="rId3">
+            <a:extLst>
+              <a:ext uri="{28A0092B-C50C-407E-A947-70E740481C1C}">
+                <a14:useLocalDpi xmlns:a14="http://schemas.microsoft.com/office/drawing/2010/main" val="0"/>
+              </a:ext>
+            </a:extLst>
+          </a:blip>
+          <a:stretch>
+            <a:fillRect/>
+          </a:stretch>
+        </p:blipFill>
+        <p:spPr>
+          <a:xfrm>
+            <a:off x="6172200" y="3361082"/>
+            <a:ext cx="4610100" cy="1956698"/>
+          </a:xfrm>
+        </p:spPr>
+      </p:pic>
+      <p:sp>
+        <p:nvSpPr>
+          <p:cNvPr id="7" name="Slide Number Placeholder 6">
+            <a:extLst>
+              <a:ext uri="{FF2B5EF4-FFF2-40B4-BE49-F238E27FC236}">
+                <a16:creationId xmlns:a16="http://schemas.microsoft.com/office/drawing/2014/main" id="{5CAE6649-673B-4AC3-8BAC-94CE14138CBF}"/>
+              </a:ext>
+            </a:extLst>
+          </p:cNvPr>
+          <p:cNvSpPr>
+            <a:spLocks noGrp="1"/>
+          </p:cNvSpPr>
+          <p:nvPr>
+            <p:ph type="sldNum" sz="quarter" idx="12"/>
+          </p:nvPr>
+        </p:nvSpPr>
+        <p:spPr/>
+        <p:txBody>
+          <a:bodyPr/>
+          <a:lstStyle/>
+          <a:p>
+            <a:fld id="{9CD8D479-8942-46E8-A226-A4E01F7A105C}" type="slidenum">
+              <a:rPr lang="en-GB" smtClean="0"/>
+              <a:t>13</a:t>
+            </a:fld>
+            <a:endParaRPr lang="en-GB" dirty="0"/>
+          </a:p>
+        </p:txBody>
+      </p:sp>
+      <p:sp>
+        <p:nvSpPr>
+          <p:cNvPr id="8" name="Date Placeholder 7">
+            <a:extLst>
+              <a:ext uri="{FF2B5EF4-FFF2-40B4-BE49-F238E27FC236}">
+                <a16:creationId xmlns:a16="http://schemas.microsoft.com/office/drawing/2014/main" id="{B4724AE8-AA2D-4DBE-B5A3-6CC4AF6AE73A}"/>
+              </a:ext>
+            </a:extLst>
+          </p:cNvPr>
+          <p:cNvSpPr>
+            <a:spLocks noGrp="1"/>
+          </p:cNvSpPr>
+          <p:nvPr>
+            <p:ph type="dt" sz="half" idx="10"/>
+          </p:nvPr>
+        </p:nvSpPr>
+        <p:spPr/>
+        <p:txBody>
+          <a:bodyPr/>
+          <a:lstStyle/>
+          <a:p>
+            <a:fld id="{94C81B4D-F060-418E-A958-B2BDC1A258F8}" type="datetime1">
+              <a:rPr lang="en-US" smtClean="0"/>
+              <a:pPr/>
+              <a:t>5/3/2018</a:t>
+            </a:fld>
+            <a:endParaRPr lang="en-US" dirty="0"/>
+          </a:p>
+        </p:txBody>
+      </p:sp>
+      <p:sp>
+        <p:nvSpPr>
+          <p:cNvPr id="9" name="Footer Placeholder 8">
+            <a:extLst>
+              <a:ext uri="{FF2B5EF4-FFF2-40B4-BE49-F238E27FC236}">
+                <a16:creationId xmlns:a16="http://schemas.microsoft.com/office/drawing/2014/main" id="{AB999353-566E-499C-9522-735942A4D81C}"/>
+              </a:ext>
+            </a:extLst>
+          </p:cNvPr>
+          <p:cNvSpPr>
+            <a:spLocks noGrp="1"/>
+          </p:cNvSpPr>
+          <p:nvPr>
+            <p:ph type="ftr" sz="quarter" idx="11"/>
+          </p:nvPr>
+        </p:nvSpPr>
+        <p:spPr/>
+        <p:txBody>
+          <a:bodyPr/>
+          <a:lstStyle/>
+          <a:p>
+            <a:r>
+              <a:rPr lang="en-US"/>
+              <a:t>Add a footer</a:t>
+            </a:r>
+            <a:endParaRPr lang="en-US" dirty="0"/>
+          </a:p>
+        </p:txBody>
+      </p:sp>
+    </p:spTree>
+    <p:extLst>
+      <p:ext uri="{BB962C8B-B14F-4D97-AF65-F5344CB8AC3E}">
+        <p14:creationId xmlns:p14="http://schemas.microsoft.com/office/powerpoint/2010/main" val="3104717575"/>
+      </p:ext>
+    </p:extLst>
+  </p:cSld>
+  <p:clrMapOvr>
+    <a:masterClrMapping/>
+  </p:clrMapOvr>
+  <mc:AlternateContent xmlns:mc="http://schemas.openxmlformats.org/markup-compatibility/2006" xmlns:p14="http://schemas.microsoft.com/office/powerpoint/2010/main">
+    <mc:Choice Requires="p14">
+      <p:transition spd="med" p14:dur="700">
+        <p:fade/>
+      </p:transition>
+    </mc:Choice>
+    <mc:Fallback xmlns="">
+      <p:transition spd="med">
+        <p:fade/>
+      </p:transition>
+    </mc:Fallback>
+  </mc:AlternateContent>
+</p:sld>
+</file>
+
+<file path=ppt/slides/slide14.xml><?xml version="1.0" encoding="utf-8"?>
+<p:sld xmlns:a="http://schemas.openxmlformats.org/drawingml/2006/main" xmlns:r="http://schemas.openxmlformats.org/officeDocument/2006/relationships" xmlns:p="http://schemas.openxmlformats.org/presentationml/2006/main">
+  <p:cSld>
+    <p:spTree>
+      <p:nvGrpSpPr>
+        <p:cNvPr id="1" name=""/>
+        <p:cNvGrpSpPr/>
+        <p:nvPr/>
+      </p:nvGrpSpPr>
+      <p:grpSpPr>
+        <a:xfrm>
+          <a:off x="0" y="0"/>
+          <a:ext cx="0" cy="0"/>
+          <a:chOff x="0" y="0"/>
+          <a:chExt cx="0" cy="0"/>
+        </a:xfrm>
+      </p:grpSpPr>
+      <p:sp>
+        <p:nvSpPr>
+          <p:cNvPr id="2" name="Title 1">
+            <a:extLst>
+              <a:ext uri="{FF2B5EF4-FFF2-40B4-BE49-F238E27FC236}">
+                <a16:creationId xmlns:a16="http://schemas.microsoft.com/office/drawing/2014/main" id="{C88F9A59-0457-4143-87C3-80307D7432F9}"/>
+              </a:ext>
+            </a:extLst>
+          </p:cNvPr>
+          <p:cNvSpPr>
+            <a:spLocks noGrp="1"/>
+          </p:cNvSpPr>
+          <p:nvPr>
+            <p:ph type="title"/>
+          </p:nvPr>
+        </p:nvSpPr>
+        <p:spPr/>
+        <p:txBody>
+          <a:bodyPr/>
+          <a:lstStyle/>
+          <a:p>
+            <a:r>
+              <a:rPr lang="en-GB" dirty="0"/>
+              <a:t>Observation of per week</a:t>
+            </a:r>
+          </a:p>
+        </p:txBody>
+      </p:sp>
+      <p:sp>
+        <p:nvSpPr>
+          <p:cNvPr id="3" name="Text Placeholder 2">
+            <a:extLst>
+              <a:ext uri="{FF2B5EF4-FFF2-40B4-BE49-F238E27FC236}">
+                <a16:creationId xmlns:a16="http://schemas.microsoft.com/office/drawing/2014/main" id="{519296E9-831A-4D05-BB07-55E8D08F3550}"/>
+              </a:ext>
+            </a:extLst>
+          </p:cNvPr>
+          <p:cNvSpPr>
+            <a:spLocks noGrp="1"/>
+          </p:cNvSpPr>
+          <p:nvPr>
+            <p:ph type="body" idx="1"/>
+          </p:nvPr>
+        </p:nvSpPr>
+        <p:spPr/>
+        <p:txBody>
+          <a:bodyPr/>
+          <a:lstStyle/>
+          <a:p>
+            <a:endParaRPr lang="en-GB"/>
+          </a:p>
+        </p:txBody>
+      </p:sp>
+      <p:pic>
+        <p:nvPicPr>
+          <p:cNvPr id="11" name="Content Placeholder 10" descr="A screenshot of a cell phone&#10;&#10;Description generated with high confidence">
+            <a:extLst>
+              <a:ext uri="{FF2B5EF4-FFF2-40B4-BE49-F238E27FC236}">
+                <a16:creationId xmlns:a16="http://schemas.microsoft.com/office/drawing/2014/main" id="{A9717D17-3F1F-4970-93AF-1140BC540902}"/>
+              </a:ext>
+            </a:extLst>
+          </p:cNvPr>
+          <p:cNvPicPr>
+            <a:picLocks noGrp="1" noChangeAspect="1"/>
+          </p:cNvPicPr>
+          <p:nvPr>
+            <p:ph sz="half" idx="2"/>
+          </p:nvPr>
+        </p:nvPicPr>
+        <p:blipFill>
+          <a:blip r:embed="rId2">
+            <a:extLst>
+              <a:ext uri="{28A0092B-C50C-407E-A947-70E740481C1C}">
+                <a14:useLocalDpi xmlns:a14="http://schemas.microsoft.com/office/drawing/2010/main" val="0"/>
+              </a:ext>
+            </a:extLst>
+          </a:blip>
+          <a:stretch>
+            <a:fillRect/>
+          </a:stretch>
+        </p:blipFill>
+        <p:spPr>
+          <a:xfrm>
+            <a:off x="1409700" y="3699091"/>
+            <a:ext cx="4608513" cy="1280681"/>
+          </a:xfrm>
+        </p:spPr>
+      </p:pic>
+      <p:sp>
+        <p:nvSpPr>
+          <p:cNvPr id="5" name="Text Placeholder 4">
+            <a:extLst>
+              <a:ext uri="{FF2B5EF4-FFF2-40B4-BE49-F238E27FC236}">
+                <a16:creationId xmlns:a16="http://schemas.microsoft.com/office/drawing/2014/main" id="{8CF0AFFA-1B88-4A71-B5C1-8C44BD2C691C}"/>
+              </a:ext>
+            </a:extLst>
+          </p:cNvPr>
+          <p:cNvSpPr>
+            <a:spLocks noGrp="1"/>
+          </p:cNvSpPr>
+          <p:nvPr>
+            <p:ph type="body" sz="quarter" idx="3"/>
+          </p:nvPr>
+        </p:nvSpPr>
+        <p:spPr/>
+        <p:txBody>
+          <a:bodyPr/>
+          <a:lstStyle/>
+          <a:p>
+            <a:endParaRPr lang="en-GB" dirty="0"/>
+          </a:p>
+        </p:txBody>
+      </p:sp>
+      <p:pic>
+        <p:nvPicPr>
+          <p:cNvPr id="13" name="Content Placeholder 12">
+            <a:extLst>
+              <a:ext uri="{FF2B5EF4-FFF2-40B4-BE49-F238E27FC236}">
+                <a16:creationId xmlns:a16="http://schemas.microsoft.com/office/drawing/2014/main" id="{A763166C-E011-441A-9162-6D8C2BC524FC}"/>
+              </a:ext>
+            </a:extLst>
+          </p:cNvPr>
+          <p:cNvPicPr>
+            <a:picLocks noGrp="1" noChangeAspect="1"/>
+          </p:cNvPicPr>
+          <p:nvPr>
+            <p:ph sz="quarter" idx="4"/>
+          </p:nvPr>
+        </p:nvPicPr>
+        <p:blipFill>
+          <a:blip r:embed="rId3">
+            <a:extLst>
+              <a:ext uri="{28A0092B-C50C-407E-A947-70E740481C1C}">
+                <a14:useLocalDpi xmlns:a14="http://schemas.microsoft.com/office/drawing/2010/main" val="0"/>
+              </a:ext>
+            </a:extLst>
+          </a:blip>
+          <a:stretch>
+            <a:fillRect/>
+          </a:stretch>
+        </p:blipFill>
+        <p:spPr>
+          <a:xfrm>
+            <a:off x="6172200" y="3361082"/>
+            <a:ext cx="4610100" cy="1956698"/>
+          </a:xfrm>
+        </p:spPr>
+      </p:pic>
+      <p:sp>
+        <p:nvSpPr>
+          <p:cNvPr id="7" name="Slide Number Placeholder 6">
+            <a:extLst>
+              <a:ext uri="{FF2B5EF4-FFF2-40B4-BE49-F238E27FC236}">
+                <a16:creationId xmlns:a16="http://schemas.microsoft.com/office/drawing/2014/main" id="{5CAE6649-673B-4AC3-8BAC-94CE14138CBF}"/>
+              </a:ext>
+            </a:extLst>
+          </p:cNvPr>
+          <p:cNvSpPr>
+            <a:spLocks noGrp="1"/>
+          </p:cNvSpPr>
+          <p:nvPr>
+            <p:ph type="sldNum" sz="quarter" idx="12"/>
+          </p:nvPr>
+        </p:nvSpPr>
+        <p:spPr/>
+        <p:txBody>
+          <a:bodyPr/>
+          <a:lstStyle/>
+          <a:p>
+            <a:fld id="{9CD8D479-8942-46E8-A226-A4E01F7A105C}" type="slidenum">
+              <a:rPr lang="en-GB" smtClean="0"/>
+              <a:t>14</a:t>
+            </a:fld>
+            <a:endParaRPr lang="en-GB" dirty="0"/>
+          </a:p>
+        </p:txBody>
+      </p:sp>
+      <p:sp>
+        <p:nvSpPr>
+          <p:cNvPr id="8" name="Date Placeholder 7">
+            <a:extLst>
+              <a:ext uri="{FF2B5EF4-FFF2-40B4-BE49-F238E27FC236}">
+                <a16:creationId xmlns:a16="http://schemas.microsoft.com/office/drawing/2014/main" id="{B4724AE8-AA2D-4DBE-B5A3-6CC4AF6AE73A}"/>
+              </a:ext>
+            </a:extLst>
+          </p:cNvPr>
+          <p:cNvSpPr>
+            <a:spLocks noGrp="1"/>
+          </p:cNvSpPr>
+          <p:nvPr>
+            <p:ph type="dt" sz="half" idx="10"/>
+          </p:nvPr>
+        </p:nvSpPr>
+        <p:spPr/>
+        <p:txBody>
+          <a:bodyPr/>
+          <a:lstStyle/>
+          <a:p>
+            <a:fld id="{94C81B4D-F060-418E-A958-B2BDC1A258F8}" type="datetime1">
+              <a:rPr lang="en-US" smtClean="0"/>
+              <a:pPr/>
+              <a:t>5/3/2018</a:t>
+            </a:fld>
+            <a:endParaRPr lang="en-US" dirty="0"/>
+          </a:p>
+        </p:txBody>
+      </p:sp>
+      <p:sp>
+        <p:nvSpPr>
+          <p:cNvPr id="9" name="Footer Placeholder 8">
+            <a:extLst>
+              <a:ext uri="{FF2B5EF4-FFF2-40B4-BE49-F238E27FC236}">
+                <a16:creationId xmlns:a16="http://schemas.microsoft.com/office/drawing/2014/main" id="{AB999353-566E-499C-9522-735942A4D81C}"/>
+              </a:ext>
+            </a:extLst>
+          </p:cNvPr>
+          <p:cNvSpPr>
+            <a:spLocks noGrp="1"/>
+          </p:cNvSpPr>
+          <p:nvPr>
+            <p:ph type="ftr" sz="quarter" idx="11"/>
+          </p:nvPr>
+        </p:nvSpPr>
+        <p:spPr/>
+        <p:txBody>
+          <a:bodyPr/>
+          <a:lstStyle/>
+          <a:p>
+            <a:r>
+              <a:rPr lang="en-US"/>
+              <a:t>Add a footer</a:t>
+            </a:r>
+            <a:endParaRPr lang="en-US" dirty="0"/>
+          </a:p>
+        </p:txBody>
+      </p:sp>
+    </p:spTree>
+    <p:extLst>
+      <p:ext uri="{BB962C8B-B14F-4D97-AF65-F5344CB8AC3E}">
+        <p14:creationId xmlns:p14="http://schemas.microsoft.com/office/powerpoint/2010/main" val="621303887"/>
       </p:ext>
     </p:extLst>
   </p:cSld>
@@ -8978,20 +9657,53 @@
           <a:p>
             <a:r>
               <a:rPr lang="en-US" dirty="0"/>
-              <a:t>Add your first bullet point here</a:t>
-            </a:r>
-          </a:p>
-          <a:p>
-            <a:r>
-              <a:rPr lang="en-US" dirty="0"/>
-              <a:t>Add your second bullet point here</a:t>
-            </a:r>
-          </a:p>
-          <a:p>
-            <a:r>
-              <a:rPr lang="en-US" dirty="0"/>
-              <a:t>Add your third bullet point here</a:t>
-            </a:r>
+              <a:t>Data description</a:t>
+            </a:r>
+          </a:p>
+          <a:p>
+            <a:r>
+              <a:rPr lang="en-GB" dirty="0"/>
+              <a:t>A section describing the significance calculations that you did for endangered status between different categories of species</a:t>
+            </a:r>
+          </a:p>
+          <a:p>
+            <a:r>
+              <a:rPr lang="en-GB" dirty="0"/>
+              <a:t>A recommendation for conservationists concerned about endangered species, based on your significance calculations</a:t>
+            </a:r>
+          </a:p>
+          <a:p>
+            <a:r>
+              <a:rPr lang="en-GB" dirty="0"/>
+              <a:t>A section describing the sample size determination that you did for the foot and mouth disease study</a:t>
+            </a:r>
+          </a:p>
+          <a:p>
+            <a:r>
+              <a:rPr lang="en-GB" dirty="0"/>
+              <a:t>Foot and mouth disease study</a:t>
+            </a:r>
+          </a:p>
+          <a:p>
+            <a:pPr lvl="1"/>
+            <a:r>
+              <a:rPr lang="en-GB" dirty="0"/>
+              <a:t>Sample size determination</a:t>
+            </a:r>
+          </a:p>
+          <a:p>
+            <a:pPr lvl="1"/>
+            <a:r>
+              <a:rPr lang="en-GB" dirty="0"/>
+              <a:t>recommendation</a:t>
+            </a:r>
+          </a:p>
+          <a:p>
+            <a:r>
+              <a:rPr lang="en-GB" dirty="0"/>
+              <a:t>All of the graphs that you created in the notebook</a:t>
+            </a:r>
+            <a:endParaRPr lang="en-US" dirty="0"/>
           </a:p>
         </p:txBody>
       </p:sp>
@@ -9036,7 +9748,7 @@
             <a:fld id="{6DD1B487-36FD-4CED-B07A-1A81FC6540B1}" type="datetime1">
               <a:rPr lang="en-US" smtClean="0"/>
               <a:pPr/>
-              <a:t>5/1/2018</a:t>
+              <a:t>5/3/2018</a:t>
             </a:fld>
             <a:endParaRPr lang="en-US" dirty="0"/>
           </a:p>
@@ -9109,7 +9821,13 @@
       </p:grpSpPr>
       <p:sp>
         <p:nvSpPr>
-          <p:cNvPr id="2" name="Title 1"/>
+          <p:cNvPr id="2" name="Title 1">
+            <a:extLst>
+              <a:ext uri="{FF2B5EF4-FFF2-40B4-BE49-F238E27FC236}">
+                <a16:creationId xmlns:a16="http://schemas.microsoft.com/office/drawing/2014/main" id="{6F415C1F-E379-403B-ABD7-5FE0A104F91E}"/>
+              </a:ext>
+            </a:extLst>
+          </p:cNvPr>
           <p:cNvSpPr>
             <a:spLocks noGrp="1"/>
           </p:cNvSpPr>
@@ -9123,20 +9841,26 @@
           <a:lstStyle/>
           <a:p>
             <a:r>
-              <a:rPr lang="en-US" dirty="0"/>
-              <a:t>Title and Content Layout with Chart</a:t>
-            </a:r>
-          </a:p>
-        </p:txBody>
-      </p:sp>
-      <p:sp>
-        <p:nvSpPr>
-          <p:cNvPr id="4" name="Slide Number Placeholder 3"/>
-          <p:cNvSpPr>
-            <a:spLocks noGrp="1"/>
-          </p:cNvSpPr>
-          <p:nvPr>
-            <p:ph type="sldNum" sz="quarter" idx="12"/>
+              <a:rPr lang="en-GB" dirty="0"/>
+              <a:t>Data description</a:t>
+            </a:r>
+          </a:p>
+        </p:txBody>
+      </p:sp>
+      <p:sp>
+        <p:nvSpPr>
+          <p:cNvPr id="3" name="Content Placeholder 2">
+            <a:extLst>
+              <a:ext uri="{FF2B5EF4-FFF2-40B4-BE49-F238E27FC236}">
+                <a16:creationId xmlns:a16="http://schemas.microsoft.com/office/drawing/2014/main" id="{C9DDA6E0-B074-495C-8B23-EB109838A35C}"/>
+              </a:ext>
+            </a:extLst>
+          </p:cNvPr>
+          <p:cNvSpPr>
+            <a:spLocks noGrp="1"/>
+          </p:cNvSpPr>
+          <p:nvPr>
+            <p:ph idx="1"/>
           </p:nvPr>
         </p:nvSpPr>
         <p:spPr/>
@@ -9144,17 +9868,66 @@
           <a:bodyPr/>
           <a:lstStyle/>
           <a:p>
+            <a:r>
+              <a:rPr lang="en-GB" dirty="0"/>
+              <a:t>The scientific name of each species</a:t>
+            </a:r>
+          </a:p>
+          <a:p>
+            <a:r>
+              <a:rPr lang="en-GB" dirty="0"/>
+              <a:t>The common names of each species</a:t>
+            </a:r>
+          </a:p>
+          <a:p>
+            <a:r>
+              <a:rPr lang="en-GB" dirty="0"/>
+              <a:t>The species conservation status</a:t>
+            </a:r>
+          </a:p>
+          <a:p>
+            <a:endParaRPr lang="en-GB" dirty="0"/>
+          </a:p>
+        </p:txBody>
+      </p:sp>
+      <p:sp>
+        <p:nvSpPr>
+          <p:cNvPr id="4" name="Slide Number Placeholder 3">
+            <a:extLst>
+              <a:ext uri="{FF2B5EF4-FFF2-40B4-BE49-F238E27FC236}">
+                <a16:creationId xmlns:a16="http://schemas.microsoft.com/office/drawing/2014/main" id="{266642C1-770F-4FCD-97EB-27DE27F965DD}"/>
+              </a:ext>
+            </a:extLst>
+          </p:cNvPr>
+          <p:cNvSpPr>
+            <a:spLocks noGrp="1"/>
+          </p:cNvSpPr>
+          <p:nvPr>
+            <p:ph type="sldNum" sz="quarter" idx="12"/>
+          </p:nvPr>
+        </p:nvSpPr>
+        <p:spPr/>
+        <p:txBody>
+          <a:bodyPr/>
+          <a:lstStyle/>
+          <a:p>
             <a:fld id="{9CD8D479-8942-46E8-A226-A4E01F7A105C}" type="slidenum">
-              <a:rPr lang="en-US" smtClean="0"/>
+              <a:rPr lang="en-GB" smtClean="0"/>
               <a:t>3</a:t>
             </a:fld>
-            <a:endParaRPr lang="en-US"/>
-          </a:p>
-        </p:txBody>
-      </p:sp>
-      <p:sp>
-        <p:nvSpPr>
-          <p:cNvPr id="5" name="Date Placeholder 4"/>
+            <a:endParaRPr lang="en-GB"/>
+          </a:p>
+        </p:txBody>
+      </p:sp>
+      <p:sp>
+        <p:nvSpPr>
+          <p:cNvPr id="5" name="Date Placeholder 4">
+            <a:extLst>
+              <a:ext uri="{FF2B5EF4-FFF2-40B4-BE49-F238E27FC236}">
+                <a16:creationId xmlns:a16="http://schemas.microsoft.com/office/drawing/2014/main" id="{C8427C58-7F8B-49BA-B0D8-90BBC83837B2}"/>
+              </a:ext>
+            </a:extLst>
+          </p:cNvPr>
           <p:cNvSpPr>
             <a:spLocks noGrp="1"/>
           </p:cNvSpPr>
@@ -9170,7 +9943,7 @@
             <a:fld id="{6DD1B487-36FD-4CED-B07A-1A81FC6540B1}" type="datetime1">
               <a:rPr lang="en-US" smtClean="0"/>
               <a:pPr/>
-              <a:t>5/1/2018</a:t>
+              <a:t>5/3/2018</a:t>
             </a:fld>
             <a:endParaRPr lang="en-US" dirty="0"/>
           </a:p>
@@ -9178,7 +9951,13 @@
       </p:sp>
       <p:sp>
         <p:nvSpPr>
-          <p:cNvPr id="6" name="Footer Placeholder 5"/>
+          <p:cNvPr id="6" name="Footer Placeholder 5">
+            <a:extLst>
+              <a:ext uri="{FF2B5EF4-FFF2-40B4-BE49-F238E27FC236}">
+                <a16:creationId xmlns:a16="http://schemas.microsoft.com/office/drawing/2014/main" id="{48FD58BD-05E1-45E1-8B0F-43DB23D080BB}"/>
+              </a:ext>
+            </a:extLst>
+          </p:cNvPr>
           <p:cNvSpPr>
             <a:spLocks noGrp="1"/>
           </p:cNvSpPr>
@@ -9199,35 +9978,40 @@
           </a:p>
         </p:txBody>
       </p:sp>
-      <p:graphicFrame>
-        <p:nvGraphicFramePr>
-          <p:cNvPr id="7" name="Content Placeholder 8" descr="Clustered column chart representing&#10;3 series for 4 categories"/>
-          <p:cNvGraphicFramePr>
-            <a:graphicFrameLocks noGrp="1"/>
-          </p:cNvGraphicFramePr>
-          <p:nvPr>
-            <p:ph idx="1"/>
-            <p:extLst>
-              <p:ext uri="{D42A27DB-BD31-4B8C-83A1-F6EECF244321}">
-                <p14:modId xmlns:p14="http://schemas.microsoft.com/office/powerpoint/2010/main" val="1646913464"/>
-              </p:ext>
-            </p:extLst>
-          </p:nvPr>
-        </p:nvGraphicFramePr>
-        <p:xfrm>
-          <a:off x="1409700" y="1565275"/>
-          <a:ext cx="9372600" cy="4621213"/>
-        </p:xfrm>
-        <a:graphic>
-          <a:graphicData uri="http://schemas.openxmlformats.org/drawingml/2006/chart">
-            <c:chart xmlns:c="http://schemas.openxmlformats.org/drawingml/2006/chart" xmlns:r="http://schemas.openxmlformats.org/officeDocument/2006/relationships" r:id="rId2"/>
-          </a:graphicData>
-        </a:graphic>
-      </p:graphicFrame>
+      <p:pic>
+        <p:nvPicPr>
+          <p:cNvPr id="7" name="Picture 6">
+            <a:extLst>
+              <a:ext uri="{FF2B5EF4-FFF2-40B4-BE49-F238E27FC236}">
+                <a16:creationId xmlns:a16="http://schemas.microsoft.com/office/drawing/2014/main" id="{4C101352-1A4E-44DE-A3ED-C22B3FAD80A7}"/>
+              </a:ext>
+            </a:extLst>
+          </p:cNvPr>
+          <p:cNvPicPr>
+            <a:picLocks noChangeAspect="1"/>
+          </p:cNvPicPr>
+          <p:nvPr/>
+        </p:nvPicPr>
+        <p:blipFill>
+          <a:blip r:embed="rId2"/>
+          <a:stretch>
+            <a:fillRect/>
+          </a:stretch>
+        </p:blipFill>
+        <p:spPr>
+          <a:xfrm>
+            <a:off x="3215981" y="3208042"/>
+            <a:ext cx="5323809" cy="2133333"/>
+          </a:xfrm>
+          <a:prstGeom prst="rect">
+            <a:avLst/>
+          </a:prstGeom>
+        </p:spPr>
+      </p:pic>
     </p:spTree>
     <p:extLst>
       <p:ext uri="{BB962C8B-B14F-4D97-AF65-F5344CB8AC3E}">
-        <p14:creationId xmlns:p14="http://schemas.microsoft.com/office/powerpoint/2010/main" val="2632695608"/>
+        <p14:creationId xmlns:p14="http://schemas.microsoft.com/office/powerpoint/2010/main" val="8744480"/>
       </p:ext>
     </p:extLst>
   </p:cSld>
@@ -9283,48 +10067,14 @@
           <a:p>
             <a:r>
               <a:rPr lang="en-US" dirty="0"/>
-              <a:t>Two Content Layout with Table</a:t>
-            </a:r>
-          </a:p>
-        </p:txBody>
-      </p:sp>
-      <p:sp>
-        <p:nvSpPr>
-          <p:cNvPr id="3" name="Content Placeholder 2"/>
-          <p:cNvSpPr>
-            <a:spLocks noGrp="1"/>
-          </p:cNvSpPr>
-          <p:nvPr>
-            <p:ph sz="half" idx="1"/>
-          </p:nvPr>
-        </p:nvSpPr>
-        <p:spPr/>
-        <p:txBody>
-          <a:bodyPr/>
-          <a:lstStyle/>
-          <a:p>
-            <a:r>
-              <a:rPr lang="en-US" dirty="0"/>
-              <a:t>First bullet point here</a:t>
-            </a:r>
-          </a:p>
-          <a:p>
-            <a:r>
-              <a:rPr lang="en-US" dirty="0"/>
-              <a:t>Second bullet point here</a:t>
-            </a:r>
-          </a:p>
-          <a:p>
-            <a:r>
-              <a:rPr lang="en-US" dirty="0"/>
-              <a:t>Third bullet point here</a:t>
-            </a:r>
-          </a:p>
-        </p:txBody>
-      </p:sp>
-      <p:sp>
-        <p:nvSpPr>
-          <p:cNvPr id="5" name="Slide Number Placeholder 4"/>
+              <a:t>Title and Content Layout with Chart</a:t>
+            </a:r>
+          </a:p>
+        </p:txBody>
+      </p:sp>
+      <p:sp>
+        <p:nvSpPr>
+          <p:cNvPr id="4" name="Slide Number Placeholder 3"/>
           <p:cNvSpPr>
             <a:spLocks noGrp="1"/>
           </p:cNvSpPr>
@@ -9347,6 +10097,199 @@
       </p:sp>
       <p:sp>
         <p:nvSpPr>
+          <p:cNvPr id="5" name="Date Placeholder 4"/>
+          <p:cNvSpPr>
+            <a:spLocks noGrp="1"/>
+          </p:cNvSpPr>
+          <p:nvPr>
+            <p:ph type="dt" sz="half" idx="10"/>
+          </p:nvPr>
+        </p:nvSpPr>
+        <p:spPr/>
+        <p:txBody>
+          <a:bodyPr/>
+          <a:lstStyle/>
+          <a:p>
+            <a:fld id="{6DD1B487-36FD-4CED-B07A-1A81FC6540B1}" type="datetime1">
+              <a:rPr lang="en-US" smtClean="0"/>
+              <a:pPr/>
+              <a:t>5/3/2018</a:t>
+            </a:fld>
+            <a:endParaRPr lang="en-US" dirty="0"/>
+          </a:p>
+        </p:txBody>
+      </p:sp>
+      <p:sp>
+        <p:nvSpPr>
+          <p:cNvPr id="6" name="Footer Placeholder 5"/>
+          <p:cNvSpPr>
+            <a:spLocks noGrp="1"/>
+          </p:cNvSpPr>
+          <p:nvPr>
+            <p:ph type="ftr" sz="quarter" idx="11"/>
+          </p:nvPr>
+        </p:nvSpPr>
+        <p:spPr/>
+        <p:txBody>
+          <a:bodyPr/>
+          <a:lstStyle/>
+          <a:p>
+            <a:r>
+              <a:rPr lang="en-US"/>
+              <a:t>Add a footer</a:t>
+            </a:r>
+            <a:endParaRPr lang="en-US" dirty="0"/>
+          </a:p>
+        </p:txBody>
+      </p:sp>
+      <p:graphicFrame>
+        <p:nvGraphicFramePr>
+          <p:cNvPr id="7" name="Content Placeholder 8" descr="Clustered column chart representing&#10;3 series for 4 categories"/>
+          <p:cNvGraphicFramePr>
+            <a:graphicFrameLocks noGrp="1"/>
+          </p:cNvGraphicFramePr>
+          <p:nvPr>
+            <p:ph idx="1"/>
+            <p:extLst>
+              <p:ext uri="{D42A27DB-BD31-4B8C-83A1-F6EECF244321}">
+                <p14:modId xmlns:p14="http://schemas.microsoft.com/office/powerpoint/2010/main" val="1646913464"/>
+              </p:ext>
+            </p:extLst>
+          </p:nvPr>
+        </p:nvGraphicFramePr>
+        <p:xfrm>
+          <a:off x="1409700" y="1565275"/>
+          <a:ext cx="9372600" cy="4621213"/>
+        </p:xfrm>
+        <a:graphic>
+          <a:graphicData uri="http://schemas.openxmlformats.org/drawingml/2006/chart">
+            <c:chart xmlns:c="http://schemas.openxmlformats.org/drawingml/2006/chart" xmlns:r="http://schemas.openxmlformats.org/officeDocument/2006/relationships" r:id="rId2"/>
+          </a:graphicData>
+        </a:graphic>
+      </p:graphicFrame>
+    </p:spTree>
+    <p:extLst>
+      <p:ext uri="{BB962C8B-B14F-4D97-AF65-F5344CB8AC3E}">
+        <p14:creationId xmlns:p14="http://schemas.microsoft.com/office/powerpoint/2010/main" val="2632695608"/>
+      </p:ext>
+    </p:extLst>
+  </p:cSld>
+  <p:clrMapOvr>
+    <a:masterClrMapping/>
+  </p:clrMapOvr>
+  <mc:AlternateContent xmlns:mc="http://schemas.openxmlformats.org/markup-compatibility/2006" xmlns:p14="http://schemas.microsoft.com/office/powerpoint/2010/main">
+    <mc:Choice Requires="p14">
+      <p:transition spd="med" p14:dur="700">
+        <p:fade/>
+      </p:transition>
+    </mc:Choice>
+    <mc:Fallback xmlns="">
+      <p:transition spd="med">
+        <p:fade/>
+      </p:transition>
+    </mc:Fallback>
+  </mc:AlternateContent>
+</p:sld>
+</file>
+
+<file path=ppt/slides/slide5.xml><?xml version="1.0" encoding="utf-8"?>
+<p:sld xmlns:a="http://schemas.openxmlformats.org/drawingml/2006/main" xmlns:r="http://schemas.openxmlformats.org/officeDocument/2006/relationships" xmlns:p="http://schemas.openxmlformats.org/presentationml/2006/main">
+  <p:cSld>
+    <p:spTree>
+      <p:nvGrpSpPr>
+        <p:cNvPr id="1" name=""/>
+        <p:cNvGrpSpPr/>
+        <p:nvPr/>
+      </p:nvGrpSpPr>
+      <p:grpSpPr>
+        <a:xfrm>
+          <a:off x="0" y="0"/>
+          <a:ext cx="0" cy="0"/>
+          <a:chOff x="0" y="0"/>
+          <a:chExt cx="0" cy="0"/>
+        </a:xfrm>
+      </p:grpSpPr>
+      <p:sp>
+        <p:nvSpPr>
+          <p:cNvPr id="2" name="Title 1"/>
+          <p:cNvSpPr>
+            <a:spLocks noGrp="1"/>
+          </p:cNvSpPr>
+          <p:nvPr>
+            <p:ph type="title"/>
+          </p:nvPr>
+        </p:nvSpPr>
+        <p:spPr/>
+        <p:txBody>
+          <a:bodyPr/>
+          <a:lstStyle/>
+          <a:p>
+            <a:r>
+              <a:rPr lang="en-US" dirty="0"/>
+              <a:t>Two Content Layout with Table</a:t>
+            </a:r>
+          </a:p>
+        </p:txBody>
+      </p:sp>
+      <p:sp>
+        <p:nvSpPr>
+          <p:cNvPr id="3" name="Content Placeholder 2"/>
+          <p:cNvSpPr>
+            <a:spLocks noGrp="1"/>
+          </p:cNvSpPr>
+          <p:nvPr>
+            <p:ph sz="half" idx="1"/>
+          </p:nvPr>
+        </p:nvSpPr>
+        <p:spPr/>
+        <p:txBody>
+          <a:bodyPr/>
+          <a:lstStyle/>
+          <a:p>
+            <a:r>
+              <a:rPr lang="en-US" dirty="0"/>
+              <a:t>First bullet point here</a:t>
+            </a:r>
+          </a:p>
+          <a:p>
+            <a:r>
+              <a:rPr lang="en-US" dirty="0"/>
+              <a:t>Second bullet point here</a:t>
+            </a:r>
+          </a:p>
+          <a:p>
+            <a:r>
+              <a:rPr lang="en-US" dirty="0"/>
+              <a:t>Third bullet point here</a:t>
+            </a:r>
+          </a:p>
+        </p:txBody>
+      </p:sp>
+      <p:sp>
+        <p:nvSpPr>
+          <p:cNvPr id="5" name="Slide Number Placeholder 4"/>
+          <p:cNvSpPr>
+            <a:spLocks noGrp="1"/>
+          </p:cNvSpPr>
+          <p:nvPr>
+            <p:ph type="sldNum" sz="quarter" idx="12"/>
+          </p:nvPr>
+        </p:nvSpPr>
+        <p:spPr/>
+        <p:txBody>
+          <a:bodyPr/>
+          <a:lstStyle/>
+          <a:p>
+            <a:fld id="{9CD8D479-8942-46E8-A226-A4E01F7A105C}" type="slidenum">
+              <a:rPr lang="en-US" smtClean="0"/>
+              <a:t>5</a:t>
+            </a:fld>
+            <a:endParaRPr lang="en-US"/>
+          </a:p>
+        </p:txBody>
+      </p:sp>
+      <p:sp>
+        <p:nvSpPr>
           <p:cNvPr id="6" name="Date Placeholder 5"/>
           <p:cNvSpPr>
             <a:spLocks noGrp="1"/>
@@ -9363,7 +10306,7 @@
             <a:fld id="{93A66BA0-BF77-43AC-894A-20AD8220B887}" type="datetime1">
               <a:rPr lang="en-US" smtClean="0"/>
               <a:pPr/>
-              <a:t>5/1/2018</a:t>
+              <a:t>5/3/2018</a:t>
             </a:fld>
             <a:endParaRPr lang="en-US" dirty="0"/>
           </a:p>
@@ -9661,199 +10604,6 @@
 </p:sld>
 </file>
 
-<file path=ppt/slides/slide5.xml><?xml version="1.0" encoding="utf-8"?>
-<p:sld xmlns:a="http://schemas.openxmlformats.org/drawingml/2006/main" xmlns:r="http://schemas.openxmlformats.org/officeDocument/2006/relationships" xmlns:p="http://schemas.openxmlformats.org/presentationml/2006/main">
-  <p:cSld>
-    <p:spTree>
-      <p:nvGrpSpPr>
-        <p:cNvPr id="1" name=""/>
-        <p:cNvGrpSpPr/>
-        <p:nvPr/>
-      </p:nvGrpSpPr>
-      <p:grpSpPr>
-        <a:xfrm>
-          <a:off x="0" y="0"/>
-          <a:ext cx="0" cy="0"/>
-          <a:chOff x="0" y="0"/>
-          <a:chExt cx="0" cy="0"/>
-        </a:xfrm>
-      </p:grpSpPr>
-      <p:sp>
-        <p:nvSpPr>
-          <p:cNvPr id="2" name="Title 1"/>
-          <p:cNvSpPr>
-            <a:spLocks noGrp="1"/>
-          </p:cNvSpPr>
-          <p:nvPr>
-            <p:ph type="title"/>
-          </p:nvPr>
-        </p:nvSpPr>
-        <p:spPr/>
-        <p:txBody>
-          <a:bodyPr/>
-          <a:lstStyle/>
-          <a:p>
-            <a:r>
-              <a:rPr lang="en-US" dirty="0"/>
-              <a:t>Two Content Layout with SmartArt</a:t>
-            </a:r>
-          </a:p>
-        </p:txBody>
-      </p:sp>
-      <p:sp>
-        <p:nvSpPr>
-          <p:cNvPr id="3" name="Content Placeholder 2"/>
-          <p:cNvSpPr>
-            <a:spLocks noGrp="1"/>
-          </p:cNvSpPr>
-          <p:nvPr>
-            <p:ph sz="half" idx="1"/>
-          </p:nvPr>
-        </p:nvSpPr>
-        <p:spPr/>
-        <p:txBody>
-          <a:bodyPr/>
-          <a:lstStyle/>
-          <a:p>
-            <a:r>
-              <a:rPr lang="en-US" dirty="0"/>
-              <a:t>First bullet point here</a:t>
-            </a:r>
-          </a:p>
-          <a:p>
-            <a:r>
-              <a:rPr lang="en-US" dirty="0"/>
-              <a:t>Second bullet point here</a:t>
-            </a:r>
-          </a:p>
-          <a:p>
-            <a:r>
-              <a:rPr lang="en-US" dirty="0"/>
-              <a:t>Third bullet point here</a:t>
-            </a:r>
-          </a:p>
-        </p:txBody>
-      </p:sp>
-      <p:sp>
-        <p:nvSpPr>
-          <p:cNvPr id="5" name="Slide Number Placeholder 4"/>
-          <p:cNvSpPr>
-            <a:spLocks noGrp="1"/>
-          </p:cNvSpPr>
-          <p:nvPr>
-            <p:ph type="sldNum" sz="quarter" idx="12"/>
-          </p:nvPr>
-        </p:nvSpPr>
-        <p:spPr/>
-        <p:txBody>
-          <a:bodyPr/>
-          <a:lstStyle/>
-          <a:p>
-            <a:fld id="{9CD8D479-8942-46E8-A226-A4E01F7A105C}" type="slidenum">
-              <a:rPr lang="en-US" smtClean="0"/>
-              <a:t>5</a:t>
-            </a:fld>
-            <a:endParaRPr lang="en-US"/>
-          </a:p>
-        </p:txBody>
-      </p:sp>
-      <p:sp>
-        <p:nvSpPr>
-          <p:cNvPr id="6" name="Date Placeholder 5"/>
-          <p:cNvSpPr>
-            <a:spLocks noGrp="1"/>
-          </p:cNvSpPr>
-          <p:nvPr>
-            <p:ph type="dt" sz="half" idx="10"/>
-          </p:nvPr>
-        </p:nvSpPr>
-        <p:spPr/>
-        <p:txBody>
-          <a:bodyPr/>
-          <a:lstStyle/>
-          <a:p>
-            <a:fld id="{93A66BA0-BF77-43AC-894A-20AD8220B887}" type="datetime1">
-              <a:rPr lang="en-US" smtClean="0"/>
-              <a:pPr/>
-              <a:t>5/1/2018</a:t>
-            </a:fld>
-            <a:endParaRPr lang="en-US" dirty="0"/>
-          </a:p>
-        </p:txBody>
-      </p:sp>
-      <p:sp>
-        <p:nvSpPr>
-          <p:cNvPr id="7" name="Footer Placeholder 6"/>
-          <p:cNvSpPr>
-            <a:spLocks noGrp="1"/>
-          </p:cNvSpPr>
-          <p:nvPr>
-            <p:ph type="ftr" sz="quarter" idx="11"/>
-          </p:nvPr>
-        </p:nvSpPr>
-        <p:spPr/>
-        <p:txBody>
-          <a:bodyPr/>
-          <a:lstStyle/>
-          <a:p>
-            <a:r>
-              <a:rPr lang="en-US"/>
-              <a:t>Add a footer</a:t>
-            </a:r>
-            <a:endParaRPr lang="en-US" dirty="0"/>
-          </a:p>
-        </p:txBody>
-      </p:sp>
-      <p:graphicFrame>
-        <p:nvGraphicFramePr>
-          <p:cNvPr id="8" name="Content Placeholder 9" descr="Basic cycle diagram with a continuing sequence of stages, tasks, or events in a circular flow. Emphasizes the stages or steps rather than the connecting arrows or flow"/>
-          <p:cNvGraphicFramePr>
-            <a:graphicFrameLocks noGrp="1"/>
-          </p:cNvGraphicFramePr>
-          <p:nvPr>
-            <p:ph sz="half" idx="2"/>
-            <p:extLst>
-              <p:ext uri="{D42A27DB-BD31-4B8C-83A1-F6EECF244321}">
-                <p14:modId xmlns:p14="http://schemas.microsoft.com/office/powerpoint/2010/main" val="529675503"/>
-              </p:ext>
-            </p:extLst>
-          </p:nvPr>
-        </p:nvGraphicFramePr>
-        <p:xfrm>
-          <a:off x="6172200" y="1555750"/>
-          <a:ext cx="4610100" cy="4621213"/>
-        </p:xfrm>
-        <a:graphic>
-          <a:graphicData uri="http://schemas.openxmlformats.org/drawingml/2006/diagram">
-            <dgm:relIds xmlns:dgm="http://schemas.openxmlformats.org/drawingml/2006/diagram" xmlns:r="http://schemas.openxmlformats.org/officeDocument/2006/relationships" r:dm="rId2" r:lo="rId3" r:qs="rId4" r:cs="rId5"/>
-          </a:graphicData>
-        </a:graphic>
-      </p:graphicFrame>
-    </p:spTree>
-    <p:extLst>
-      <p:ext uri="{BB962C8B-B14F-4D97-AF65-F5344CB8AC3E}">
-        <p14:creationId xmlns:p14="http://schemas.microsoft.com/office/powerpoint/2010/main" val="129071968"/>
-      </p:ext>
-    </p:extLst>
-  </p:cSld>
-  <p:clrMapOvr>
-    <a:masterClrMapping/>
-  </p:clrMapOvr>
-  <mc:AlternateContent xmlns:mc="http://schemas.openxmlformats.org/markup-compatibility/2006" xmlns:p14="http://schemas.microsoft.com/office/powerpoint/2010/main">
-    <mc:Choice Requires="p14">
-      <p:transition spd="med" p14:dur="700">
-        <p:fade/>
-      </p:transition>
-    </mc:Choice>
-    <mc:Fallback xmlns="">
-      <p:transition spd="med">
-        <p:fade/>
-      </p:transition>
-    </mc:Fallback>
-  </mc:AlternateContent>
-</p:sld>
-</file>
-
 <file path=ppt/slides/slide6.xml><?xml version="1.0" encoding="utf-8"?>
 <p:sld xmlns:a="http://schemas.openxmlformats.org/drawingml/2006/main" xmlns:r="http://schemas.openxmlformats.org/officeDocument/2006/relationships" xmlns:p="http://schemas.openxmlformats.org/presentationml/2006/main">
   <p:cSld>
@@ -9873,7 +10623,7 @@
       </p:grpSpPr>
       <p:sp>
         <p:nvSpPr>
-          <p:cNvPr id="4" name="Title 3"/>
+          <p:cNvPr id="2" name="Title 1"/>
           <p:cNvSpPr>
             <a:spLocks noGrp="1"/>
           </p:cNvSpPr>
@@ -9888,19 +10638,19 @@
           <a:p>
             <a:r>
               <a:rPr lang="en-US" dirty="0"/>
-              <a:t>Add a Slide Title - 1</a:t>
-            </a:r>
-          </a:p>
-        </p:txBody>
-      </p:sp>
-      <p:sp>
-        <p:nvSpPr>
-          <p:cNvPr id="5" name="Text Placeholder 4"/>
-          <p:cNvSpPr>
-            <a:spLocks noGrp="1"/>
-          </p:cNvSpPr>
-          <p:nvPr>
-            <p:ph type="body" idx="1"/>
+              <a:t>Two Content Layout with SmartArt</a:t>
+            </a:r>
+          </a:p>
+        </p:txBody>
+      </p:sp>
+      <p:sp>
+        <p:nvSpPr>
+          <p:cNvPr id="3" name="Content Placeholder 2"/>
+          <p:cNvSpPr>
+            <a:spLocks noGrp="1"/>
+          </p:cNvSpPr>
+          <p:nvPr>
+            <p:ph sz="half" idx="1"/>
           </p:nvPr>
         </p:nvSpPr>
         <p:spPr/>
@@ -9908,14 +10658,124 @@
           <a:bodyPr/>
           <a:lstStyle/>
           <a:p>
+            <a:r>
+              <a:rPr lang="en-US" dirty="0"/>
+              <a:t>First bullet point here</a:t>
+            </a:r>
+          </a:p>
+          <a:p>
+            <a:r>
+              <a:rPr lang="en-US" dirty="0"/>
+              <a:t>Second bullet point here</a:t>
+            </a:r>
+          </a:p>
+          <a:p>
+            <a:r>
+              <a:rPr lang="en-US" dirty="0"/>
+              <a:t>Third bullet point here</a:t>
+            </a:r>
+          </a:p>
+        </p:txBody>
+      </p:sp>
+      <p:sp>
+        <p:nvSpPr>
+          <p:cNvPr id="5" name="Slide Number Placeholder 4"/>
+          <p:cNvSpPr>
+            <a:spLocks noGrp="1"/>
+          </p:cNvSpPr>
+          <p:nvPr>
+            <p:ph type="sldNum" sz="quarter" idx="12"/>
+          </p:nvPr>
+        </p:nvSpPr>
+        <p:spPr/>
+        <p:txBody>
+          <a:bodyPr/>
+          <a:lstStyle/>
+          <a:p>
+            <a:fld id="{9CD8D479-8942-46E8-A226-A4E01F7A105C}" type="slidenum">
+              <a:rPr lang="en-US" smtClean="0"/>
+              <a:t>6</a:t>
+            </a:fld>
             <a:endParaRPr lang="en-US"/>
           </a:p>
         </p:txBody>
       </p:sp>
+      <p:sp>
+        <p:nvSpPr>
+          <p:cNvPr id="6" name="Date Placeholder 5"/>
+          <p:cNvSpPr>
+            <a:spLocks noGrp="1"/>
+          </p:cNvSpPr>
+          <p:nvPr>
+            <p:ph type="dt" sz="half" idx="10"/>
+          </p:nvPr>
+        </p:nvSpPr>
+        <p:spPr/>
+        <p:txBody>
+          <a:bodyPr/>
+          <a:lstStyle/>
+          <a:p>
+            <a:fld id="{93A66BA0-BF77-43AC-894A-20AD8220B887}" type="datetime1">
+              <a:rPr lang="en-US" smtClean="0"/>
+              <a:pPr/>
+              <a:t>5/3/2018</a:t>
+            </a:fld>
+            <a:endParaRPr lang="en-US" dirty="0"/>
+          </a:p>
+        </p:txBody>
+      </p:sp>
+      <p:sp>
+        <p:nvSpPr>
+          <p:cNvPr id="7" name="Footer Placeholder 6"/>
+          <p:cNvSpPr>
+            <a:spLocks noGrp="1"/>
+          </p:cNvSpPr>
+          <p:nvPr>
+            <p:ph type="ftr" sz="quarter" idx="11"/>
+          </p:nvPr>
+        </p:nvSpPr>
+        <p:spPr/>
+        <p:txBody>
+          <a:bodyPr/>
+          <a:lstStyle/>
+          <a:p>
+            <a:r>
+              <a:rPr lang="en-US"/>
+              <a:t>Add a footer</a:t>
+            </a:r>
+            <a:endParaRPr lang="en-US" dirty="0"/>
+          </a:p>
+        </p:txBody>
+      </p:sp>
+      <p:graphicFrame>
+        <p:nvGraphicFramePr>
+          <p:cNvPr id="8" name="Content Placeholder 9" descr="Basic cycle diagram with a continuing sequence of stages, tasks, or events in a circular flow. Emphasizes the stages or steps rather than the connecting arrows or flow"/>
+          <p:cNvGraphicFramePr>
+            <a:graphicFrameLocks noGrp="1"/>
+          </p:cNvGraphicFramePr>
+          <p:nvPr>
+            <p:ph sz="half" idx="2"/>
+            <p:extLst>
+              <p:ext uri="{D42A27DB-BD31-4B8C-83A1-F6EECF244321}">
+                <p14:modId xmlns:p14="http://schemas.microsoft.com/office/powerpoint/2010/main" val="529675503"/>
+              </p:ext>
+            </p:extLst>
+          </p:nvPr>
+        </p:nvGraphicFramePr>
+        <p:xfrm>
+          <a:off x="6172200" y="1555750"/>
+          <a:ext cx="4610100" cy="4621213"/>
+        </p:xfrm>
+        <a:graphic>
+          <a:graphicData uri="http://schemas.openxmlformats.org/drawingml/2006/diagram">
+            <dgm:relIds xmlns:dgm="http://schemas.openxmlformats.org/drawingml/2006/diagram" xmlns:r="http://schemas.openxmlformats.org/officeDocument/2006/relationships" r:dm="rId2" r:lo="rId3" r:qs="rId4" r:cs="rId5"/>
+          </a:graphicData>
+        </a:graphic>
+      </p:graphicFrame>
     </p:spTree>
     <p:extLst>
       <p:ext uri="{BB962C8B-B14F-4D97-AF65-F5344CB8AC3E}">
-        <p14:creationId xmlns:p14="http://schemas.microsoft.com/office/powerpoint/2010/main" val="3752628919"/>
+        <p14:creationId xmlns:p14="http://schemas.microsoft.com/office/powerpoint/2010/main" val="129071968"/>
       </p:ext>
     </p:extLst>
   </p:cSld>
@@ -9956,7 +10816,7 @@
       </p:grpSpPr>
       <p:sp>
         <p:nvSpPr>
-          <p:cNvPr id="2" name="Title 1"/>
+          <p:cNvPr id="4" name="Title 3"/>
           <p:cNvSpPr>
             <a:spLocks noGrp="1"/>
           </p:cNvSpPr>
@@ -9971,14 +10831,14 @@
           <a:p>
             <a:r>
               <a:rPr lang="en-US" dirty="0"/>
-              <a:t>Add a Slide Title - 2</a:t>
-            </a:r>
-          </a:p>
-        </p:txBody>
-      </p:sp>
-      <p:sp>
-        <p:nvSpPr>
-          <p:cNvPr id="3" name="Text Placeholder 2"/>
+              <a:t>Add a Slide Title - 1</a:t>
+            </a:r>
+          </a:p>
+        </p:txBody>
+      </p:sp>
+      <p:sp>
+        <p:nvSpPr>
+          <p:cNvPr id="5" name="Text Placeholder 4"/>
           <p:cNvSpPr>
             <a:spLocks noGrp="1"/>
           </p:cNvSpPr>
@@ -9992,140 +10852,13 @@
           <a:lstStyle/>
           <a:p>
             <a:endParaRPr lang="en-US"/>
-          </a:p>
-        </p:txBody>
-      </p:sp>
-      <p:sp>
-        <p:nvSpPr>
-          <p:cNvPr id="4" name="Content Placeholder 3"/>
-          <p:cNvSpPr>
-            <a:spLocks noGrp="1"/>
-          </p:cNvSpPr>
-          <p:nvPr>
-            <p:ph sz="half" idx="2"/>
-          </p:nvPr>
-        </p:nvSpPr>
-        <p:spPr/>
-        <p:txBody>
-          <a:bodyPr/>
-          <a:lstStyle/>
-          <a:p>
-            <a:endParaRPr lang="en-US"/>
-          </a:p>
-        </p:txBody>
-      </p:sp>
-      <p:sp>
-        <p:nvSpPr>
-          <p:cNvPr id="5" name="Text Placeholder 4"/>
-          <p:cNvSpPr>
-            <a:spLocks noGrp="1"/>
-          </p:cNvSpPr>
-          <p:nvPr>
-            <p:ph type="body" sz="quarter" idx="3"/>
-          </p:nvPr>
-        </p:nvSpPr>
-        <p:spPr/>
-        <p:txBody>
-          <a:bodyPr/>
-          <a:lstStyle/>
-          <a:p>
-            <a:endParaRPr lang="en-US"/>
-          </a:p>
-        </p:txBody>
-      </p:sp>
-      <p:sp>
-        <p:nvSpPr>
-          <p:cNvPr id="6" name="Content Placeholder 5"/>
-          <p:cNvSpPr>
-            <a:spLocks noGrp="1"/>
-          </p:cNvSpPr>
-          <p:nvPr>
-            <p:ph sz="quarter" idx="4"/>
-          </p:nvPr>
-        </p:nvSpPr>
-        <p:spPr/>
-        <p:txBody>
-          <a:bodyPr/>
-          <a:lstStyle/>
-          <a:p>
-            <a:endParaRPr lang="en-US"/>
-          </a:p>
-        </p:txBody>
-      </p:sp>
-      <p:sp>
-        <p:nvSpPr>
-          <p:cNvPr id="7" name="Slide Number Placeholder 6"/>
-          <p:cNvSpPr>
-            <a:spLocks noGrp="1"/>
-          </p:cNvSpPr>
-          <p:nvPr>
-            <p:ph type="sldNum" sz="quarter" idx="12"/>
-          </p:nvPr>
-        </p:nvSpPr>
-        <p:spPr/>
-        <p:txBody>
-          <a:bodyPr/>
-          <a:lstStyle/>
-          <a:p>
-            <a:fld id="{9CD8D479-8942-46E8-A226-A4E01F7A105C}" type="slidenum">
-              <a:rPr lang="en-US" smtClean="0"/>
-              <a:t>7</a:t>
-            </a:fld>
-            <a:endParaRPr lang="en-US" dirty="0"/>
-          </a:p>
-        </p:txBody>
-      </p:sp>
-      <p:sp>
-        <p:nvSpPr>
-          <p:cNvPr id="8" name="Date Placeholder 7"/>
-          <p:cNvSpPr>
-            <a:spLocks noGrp="1"/>
-          </p:cNvSpPr>
-          <p:nvPr>
-            <p:ph type="dt" sz="half" idx="10"/>
-          </p:nvPr>
-        </p:nvSpPr>
-        <p:spPr/>
-        <p:txBody>
-          <a:bodyPr/>
-          <a:lstStyle/>
-          <a:p>
-            <a:fld id="{94C81B4D-F060-418E-A958-B2BDC1A258F8}" type="datetime1">
-              <a:rPr lang="en-US" smtClean="0"/>
-              <a:pPr/>
-              <a:t>5/1/2018</a:t>
-            </a:fld>
-            <a:endParaRPr lang="en-US" dirty="0"/>
-          </a:p>
-        </p:txBody>
-      </p:sp>
-      <p:sp>
-        <p:nvSpPr>
-          <p:cNvPr id="9" name="Footer Placeholder 8"/>
-          <p:cNvSpPr>
-            <a:spLocks noGrp="1"/>
-          </p:cNvSpPr>
-          <p:nvPr>
-            <p:ph type="ftr" sz="quarter" idx="11"/>
-          </p:nvPr>
-        </p:nvSpPr>
-        <p:spPr/>
-        <p:txBody>
-          <a:bodyPr/>
-          <a:lstStyle/>
-          <a:p>
-            <a:r>
-              <a:rPr lang="en-US"/>
-              <a:t>Add a footer</a:t>
-            </a:r>
-            <a:endParaRPr lang="en-US" dirty="0"/>
           </a:p>
         </p:txBody>
       </p:sp>
     </p:spTree>
     <p:extLst>
       <p:ext uri="{BB962C8B-B14F-4D97-AF65-F5344CB8AC3E}">
-        <p14:creationId xmlns:p14="http://schemas.microsoft.com/office/powerpoint/2010/main" val="2788333131"/>
+        <p14:creationId xmlns:p14="http://schemas.microsoft.com/office/powerpoint/2010/main" val="3752628919"/>
       </p:ext>
     </p:extLst>
   </p:cSld>
@@ -10181,14 +10914,90 @@
           <a:p>
             <a:r>
               <a:rPr lang="en-US" dirty="0"/>
-              <a:t>Add a Slide Title - 3</a:t>
-            </a:r>
-          </a:p>
-        </p:txBody>
-      </p:sp>
-      <p:sp>
-        <p:nvSpPr>
-          <p:cNvPr id="3" name="Slide Number Placeholder 2"/>
+              <a:t>Add a Slide Title - 2</a:t>
+            </a:r>
+          </a:p>
+        </p:txBody>
+      </p:sp>
+      <p:sp>
+        <p:nvSpPr>
+          <p:cNvPr id="3" name="Text Placeholder 2"/>
+          <p:cNvSpPr>
+            <a:spLocks noGrp="1"/>
+          </p:cNvSpPr>
+          <p:nvPr>
+            <p:ph type="body" idx="1"/>
+          </p:nvPr>
+        </p:nvSpPr>
+        <p:spPr/>
+        <p:txBody>
+          <a:bodyPr/>
+          <a:lstStyle/>
+          <a:p>
+            <a:endParaRPr lang="en-US"/>
+          </a:p>
+        </p:txBody>
+      </p:sp>
+      <p:sp>
+        <p:nvSpPr>
+          <p:cNvPr id="4" name="Content Placeholder 3"/>
+          <p:cNvSpPr>
+            <a:spLocks noGrp="1"/>
+          </p:cNvSpPr>
+          <p:nvPr>
+            <p:ph sz="half" idx="2"/>
+          </p:nvPr>
+        </p:nvSpPr>
+        <p:spPr/>
+        <p:txBody>
+          <a:bodyPr/>
+          <a:lstStyle/>
+          <a:p>
+            <a:endParaRPr lang="en-US"/>
+          </a:p>
+        </p:txBody>
+      </p:sp>
+      <p:sp>
+        <p:nvSpPr>
+          <p:cNvPr id="5" name="Text Placeholder 4"/>
+          <p:cNvSpPr>
+            <a:spLocks noGrp="1"/>
+          </p:cNvSpPr>
+          <p:nvPr>
+            <p:ph type="body" sz="quarter" idx="3"/>
+          </p:nvPr>
+        </p:nvSpPr>
+        <p:spPr/>
+        <p:txBody>
+          <a:bodyPr/>
+          <a:lstStyle/>
+          <a:p>
+            <a:endParaRPr lang="en-US"/>
+          </a:p>
+        </p:txBody>
+      </p:sp>
+      <p:sp>
+        <p:nvSpPr>
+          <p:cNvPr id="6" name="Content Placeholder 5"/>
+          <p:cNvSpPr>
+            <a:spLocks noGrp="1"/>
+          </p:cNvSpPr>
+          <p:nvPr>
+            <p:ph sz="quarter" idx="4"/>
+          </p:nvPr>
+        </p:nvSpPr>
+        <p:spPr/>
+        <p:txBody>
+          <a:bodyPr/>
+          <a:lstStyle/>
+          <a:p>
+            <a:endParaRPr lang="en-US"/>
+          </a:p>
+        </p:txBody>
+      </p:sp>
+      <p:sp>
+        <p:nvSpPr>
+          <p:cNvPr id="7" name="Slide Number Placeholder 6"/>
           <p:cNvSpPr>
             <a:spLocks noGrp="1"/>
           </p:cNvSpPr>
@@ -10205,13 +11014,13 @@
               <a:rPr lang="en-US" smtClean="0"/>
               <a:t>8</a:t>
             </a:fld>
-            <a:endParaRPr lang="en-US"/>
-          </a:p>
-        </p:txBody>
-      </p:sp>
-      <p:sp>
-        <p:nvSpPr>
-          <p:cNvPr id="4" name="Date Placeholder 3"/>
+            <a:endParaRPr lang="en-US" dirty="0"/>
+          </a:p>
+        </p:txBody>
+      </p:sp>
+      <p:sp>
+        <p:nvSpPr>
+          <p:cNvPr id="8" name="Date Placeholder 7"/>
           <p:cNvSpPr>
             <a:spLocks noGrp="1"/>
           </p:cNvSpPr>
@@ -10224,10 +11033,10 @@
           <a:bodyPr/>
           <a:lstStyle/>
           <a:p>
-            <a:fld id="{9386AC23-C97B-41FB-9B89-C7FE0FB631CA}" type="datetime1">
+            <a:fld id="{94C81B4D-F060-418E-A958-B2BDC1A258F8}" type="datetime1">
               <a:rPr lang="en-US" smtClean="0"/>
               <a:pPr/>
-              <a:t>5/1/2018</a:t>
+              <a:t>5/3/2018</a:t>
             </a:fld>
             <a:endParaRPr lang="en-US" dirty="0"/>
           </a:p>
@@ -10235,7 +11044,7 @@
       </p:sp>
       <p:sp>
         <p:nvSpPr>
-          <p:cNvPr id="5" name="Footer Placeholder 4"/>
+          <p:cNvPr id="9" name="Footer Placeholder 8"/>
           <p:cNvSpPr>
             <a:spLocks noGrp="1"/>
           </p:cNvSpPr>
@@ -10259,7 +11068,7 @@
     </p:spTree>
     <p:extLst>
       <p:ext uri="{BB962C8B-B14F-4D97-AF65-F5344CB8AC3E}">
-        <p14:creationId xmlns:p14="http://schemas.microsoft.com/office/powerpoint/2010/main" val="1332294091"/>
+        <p14:creationId xmlns:p14="http://schemas.microsoft.com/office/powerpoint/2010/main" val="2788333131"/>
       </p:ext>
     </p:extLst>
   </p:cSld>
@@ -10300,7 +11109,29 @@
       </p:grpSpPr>
       <p:sp>
         <p:nvSpPr>
-          <p:cNvPr id="2" name="Slide Number Placeholder 1"/>
+          <p:cNvPr id="2" name="Title 1"/>
+          <p:cNvSpPr>
+            <a:spLocks noGrp="1"/>
+          </p:cNvSpPr>
+          <p:nvPr>
+            <p:ph type="title"/>
+          </p:nvPr>
+        </p:nvSpPr>
+        <p:spPr/>
+        <p:txBody>
+          <a:bodyPr/>
+          <a:lstStyle/>
+          <a:p>
+            <a:r>
+              <a:rPr lang="en-US" dirty="0"/>
+              <a:t>Add a Slide Title - 3</a:t>
+            </a:r>
+          </a:p>
+        </p:txBody>
+      </p:sp>
+      <p:sp>
+        <p:nvSpPr>
+          <p:cNvPr id="3" name="Slide Number Placeholder 2"/>
           <p:cNvSpPr>
             <a:spLocks noGrp="1"/>
           </p:cNvSpPr>
@@ -10323,7 +11154,7 @@
       </p:sp>
       <p:sp>
         <p:nvSpPr>
-          <p:cNvPr id="3" name="Date Placeholder 2"/>
+          <p:cNvPr id="4" name="Date Placeholder 3"/>
           <p:cNvSpPr>
             <a:spLocks noGrp="1"/>
           </p:cNvSpPr>
@@ -10336,10 +11167,10 @@
           <a:bodyPr/>
           <a:lstStyle/>
           <a:p>
-            <a:fld id="{C81B9673-AC7F-4F1F-84E4-F0E5EAAE106D}" type="datetime1">
+            <a:fld id="{9386AC23-C97B-41FB-9B89-C7FE0FB631CA}" type="datetime1">
               <a:rPr lang="en-US" smtClean="0"/>
               <a:pPr/>
-              <a:t>5/1/2018</a:t>
+              <a:t>5/3/2018</a:t>
             </a:fld>
             <a:endParaRPr lang="en-US" dirty="0"/>
           </a:p>
@@ -10347,7 +11178,7 @@
       </p:sp>
       <p:sp>
         <p:nvSpPr>
-          <p:cNvPr id="4" name="Footer Placeholder 3"/>
+          <p:cNvPr id="5" name="Footer Placeholder 4"/>
           <p:cNvSpPr>
             <a:spLocks noGrp="1"/>
           </p:cNvSpPr>
@@ -10371,7 +11202,7 @@
     </p:spTree>
     <p:extLst>
       <p:ext uri="{BB962C8B-B14F-4D97-AF65-F5344CB8AC3E}">
-        <p14:creationId xmlns:p14="http://schemas.microsoft.com/office/powerpoint/2010/main" val="109062006"/>
+        <p14:creationId xmlns:p14="http://schemas.microsoft.com/office/powerpoint/2010/main" val="1332294091"/>
       </p:ext>
     </p:extLst>
   </p:cSld>

--- a/DataScience/Capstone/biodiversity.pptx
+++ b/DataScience/Capstone/biodiversity.pptx
@@ -4504,7 +4504,7 @@
           <a:p>
             <a:fld id="{30E08F2E-5F06-4CE2-A139-452A1382A6F0}" type="datetimeFigureOut">
               <a:rPr lang="en-US"/>
-              <a:t>5/3/2018</a:t>
+              <a:t>5/4/2018</a:t>
             </a:fld>
             <a:endParaRPr/>
           </a:p>
@@ -4669,7 +4669,7 @@
           <a:p>
             <a:fld id="{1A4C5DC6-1594-414D-9341-ABA08739246C}" type="datetimeFigureOut">
               <a:rPr lang="en-US"/>
-              <a:t>5/3/2018</a:t>
+              <a:t>5/4/2018</a:t>
             </a:fld>
             <a:endParaRPr/>
           </a:p>
@@ -5440,7 +5440,7 @@
             <a:fld id="{C9B55A74-0919-413E-865C-E0E8D1722ED7}" type="datetime1">
               <a:rPr lang="en-US" smtClean="0"/>
               <a:pPr/>
-              <a:t>5/3/2018</a:t>
+              <a:t>5/4/2018</a:t>
             </a:fld>
             <a:endParaRPr lang="en-US" dirty="0"/>
           </a:p>
@@ -5640,7 +5640,7 @@
             <a:fld id="{25BFE46A-5893-4F80-829A-F37AF8AAC03B}" type="datetime1">
               <a:rPr lang="en-US" smtClean="0"/>
               <a:pPr/>
-              <a:t>5/3/2018</a:t>
+              <a:t>5/4/2018</a:t>
             </a:fld>
             <a:endParaRPr lang="en-US" dirty="0"/>
           </a:p>
@@ -5830,7 +5830,7 @@
             <a:fld id="{6DD1B487-36FD-4CED-B07A-1A81FC6540B1}" type="datetime1">
               <a:rPr lang="en-US" smtClean="0"/>
               <a:pPr/>
-              <a:t>5/3/2018</a:t>
+              <a:t>5/4/2018</a:t>
             </a:fld>
             <a:endParaRPr lang="en-US" dirty="0"/>
           </a:p>
@@ -6410,7 +6410,7 @@
             <a:fld id="{93A66BA0-BF77-43AC-894A-20AD8220B887}" type="datetime1">
               <a:rPr lang="en-US" smtClean="0"/>
               <a:pPr/>
-              <a:t>5/3/2018</a:t>
+              <a:t>5/4/2018</a:t>
             </a:fld>
             <a:endParaRPr lang="en-US" dirty="0"/>
           </a:p>
@@ -6863,7 +6863,7 @@
             <a:fld id="{94C81B4D-F060-418E-A958-B2BDC1A258F8}" type="datetime1">
               <a:rPr lang="en-US" smtClean="0"/>
               <a:pPr/>
-              <a:t>5/3/2018</a:t>
+              <a:t>5/4/2018</a:t>
             </a:fld>
             <a:endParaRPr lang="en-US" dirty="0"/>
           </a:p>
@@ -7006,7 +7006,7 @@
             <a:fld id="{9386AC23-C97B-41FB-9B89-C7FE0FB631CA}" type="datetime1">
               <a:rPr lang="en-US" smtClean="0"/>
               <a:pPr/>
-              <a:t>5/3/2018</a:t>
+              <a:t>5/4/2018</a:t>
             </a:fld>
             <a:endParaRPr lang="en-US" dirty="0"/>
           </a:p>
@@ -7121,7 +7121,7 @@
             <a:fld id="{C81B9673-AC7F-4F1F-84E4-F0E5EAAE106D}" type="datetime1">
               <a:rPr lang="en-US" smtClean="0"/>
               <a:pPr/>
-              <a:t>5/3/2018</a:t>
+              <a:t>5/4/2018</a:t>
             </a:fld>
             <a:endParaRPr lang="en-US" dirty="0"/>
           </a:p>
@@ -7423,7 +7423,7 @@
             <a:fld id="{BA2A3310-D664-4933-9402-AB5DB0887727}" type="datetime1">
               <a:rPr lang="en-US" smtClean="0"/>
               <a:pPr/>
-              <a:t>5/3/2018</a:t>
+              <a:t>5/4/2018</a:t>
             </a:fld>
             <a:endParaRPr lang="en-US" dirty="0"/>
           </a:p>
@@ -7715,7 +7715,7 @@
             <a:fld id="{E1447A63-5E3D-469C-A0D1-119323F4F95E}" type="datetime1">
               <a:rPr lang="en-US" smtClean="0"/>
               <a:pPr/>
-              <a:t>5/3/2018</a:t>
+              <a:t>5/4/2018</a:t>
             </a:fld>
             <a:endParaRPr lang="en-US" dirty="0"/>
           </a:p>
@@ -8101,7 +8101,7 @@
             <a:fld id="{1E56E745-E731-42F7-BC46-83DD513FC98F}" type="datetime1">
               <a:rPr lang="en-US" smtClean="0"/>
               <a:pPr/>
-              <a:t>5/3/2018</a:t>
+              <a:t>5/4/2018</a:t>
             </a:fld>
             <a:endParaRPr lang="en-US" dirty="0"/>
           </a:p>
@@ -8630,7 +8630,7 @@
             <a:fld id="{C81B9673-AC7F-4F1F-84E4-F0E5EAAE106D}" type="datetime1">
               <a:rPr lang="en-US" smtClean="0"/>
               <a:pPr/>
-              <a:t>5/3/2018</a:t>
+              <a:t>5/4/2018</a:t>
             </a:fld>
             <a:endParaRPr lang="en-US" dirty="0"/>
           </a:p>
@@ -8802,7 +8802,7 @@
             <a:fld id="{BA2A3310-D664-4933-9402-AB5DB0887727}" type="datetime1">
               <a:rPr lang="en-US" smtClean="0"/>
               <a:pPr/>
-              <a:t>5/3/2018</a:t>
+              <a:t>5/4/2018</a:t>
             </a:fld>
             <a:endParaRPr lang="en-US" dirty="0"/>
           </a:p>
@@ -8955,7 +8955,7 @@
             <a:fld id="{E1447A63-5E3D-469C-A0D1-119323F4F95E}" type="datetime1">
               <a:rPr lang="en-US" smtClean="0"/>
               <a:pPr/>
-              <a:t>5/3/2018</a:t>
+              <a:t>5/4/2018</a:t>
             </a:fld>
             <a:endParaRPr lang="en-US" dirty="0"/>
           </a:p>
@@ -9242,7 +9242,7 @@
             <a:fld id="{94C81B4D-F060-418E-A958-B2BDC1A258F8}" type="datetime1">
               <a:rPr lang="en-US" smtClean="0"/>
               <a:pPr/>
-              <a:t>5/3/2018</a:t>
+              <a:t>5/4/2018</a:t>
             </a:fld>
             <a:endParaRPr lang="en-US" dirty="0"/>
           </a:p>
@@ -9520,7 +9520,7 @@
             <a:fld id="{94C81B4D-F060-418E-A958-B2BDC1A258F8}" type="datetime1">
               <a:rPr lang="en-US" smtClean="0"/>
               <a:pPr/>
-              <a:t>5/3/2018</a:t>
+              <a:t>5/4/2018</a:t>
             </a:fld>
             <a:endParaRPr lang="en-US" dirty="0"/>
           </a:p>
@@ -9748,7 +9748,7 @@
             <a:fld id="{6DD1B487-36FD-4CED-B07A-1A81FC6540B1}" type="datetime1">
               <a:rPr lang="en-US" smtClean="0"/>
               <a:pPr/>
-              <a:t>5/3/2018</a:t>
+              <a:t>5/4/2018</a:t>
             </a:fld>
             <a:endParaRPr lang="en-US" dirty="0"/>
           </a:p>
@@ -9863,30 +9863,161 @@
             <p:ph idx="1"/>
           </p:nvPr>
         </p:nvSpPr>
-        <p:spPr/>
-        <p:txBody>
-          <a:bodyPr/>
+        <p:spPr>
+          <a:xfrm>
+            <a:off x="1410027" y="1565999"/>
+            <a:ext cx="9371948" cy="4868983"/>
+          </a:xfrm>
+        </p:spPr>
+        <p:txBody>
+          <a:bodyPr>
+            <a:normAutofit fontScale="92500" lnSpcReduction="20000"/>
+          </a:bodyPr>
           <a:lstStyle/>
           <a:p>
+            <a:pPr marL="0" indent="0">
+              <a:buNone/>
+            </a:pPr>
+            <a:r>
+              <a:rPr lang="en-AU" dirty="0"/>
+              <a:t>The given data shows;</a:t>
+            </a:r>
+          </a:p>
+          <a:p>
+            <a:r>
+              <a:rPr lang="en-AU" dirty="0"/>
+              <a:t>Total </a:t>
+            </a:r>
+            <a:r>
+              <a:rPr lang="en-AU" b="1" dirty="0"/>
+              <a:t>5824</a:t>
+            </a:r>
+            <a:r>
+              <a:rPr lang="en-AU" dirty="0"/>
+              <a:t> species (raw data)</a:t>
+            </a:r>
+          </a:p>
+          <a:p>
+            <a:r>
+              <a:rPr lang="en-AU" b="1" dirty="0"/>
+              <a:t>5504</a:t>
+            </a:r>
+            <a:r>
+              <a:rPr lang="en-AU" dirty="0"/>
+              <a:t> unique species with their </a:t>
+            </a:r>
+            <a:r>
+              <a:rPr lang="en-AU" b="1" dirty="0"/>
+              <a:t>common name</a:t>
+            </a:r>
+          </a:p>
+          <a:p>
+            <a:r>
+              <a:rPr lang="en-AU" b="1" dirty="0"/>
+              <a:t>5541</a:t>
+            </a:r>
+            <a:r>
+              <a:rPr lang="en-AU" dirty="0"/>
+              <a:t> unique scientific name of species</a:t>
+            </a:r>
+            <a:endParaRPr lang="en-AU" b="1" dirty="0"/>
+          </a:p>
+          <a:p>
+            <a:r>
+              <a:rPr lang="en-AU" b="1" dirty="0"/>
+              <a:t>7</a:t>
+            </a:r>
+            <a:r>
+              <a:rPr lang="en-AU" dirty="0"/>
+              <a:t> species categories</a:t>
+            </a:r>
+          </a:p>
+          <a:p>
+            <a:pPr lvl="1"/>
+            <a:r>
+              <a:rPr lang="en-AU" dirty="0"/>
+              <a:t>Amphibian</a:t>
+            </a:r>
+          </a:p>
+          <a:p>
+            <a:pPr lvl="1"/>
+            <a:r>
+              <a:rPr lang="en-AU" dirty="0"/>
+              <a:t>Bird</a:t>
+            </a:r>
+          </a:p>
+          <a:p>
+            <a:pPr lvl="1"/>
+            <a:r>
+              <a:rPr lang="en-AU" dirty="0"/>
+              <a:t>Mammal</a:t>
+            </a:r>
+          </a:p>
+          <a:p>
+            <a:pPr lvl="1"/>
+            <a:r>
+              <a:rPr lang="en-AU" dirty="0"/>
+              <a:t>Reptile</a:t>
+            </a:r>
+          </a:p>
+          <a:p>
+            <a:pPr lvl="1"/>
+            <a:r>
+              <a:rPr lang="en-AU" dirty="0"/>
+              <a:t>Nonvascular Plant</a:t>
+            </a:r>
+          </a:p>
+          <a:p>
+            <a:pPr lvl="1"/>
+            <a:r>
+              <a:rPr lang="en-AU" dirty="0"/>
+              <a:t>Vascular Plant</a:t>
+            </a:r>
+          </a:p>
+          <a:p>
+            <a:r>
+              <a:rPr lang="en-AU" dirty="0"/>
+              <a:t>Current conversation status of species as </a:t>
+            </a:r>
             <a:r>
               <a:rPr lang="en-GB" dirty="0"/>
-              <a:t>The scientific name of each species</a:t>
-            </a:r>
-          </a:p>
-          <a:p>
+              <a:t>  </a:t>
+            </a:r>
+          </a:p>
+          <a:p>
+            <a:pPr lvl="1"/>
             <a:r>
               <a:rPr lang="en-GB" dirty="0"/>
-              <a:t>The common names of each species</a:t>
-            </a:r>
-          </a:p>
-          <a:p>
+              <a:t>Species of Concern </a:t>
+            </a:r>
+          </a:p>
+          <a:p>
+            <a:pPr lvl="1"/>
             <a:r>
               <a:rPr lang="en-GB" dirty="0"/>
-              <a:t>The species conservation status</a:t>
-            </a:r>
-          </a:p>
-          <a:p>
-            <a:endParaRPr lang="en-GB" dirty="0"/>
+              <a:t>Endangered </a:t>
+            </a:r>
+          </a:p>
+          <a:p>
+            <a:pPr lvl="1"/>
+            <a:r>
+              <a:rPr lang="en-GB" dirty="0"/>
+              <a:t>Threatened </a:t>
+            </a:r>
+          </a:p>
+          <a:p>
+            <a:pPr lvl="1"/>
+            <a:r>
+              <a:rPr lang="en-GB" dirty="0"/>
+              <a:t>In Recovery</a:t>
+            </a:r>
+          </a:p>
+          <a:p>
+            <a:pPr lvl="1"/>
+            <a:r>
+              <a:rPr lang="en-AU" dirty="0"/>
+              <a:t>No intervention (No status, no data)</a:t>
+            </a:r>
           </a:p>
         </p:txBody>
       </p:sp>
@@ -9943,7 +10074,7 @@
             <a:fld id="{6DD1B487-36FD-4CED-B07A-1A81FC6540B1}" type="datetime1">
               <a:rPr lang="en-US" smtClean="0"/>
               <a:pPr/>
-              <a:t>5/3/2018</a:t>
+              <a:t>5/4/2018</a:t>
             </a:fld>
             <a:endParaRPr lang="en-US" dirty="0"/>
           </a:p>
@@ -10000,8 +10131,44 @@
         </p:blipFill>
         <p:spPr>
           <a:xfrm>
-            <a:off x="3215981" y="3208042"/>
+            <a:off x="12683700" y="683543"/>
             <a:ext cx="5323809" cy="2133333"/>
+          </a:xfrm>
+          <a:prstGeom prst="rect">
+            <a:avLst/>
+          </a:prstGeom>
+        </p:spPr>
+      </p:pic>
+      <p:pic>
+        <p:nvPicPr>
+          <p:cNvPr id="12" name="Content Placeholder 12">
+            <a:extLst>
+              <a:ext uri="{FF2B5EF4-FFF2-40B4-BE49-F238E27FC236}">
+                <a16:creationId xmlns:a16="http://schemas.microsoft.com/office/drawing/2014/main" id="{5003188D-FA52-422D-93DF-7E813C4015F9}"/>
+              </a:ext>
+            </a:extLst>
+          </p:cNvPr>
+          <p:cNvPicPr>
+            <a:picLocks noChangeAspect="1"/>
+          </p:cNvPicPr>
+          <p:nvPr/>
+        </p:nvPicPr>
+        <p:blipFill>
+          <a:blip r:embed="rId3">
+            <a:extLst>
+              <a:ext uri="{28A0092B-C50C-407E-A947-70E740481C1C}">
+                <a14:useLocalDpi xmlns:a14="http://schemas.microsoft.com/office/drawing/2010/main" val="0"/>
+              </a:ext>
+            </a:extLst>
+          </a:blip>
+          <a:stretch>
+            <a:fillRect/>
+          </a:stretch>
+        </p:blipFill>
+        <p:spPr>
+          <a:xfrm>
+            <a:off x="7122738" y="4478284"/>
+            <a:ext cx="4610100" cy="1956698"/>
           </a:xfrm>
           <a:prstGeom prst="rect">
             <a:avLst/>
@@ -10113,7 +10280,7 @@
             <a:fld id="{6DD1B487-36FD-4CED-B07A-1A81FC6540B1}" type="datetime1">
               <a:rPr lang="en-US" smtClean="0"/>
               <a:pPr/>
-              <a:t>5/3/2018</a:t>
+              <a:t>5/4/2018</a:t>
             </a:fld>
             <a:endParaRPr lang="en-US" dirty="0"/>
           </a:p>
@@ -10306,7 +10473,7 @@
             <a:fld id="{93A66BA0-BF77-43AC-894A-20AD8220B887}" type="datetime1">
               <a:rPr lang="en-US" smtClean="0"/>
               <a:pPr/>
-              <a:t>5/3/2018</a:t>
+              <a:t>5/4/2018</a:t>
             </a:fld>
             <a:endParaRPr lang="en-US" dirty="0"/>
           </a:p>
@@ -10579,6 +10746,510 @@
           </a:graphicData>
         </a:graphic>
       </p:graphicFrame>
+      <p:graphicFrame>
+        <p:nvGraphicFramePr>
+          <p:cNvPr id="10" name="Table 9">
+            <a:extLst>
+              <a:ext uri="{FF2B5EF4-FFF2-40B4-BE49-F238E27FC236}">
+                <a16:creationId xmlns:a16="http://schemas.microsoft.com/office/drawing/2014/main" id="{A2D2BA9A-F7C5-48D5-A8AA-405322CDE99F}"/>
+              </a:ext>
+            </a:extLst>
+          </p:cNvPr>
+          <p:cNvGraphicFramePr>
+            <a:graphicFrameLocks noGrp="1"/>
+          </p:cNvGraphicFramePr>
+          <p:nvPr>
+            <p:extLst>
+              <p:ext uri="{D42A27DB-BD31-4B8C-83A1-F6EECF244321}">
+                <p14:modId xmlns:p14="http://schemas.microsoft.com/office/powerpoint/2010/main" val="1529543026"/>
+              </p:ext>
+            </p:extLst>
+          </p:nvPr>
+        </p:nvGraphicFramePr>
+        <p:xfrm>
+          <a:off x="1454065" y="3403363"/>
+          <a:ext cx="9789978" cy="3200400"/>
+        </p:xfrm>
+        <a:graphic>
+          <a:graphicData uri="http://schemas.openxmlformats.org/drawingml/2006/table">
+            <a:tbl>
+              <a:tblPr firstRow="1" bandRow="1">
+                <a:tableStyleId>{3B4B98B0-60AC-42C2-AFA5-B58CD77FA1E5}</a:tableStyleId>
+              </a:tblPr>
+              <a:tblGrid>
+                <a:gridCol w="1943418">
+                  <a:extLst>
+                    <a:ext uri="{9D8B030D-6E8A-4147-A177-3AD203B41FA5}">
+                      <a16:colId xmlns:a16="http://schemas.microsoft.com/office/drawing/2014/main" val="3213144865"/>
+                    </a:ext>
+                  </a:extLst>
+                </a:gridCol>
+                <a:gridCol w="2833547">
+                  <a:extLst>
+                    <a:ext uri="{9D8B030D-6E8A-4147-A177-3AD203B41FA5}">
+                      <a16:colId xmlns:a16="http://schemas.microsoft.com/office/drawing/2014/main" val="3558467386"/>
+                    </a:ext>
+                  </a:extLst>
+                </a:gridCol>
+                <a:gridCol w="2833547">
+                  <a:extLst>
+                    <a:ext uri="{9D8B030D-6E8A-4147-A177-3AD203B41FA5}">
+                      <a16:colId xmlns:a16="http://schemas.microsoft.com/office/drawing/2014/main" val="167439674"/>
+                    </a:ext>
+                  </a:extLst>
+                </a:gridCol>
+                <a:gridCol w="2179466">
+                  <a:extLst>
+                    <a:ext uri="{9D8B030D-6E8A-4147-A177-3AD203B41FA5}">
+                      <a16:colId xmlns:a16="http://schemas.microsoft.com/office/drawing/2014/main" val="3212391240"/>
+                    </a:ext>
+                  </a:extLst>
+                </a:gridCol>
+              </a:tblGrid>
+              <a:tr h="245571">
+                <a:tc>
+                  <a:txBody>
+                    <a:bodyPr/>
+                    <a:lstStyle/>
+                    <a:p>
+                      <a:r>
+                        <a:rPr lang="en-GB" dirty="0"/>
+                        <a:t>Category</a:t>
+                      </a:r>
+                    </a:p>
+                  </a:txBody>
+                  <a:tcPr/>
+                </a:tc>
+                <a:tc>
+                  <a:txBody>
+                    <a:bodyPr/>
+                    <a:lstStyle/>
+                    <a:p>
+                      <a:r>
+                        <a:rPr lang="en-AU" dirty="0"/>
+                        <a:t>Scientific name example</a:t>
+                      </a:r>
+                      <a:endParaRPr lang="en-GB" dirty="0"/>
+                    </a:p>
+                  </a:txBody>
+                  <a:tcPr/>
+                </a:tc>
+                <a:tc>
+                  <a:txBody>
+                    <a:bodyPr/>
+                    <a:lstStyle/>
+                    <a:p>
+                      <a:r>
+                        <a:rPr lang="en-AU" dirty="0"/>
+                        <a:t>Common name example</a:t>
+                      </a:r>
+                      <a:endParaRPr lang="en-GB" dirty="0"/>
+                    </a:p>
+                  </a:txBody>
+                  <a:tcPr/>
+                </a:tc>
+                <a:tc>
+                  <a:txBody>
+                    <a:bodyPr/>
+                    <a:lstStyle/>
+                    <a:p>
+                      <a:r>
+                        <a:rPr lang="en-AU" dirty="0"/>
+                        <a:t>Conservation status</a:t>
+                      </a:r>
+                      <a:endParaRPr lang="en-GB" dirty="0"/>
+                    </a:p>
+                  </a:txBody>
+                  <a:tcPr/>
+                </a:tc>
+                <a:extLst>
+                  <a:ext uri="{0D108BD9-81ED-4DB2-BD59-A6C34878D82A}">
+                    <a16:rowId xmlns:a16="http://schemas.microsoft.com/office/drawing/2014/main" val="2780773223"/>
+                  </a:ext>
+                </a:extLst>
+              </a:tr>
+              <a:tr h="245571">
+                <a:tc>
+                  <a:txBody>
+                    <a:bodyPr/>
+                    <a:lstStyle/>
+                    <a:p>
+                      <a:r>
+                        <a:rPr lang="en-AU" dirty="0"/>
+                        <a:t>Amphibian</a:t>
+                      </a:r>
+                      <a:endParaRPr lang="en-GB" dirty="0"/>
+                    </a:p>
+                  </a:txBody>
+                  <a:tcPr/>
+                </a:tc>
+                <a:tc>
+                  <a:txBody>
+                    <a:bodyPr/>
+                    <a:lstStyle/>
+                    <a:p>
+                      <a:endParaRPr lang="en-GB" dirty="0"/>
+                    </a:p>
+                  </a:txBody>
+                  <a:tcPr/>
+                </a:tc>
+                <a:tc>
+                  <a:txBody>
+                    <a:bodyPr/>
+                    <a:lstStyle/>
+                    <a:p>
+                      <a:endParaRPr lang="en-GB" dirty="0"/>
+                    </a:p>
+                  </a:txBody>
+                  <a:tcPr/>
+                </a:tc>
+                <a:tc>
+                  <a:txBody>
+                    <a:bodyPr/>
+                    <a:lstStyle/>
+                    <a:p>
+                      <a:endParaRPr lang="en-GB" dirty="0"/>
+                    </a:p>
+                  </a:txBody>
+                  <a:tcPr/>
+                </a:tc>
+                <a:extLst>
+                  <a:ext uri="{0D108BD9-81ED-4DB2-BD59-A6C34878D82A}">
+                    <a16:rowId xmlns:a16="http://schemas.microsoft.com/office/drawing/2014/main" val="181973459"/>
+                  </a:ext>
+                </a:extLst>
+              </a:tr>
+              <a:tr h="245571">
+                <a:tc>
+                  <a:txBody>
+                    <a:bodyPr/>
+                    <a:lstStyle/>
+                    <a:p>
+                      <a:r>
+                        <a:rPr lang="en-AU" dirty="0"/>
+                        <a:t>Bird</a:t>
+                      </a:r>
+                      <a:endParaRPr lang="en-GB" dirty="0"/>
+                    </a:p>
+                  </a:txBody>
+                  <a:tcPr/>
+                </a:tc>
+                <a:tc>
+                  <a:txBody>
+                    <a:bodyPr/>
+                    <a:lstStyle/>
+                    <a:p>
+                      <a:endParaRPr lang="en-GB" dirty="0"/>
+                    </a:p>
+                  </a:txBody>
+                  <a:tcPr/>
+                </a:tc>
+                <a:tc>
+                  <a:txBody>
+                    <a:bodyPr/>
+                    <a:lstStyle/>
+                    <a:p>
+                      <a:endParaRPr lang="en-GB" dirty="0"/>
+                    </a:p>
+                  </a:txBody>
+                  <a:tcPr/>
+                </a:tc>
+                <a:tc>
+                  <a:txBody>
+                    <a:bodyPr/>
+                    <a:lstStyle/>
+                    <a:p>
+                      <a:endParaRPr lang="en-GB" dirty="0"/>
+                    </a:p>
+                  </a:txBody>
+                  <a:tcPr/>
+                </a:tc>
+                <a:extLst>
+                  <a:ext uri="{0D108BD9-81ED-4DB2-BD59-A6C34878D82A}">
+                    <a16:rowId xmlns:a16="http://schemas.microsoft.com/office/drawing/2014/main" val="1056171870"/>
+                  </a:ext>
+                </a:extLst>
+              </a:tr>
+              <a:tr h="245571">
+                <a:tc>
+                  <a:txBody>
+                    <a:bodyPr/>
+                    <a:lstStyle/>
+                    <a:p>
+                      <a:r>
+                        <a:rPr lang="en-AU" dirty="0"/>
+                        <a:t>Fish</a:t>
+                      </a:r>
+                      <a:endParaRPr lang="en-GB" dirty="0"/>
+                    </a:p>
+                  </a:txBody>
+                  <a:tcPr/>
+                </a:tc>
+                <a:tc>
+                  <a:txBody>
+                    <a:bodyPr/>
+                    <a:lstStyle/>
+                    <a:p>
+                      <a:endParaRPr lang="en-GB" dirty="0"/>
+                    </a:p>
+                  </a:txBody>
+                  <a:tcPr/>
+                </a:tc>
+                <a:tc>
+                  <a:txBody>
+                    <a:bodyPr/>
+                    <a:lstStyle/>
+                    <a:p>
+                      <a:endParaRPr lang="en-GB" dirty="0"/>
+                    </a:p>
+                  </a:txBody>
+                  <a:tcPr/>
+                </a:tc>
+                <a:tc>
+                  <a:txBody>
+                    <a:bodyPr/>
+                    <a:lstStyle/>
+                    <a:p>
+                      <a:endParaRPr lang="en-GB" dirty="0"/>
+                    </a:p>
+                  </a:txBody>
+                  <a:tcPr/>
+                </a:tc>
+                <a:extLst>
+                  <a:ext uri="{0D108BD9-81ED-4DB2-BD59-A6C34878D82A}">
+                    <a16:rowId xmlns:a16="http://schemas.microsoft.com/office/drawing/2014/main" val="1718233796"/>
+                  </a:ext>
+                </a:extLst>
+              </a:tr>
+              <a:tr h="423862">
+                <a:tc>
+                  <a:txBody>
+                    <a:bodyPr/>
+                    <a:lstStyle/>
+                    <a:p>
+                      <a:r>
+                        <a:rPr lang="en-AU" dirty="0"/>
+                        <a:t>Mammal</a:t>
+                      </a:r>
+                      <a:endParaRPr lang="en-GB" dirty="0"/>
+                    </a:p>
+                  </a:txBody>
+                  <a:tcPr/>
+                </a:tc>
+                <a:tc>
+                  <a:txBody>
+                    <a:bodyPr/>
+                    <a:lstStyle/>
+                    <a:p>
+                      <a:r>
+                        <a:rPr lang="en-GB" dirty="0"/>
+                        <a:t>Bos bison</a:t>
+                      </a:r>
+                    </a:p>
+                    <a:p>
+                      <a:r>
+                        <a:rPr lang="en-GB" dirty="0"/>
+                        <a:t>Coyote</a:t>
+                      </a:r>
+                    </a:p>
+                  </a:txBody>
+                  <a:tcPr/>
+                </a:tc>
+                <a:tc>
+                  <a:txBody>
+                    <a:bodyPr/>
+                    <a:lstStyle/>
+                    <a:p>
+                      <a:endParaRPr lang="en-GB" dirty="0"/>
+                    </a:p>
+                  </a:txBody>
+                  <a:tcPr/>
+                </a:tc>
+                <a:tc>
+                  <a:txBody>
+                    <a:bodyPr/>
+                    <a:lstStyle/>
+                    <a:p>
+                      <a:endParaRPr lang="en-GB" dirty="0"/>
+                    </a:p>
+                  </a:txBody>
+                  <a:tcPr/>
+                </a:tc>
+                <a:extLst>
+                  <a:ext uri="{0D108BD9-81ED-4DB2-BD59-A6C34878D82A}">
+                    <a16:rowId xmlns:a16="http://schemas.microsoft.com/office/drawing/2014/main" val="4010953883"/>
+                  </a:ext>
+                </a:extLst>
+              </a:tr>
+              <a:tr h="245571">
+                <a:tc>
+                  <a:txBody>
+                    <a:bodyPr/>
+                    <a:lstStyle/>
+                    <a:p>
+                      <a:r>
+                        <a:rPr lang="en-AU" dirty="0"/>
+                        <a:t>Reptile</a:t>
+                      </a:r>
+                      <a:endParaRPr lang="en-GB" dirty="0"/>
+                    </a:p>
+                  </a:txBody>
+                  <a:tcPr/>
+                </a:tc>
+                <a:tc>
+                  <a:txBody>
+                    <a:bodyPr/>
+                    <a:lstStyle/>
+                    <a:p>
+                      <a:endParaRPr lang="en-GB" dirty="0"/>
+                    </a:p>
+                  </a:txBody>
+                  <a:tcPr/>
+                </a:tc>
+                <a:tc>
+                  <a:txBody>
+                    <a:bodyPr/>
+                    <a:lstStyle/>
+                    <a:p>
+                      <a:endParaRPr lang="en-GB" dirty="0"/>
+                    </a:p>
+                  </a:txBody>
+                  <a:tcPr/>
+                </a:tc>
+                <a:tc>
+                  <a:txBody>
+                    <a:bodyPr/>
+                    <a:lstStyle/>
+                    <a:p>
+                      <a:endParaRPr lang="en-GB" dirty="0"/>
+                    </a:p>
+                  </a:txBody>
+                  <a:tcPr/>
+                </a:tc>
+                <a:extLst>
+                  <a:ext uri="{0D108BD9-81ED-4DB2-BD59-A6C34878D82A}">
+                    <a16:rowId xmlns:a16="http://schemas.microsoft.com/office/drawing/2014/main" val="1926091714"/>
+                  </a:ext>
+                </a:extLst>
+              </a:tr>
+              <a:tr h="245571">
+                <a:tc>
+                  <a:txBody>
+                    <a:bodyPr/>
+                    <a:lstStyle/>
+                    <a:p>
+                      <a:r>
+                        <a:rPr lang="en-AU" dirty="0"/>
+                        <a:t>Nonvascular Plant</a:t>
+                      </a:r>
+                      <a:endParaRPr lang="en-GB" dirty="0"/>
+                    </a:p>
+                  </a:txBody>
+                  <a:tcPr/>
+                </a:tc>
+                <a:tc>
+                  <a:txBody>
+                    <a:bodyPr/>
+                    <a:lstStyle/>
+                    <a:p>
+                      <a:endParaRPr lang="en-GB" dirty="0"/>
+                    </a:p>
+                  </a:txBody>
+                  <a:tcPr/>
+                </a:tc>
+                <a:tc>
+                  <a:txBody>
+                    <a:bodyPr/>
+                    <a:lstStyle/>
+                    <a:p>
+                      <a:endParaRPr lang="en-GB" dirty="0"/>
+                    </a:p>
+                  </a:txBody>
+                  <a:tcPr/>
+                </a:tc>
+                <a:tc>
+                  <a:txBody>
+                    <a:bodyPr/>
+                    <a:lstStyle/>
+                    <a:p>
+                      <a:endParaRPr lang="en-GB" dirty="0"/>
+                    </a:p>
+                  </a:txBody>
+                  <a:tcPr/>
+                </a:tc>
+                <a:extLst>
+                  <a:ext uri="{0D108BD9-81ED-4DB2-BD59-A6C34878D82A}">
+                    <a16:rowId xmlns:a16="http://schemas.microsoft.com/office/drawing/2014/main" val="1911095906"/>
+                  </a:ext>
+                </a:extLst>
+              </a:tr>
+              <a:tr h="245571">
+                <a:tc>
+                  <a:txBody>
+                    <a:bodyPr/>
+                    <a:lstStyle/>
+                    <a:p>
+                      <a:r>
+                        <a:rPr lang="en-AU" dirty="0"/>
+                        <a:t>Vascular Plant</a:t>
+                      </a:r>
+                      <a:endParaRPr lang="en-GB" dirty="0"/>
+                    </a:p>
+                  </a:txBody>
+                  <a:tcPr/>
+                </a:tc>
+                <a:tc>
+                  <a:txBody>
+                    <a:bodyPr/>
+                    <a:lstStyle/>
+                    <a:p>
+                      <a:r>
+                        <a:rPr lang="en-GB" dirty="0" err="1"/>
+                        <a:t>Saxifraga</a:t>
+                      </a:r>
+                      <a:r>
+                        <a:rPr lang="en-GB" dirty="0"/>
+                        <a:t> </a:t>
+                      </a:r>
+                      <a:r>
+                        <a:rPr lang="en-GB" dirty="0" err="1"/>
+                        <a:t>californica</a:t>
+                      </a:r>
+                      <a:endParaRPr lang="en-GB" dirty="0"/>
+                    </a:p>
+                  </a:txBody>
+                  <a:tcPr/>
+                </a:tc>
+                <a:tc>
+                  <a:txBody>
+                    <a:bodyPr/>
+                    <a:lstStyle/>
+                    <a:p>
+                      <a:endParaRPr lang="en-GB" dirty="0"/>
+                    </a:p>
+                  </a:txBody>
+                  <a:tcPr/>
+                </a:tc>
+                <a:tc>
+                  <a:txBody>
+                    <a:bodyPr/>
+                    <a:lstStyle/>
+                    <a:p>
+                      <a:endParaRPr lang="en-GB" dirty="0"/>
+                    </a:p>
+                  </a:txBody>
+                  <a:tcPr/>
+                </a:tc>
+                <a:extLst>
+                  <a:ext uri="{0D108BD9-81ED-4DB2-BD59-A6C34878D82A}">
+                    <a16:rowId xmlns:a16="http://schemas.microsoft.com/office/drawing/2014/main" val="1263814574"/>
+                  </a:ext>
+                </a:extLst>
+              </a:tr>
+            </a:tbl>
+          </a:graphicData>
+        </a:graphic>
+      </p:graphicFrame>
     </p:spTree>
     <p:extLst>
       <p:ext uri="{BB962C8B-B14F-4D97-AF65-F5344CB8AC3E}">
@@ -10718,7 +11389,7 @@
             <a:fld id="{93A66BA0-BF77-43AC-894A-20AD8220B887}" type="datetime1">
               <a:rPr lang="en-US" smtClean="0"/>
               <a:pPr/>
-              <a:t>5/3/2018</a:t>
+              <a:t>5/4/2018</a:t>
             </a:fld>
             <a:endParaRPr lang="en-US" dirty="0"/>
           </a:p>
@@ -11036,7 +11707,7 @@
             <a:fld id="{94C81B4D-F060-418E-A958-B2BDC1A258F8}" type="datetime1">
               <a:rPr lang="en-US" smtClean="0"/>
               <a:pPr/>
-              <a:t>5/3/2018</a:t>
+              <a:t>5/4/2018</a:t>
             </a:fld>
             <a:endParaRPr lang="en-US" dirty="0"/>
           </a:p>
@@ -11170,7 +11841,7 @@
             <a:fld id="{9386AC23-C97B-41FB-9B89-C7FE0FB631CA}" type="datetime1">
               <a:rPr lang="en-US" smtClean="0"/>
               <a:pPr/>
-              <a:t>5/3/2018</a:t>
+              <a:t>5/4/2018</a:t>
             </a:fld>
             <a:endParaRPr lang="en-US" dirty="0"/>
           </a:p>

--- a/DataScience/Capstone/biodiversity.pptx
+++ b/DataScience/Capstone/biodiversity.pptx
@@ -5,10 +5,10 @@
     <p:sldMasterId id="2147483648" r:id="rId1"/>
   </p:sldMasterIdLst>
   <p:notesMasterIdLst>
-    <p:notesMasterId r:id="rId12"/>
+    <p:notesMasterId r:id="rId13"/>
   </p:notesMasterIdLst>
   <p:handoutMasterIdLst>
-    <p:handoutMasterId r:id="rId13"/>
+    <p:handoutMasterId r:id="rId14"/>
   </p:handoutMasterIdLst>
   <p:sldIdLst>
     <p:sldId id="258" r:id="rId2"/>
@@ -21,6 +21,7 @@
     <p:sldId id="293" r:id="rId9"/>
     <p:sldId id="294" r:id="rId10"/>
     <p:sldId id="295" r:id="rId11"/>
+    <p:sldId id="296" r:id="rId12"/>
   </p:sldIdLst>
   <p:sldSz cx="12192000" cy="6858000"/>
   <p:notesSz cx="6858000" cy="9144000"/>
@@ -223,7 +224,7 @@
           <a:p>
             <a:fld id="{30E08F2E-5F06-4CE2-A139-452A1382A6F0}" type="datetimeFigureOut">
               <a:rPr lang="en-US"/>
-              <a:t>5/5/2018</a:t>
+              <a:t>5/7/2018</a:t>
             </a:fld>
             <a:endParaRPr/>
           </a:p>
@@ -388,7 +389,7 @@
           <a:p>
             <a:fld id="{1A4C5DC6-1594-414D-9341-ABA08739246C}" type="datetimeFigureOut">
               <a:rPr lang="en-US"/>
-              <a:t>5/5/2018</a:t>
+              <a:t>5/7/2018</a:t>
             </a:fld>
             <a:endParaRPr/>
           </a:p>
@@ -1159,7 +1160,7 @@
             <a:fld id="{C9B55A74-0919-413E-865C-E0E8D1722ED7}" type="datetime1">
               <a:rPr lang="en-US" smtClean="0"/>
               <a:pPr/>
-              <a:t>5/5/2018</a:t>
+              <a:t>5/7/2018</a:t>
             </a:fld>
             <a:endParaRPr lang="en-US" dirty="0"/>
           </a:p>
@@ -1359,7 +1360,7 @@
             <a:fld id="{25BFE46A-5893-4F80-829A-F37AF8AAC03B}" type="datetime1">
               <a:rPr lang="en-US" smtClean="0"/>
               <a:pPr/>
-              <a:t>5/5/2018</a:t>
+              <a:t>5/7/2018</a:t>
             </a:fld>
             <a:endParaRPr lang="en-US" dirty="0"/>
           </a:p>
@@ -1549,7 +1550,7 @@
             <a:fld id="{6DD1B487-36FD-4CED-B07A-1A81FC6540B1}" type="datetime1">
               <a:rPr lang="en-US" smtClean="0"/>
               <a:pPr/>
-              <a:t>5/5/2018</a:t>
+              <a:t>5/7/2018</a:t>
             </a:fld>
             <a:endParaRPr lang="en-US" dirty="0"/>
           </a:p>
@@ -2129,7 +2130,7 @@
             <a:fld id="{93A66BA0-BF77-43AC-894A-20AD8220B887}" type="datetime1">
               <a:rPr lang="en-US" smtClean="0"/>
               <a:pPr/>
-              <a:t>5/5/2018</a:t>
+              <a:t>5/7/2018</a:t>
             </a:fld>
             <a:endParaRPr lang="en-US" dirty="0"/>
           </a:p>
@@ -2582,7 +2583,7 @@
             <a:fld id="{94C81B4D-F060-418E-A958-B2BDC1A258F8}" type="datetime1">
               <a:rPr lang="en-US" smtClean="0"/>
               <a:pPr/>
-              <a:t>5/5/2018</a:t>
+              <a:t>5/7/2018</a:t>
             </a:fld>
             <a:endParaRPr lang="en-US" dirty="0"/>
           </a:p>
@@ -2725,7 +2726,7 @@
             <a:fld id="{9386AC23-C97B-41FB-9B89-C7FE0FB631CA}" type="datetime1">
               <a:rPr lang="en-US" smtClean="0"/>
               <a:pPr/>
-              <a:t>5/5/2018</a:t>
+              <a:t>5/7/2018</a:t>
             </a:fld>
             <a:endParaRPr lang="en-US" dirty="0"/>
           </a:p>
@@ -2840,7 +2841,7 @@
             <a:fld id="{C81B9673-AC7F-4F1F-84E4-F0E5EAAE106D}" type="datetime1">
               <a:rPr lang="en-US" smtClean="0"/>
               <a:pPr/>
-              <a:t>5/5/2018</a:t>
+              <a:t>5/7/2018</a:t>
             </a:fld>
             <a:endParaRPr lang="en-US" dirty="0"/>
           </a:p>
@@ -3142,7 +3143,7 @@
             <a:fld id="{BA2A3310-D664-4933-9402-AB5DB0887727}" type="datetime1">
               <a:rPr lang="en-US" smtClean="0"/>
               <a:pPr/>
-              <a:t>5/5/2018</a:t>
+              <a:t>5/7/2018</a:t>
             </a:fld>
             <a:endParaRPr lang="en-US" dirty="0"/>
           </a:p>
@@ -3434,7 +3435,7 @@
             <a:fld id="{E1447A63-5E3D-469C-A0D1-119323F4F95E}" type="datetime1">
               <a:rPr lang="en-US" smtClean="0"/>
               <a:pPr/>
-              <a:t>5/5/2018</a:t>
+              <a:t>5/7/2018</a:t>
             </a:fld>
             <a:endParaRPr lang="en-US" dirty="0"/>
           </a:p>
@@ -3820,7 +3821,7 @@
             <a:fld id="{1E56E745-E731-42F7-BC46-83DD513FC98F}" type="datetime1">
               <a:rPr lang="en-US" smtClean="0"/>
               <a:pPr/>
-              <a:t>5/5/2018</a:t>
+              <a:t>5/7/2018</a:t>
             </a:fld>
             <a:endParaRPr lang="en-US" dirty="0"/>
           </a:p>
@@ -4340,7 +4341,7 @@
             </a:r>
             <a:r>
               <a:rPr lang="en-AU" dirty="0"/>
-              <a:t>disease study – sample size determination &amp; recommendation</a:t>
+              <a:t>disease study – sample size determination</a:t>
             </a:r>
             <a:endParaRPr lang="en-US" dirty="0"/>
           </a:p>
@@ -4358,8 +4359,8 @@
         </p:nvSpPr>
         <p:spPr>
           <a:xfrm>
-            <a:off x="1410026" y="1576160"/>
-            <a:ext cx="9371948" cy="4265839"/>
+            <a:off x="1410026" y="2130804"/>
+            <a:ext cx="9371948" cy="3711195"/>
           </a:xfrm>
         </p:spPr>
         <p:txBody>
@@ -4388,30 +4389,14 @@
             </a:r>
           </a:p>
           <a:p>
-            <a:pPr marL="0" indent="0">
-              <a:buNone/>
-            </a:pPr>
-            <a:endParaRPr lang="en-US" dirty="0"/>
-          </a:p>
-          <a:p>
-            <a:pPr marL="0" indent="0">
-              <a:buNone/>
-            </a:pPr>
-            <a:r>
-              <a:rPr lang="en-US" dirty="0"/>
-              <a:t>Recommendation</a:t>
-            </a:r>
-          </a:p>
-          <a:p>
-            <a:pPr marL="0" indent="0">
-              <a:buNone/>
-            </a:pPr>
-            <a:r>
-              <a:rPr lang="en-US" dirty="0"/>
-              <a:t>We recommend the sample size of 510, and each park to be observed as stated in the table below;</a:t>
-            </a:r>
-          </a:p>
-          <a:p>
+            <a:r>
+              <a:rPr lang="en-US" sz="2000" dirty="0"/>
+              <a:t>The recommended sample size is *</a:t>
+            </a:r>
+            <a:r>
+              <a:rPr lang="en-US" b="1" dirty="0"/>
+              <a:t>510</a:t>
+            </a:r>
             <a:endParaRPr lang="en-US" dirty="0"/>
           </a:p>
           <a:p>
@@ -4472,7 +4457,7 @@
             <a:fld id="{6DD1B487-36FD-4CED-B07A-1A81FC6540B1}" type="datetime1">
               <a:rPr lang="en-US" smtClean="0"/>
               <a:pPr/>
-              <a:t>5/6/2018</a:t>
+              <a:t>5/7/2018</a:t>
             </a:fld>
             <a:endParaRPr lang="en-US" dirty="0"/>
           </a:p>
@@ -4517,7 +4502,7 @@
         </p:nvSpPr>
         <p:spPr>
           <a:xfrm>
-            <a:off x="1562426" y="5547360"/>
+            <a:off x="1523871" y="4847555"/>
             <a:ext cx="9371948" cy="447039"/>
           </a:xfrm>
           <a:prstGeom prst="rect">
@@ -4697,10 +4682,9 @@
               <a:buNone/>
             </a:pPr>
             <a:r>
-              <a:rPr lang="en-US" b="1" dirty="0"/>
+              <a:rPr lang="en-US" dirty="0"/>
               <a:t>*The sample size is being calculated as 870 when you do this exercise is completed from the web version</a:t>
             </a:r>
-            <a:endParaRPr lang="en-US" dirty="0"/>
           </a:p>
         </p:txBody>
       </p:sp>
@@ -4723,7 +4707,7 @@
         </p:blipFill>
         <p:spPr bwMode="auto">
           <a:xfrm>
-            <a:off x="10314940" y="5461000"/>
+            <a:off x="8904914" y="5112402"/>
             <a:ext cx="1877060" cy="1397000"/>
           </a:xfrm>
           <a:prstGeom prst="rect">
@@ -4739,159 +4723,6 @@
           </a:extLst>
         </p:spPr>
       </p:pic>
-      <p:graphicFrame>
-        <p:nvGraphicFramePr>
-          <p:cNvPr id="9" name="Table 8">
-            <a:extLst>
-              <a:ext uri="{FF2B5EF4-FFF2-40B4-BE49-F238E27FC236}">
-                <a16:creationId xmlns:a16="http://schemas.microsoft.com/office/drawing/2014/main" id="{EC59F6AD-FA69-4190-8963-29FE8A3FE68B}"/>
-              </a:ext>
-            </a:extLst>
-          </p:cNvPr>
-          <p:cNvGraphicFramePr>
-            <a:graphicFrameLocks noGrp="1"/>
-          </p:cNvGraphicFramePr>
-          <p:nvPr>
-            <p:extLst>
-              <p:ext uri="{D42A27DB-BD31-4B8C-83A1-F6EECF244321}">
-                <p14:modId xmlns:p14="http://schemas.microsoft.com/office/powerpoint/2010/main" val="1122863890"/>
-              </p:ext>
-            </p:extLst>
-          </p:nvPr>
-        </p:nvGraphicFramePr>
-        <p:xfrm>
-          <a:off x="1454065" y="4184560"/>
-          <a:ext cx="9244415" cy="1097280"/>
-        </p:xfrm>
-        <a:graphic>
-          <a:graphicData uri="http://schemas.openxmlformats.org/drawingml/2006/table">
-            <a:tbl>
-              <a:tblPr firstRow="1" bandRow="1">
-                <a:tableStyleId>{3B4B98B0-60AC-42C2-AFA5-B58CD77FA1E5}</a:tableStyleId>
-              </a:tblPr>
-              <a:tblGrid>
-                <a:gridCol w="6496368">
-                  <a:extLst>
-                    <a:ext uri="{9D8B030D-6E8A-4147-A177-3AD203B41FA5}">
-                      <a16:colId xmlns:a16="http://schemas.microsoft.com/office/drawing/2014/main" val="1953910447"/>
-                    </a:ext>
-                  </a:extLst>
-                </a:gridCol>
-                <a:gridCol w="2748047">
-                  <a:extLst>
-                    <a:ext uri="{9D8B030D-6E8A-4147-A177-3AD203B41FA5}">
-                      <a16:colId xmlns:a16="http://schemas.microsoft.com/office/drawing/2014/main" val="4093997692"/>
-                    </a:ext>
-                  </a:extLst>
-                </a:gridCol>
-              </a:tblGrid>
-              <a:tr h="0">
-                <a:tc>
-                  <a:txBody>
-                    <a:bodyPr/>
-                    <a:lstStyle/>
-                    <a:p>
-                      <a:r>
-                        <a:rPr lang="en-AU" dirty="0"/>
-                        <a:t>Sample size (</a:t>
-                      </a:r>
-                      <a:r>
-                        <a:rPr lang="en-AU" b="0" dirty="0"/>
-                        <a:t>The number of sheep must observed from each park)</a:t>
-                      </a:r>
-                    </a:p>
-                  </a:txBody>
-                  <a:tcPr/>
-                </a:tc>
-                <a:tc>
-                  <a:txBody>
-                    <a:bodyPr/>
-                    <a:lstStyle/>
-                    <a:p>
-                      <a:r>
-                        <a:rPr lang="en-AU" dirty="0"/>
-                        <a:t>510*</a:t>
-                      </a:r>
-                    </a:p>
-                  </a:txBody>
-                  <a:tcPr/>
-                </a:tc>
-                <a:extLst>
-                  <a:ext uri="{0D108BD9-81ED-4DB2-BD59-A6C34878D82A}">
-                    <a16:rowId xmlns:a16="http://schemas.microsoft.com/office/drawing/2014/main" val="4292540539"/>
-                  </a:ext>
-                </a:extLst>
-              </a:tr>
-              <a:tr h="0">
-                <a:tc>
-                  <a:txBody>
-                    <a:bodyPr/>
-                    <a:lstStyle/>
-                    <a:p>
-                      <a:r>
-                        <a:rPr lang="en-AU" b="0" dirty="0"/>
-                        <a:t>Yellowstone national park observation duration</a:t>
-                      </a:r>
-                    </a:p>
-                  </a:txBody>
-                  <a:tcPr/>
-                </a:tc>
-                <a:tc>
-                  <a:txBody>
-                    <a:bodyPr/>
-                    <a:lstStyle/>
-                    <a:p>
-                      <a:r>
-                        <a:rPr lang="en-AU" dirty="0"/>
-                        <a:t>1 week</a:t>
-                      </a:r>
-                    </a:p>
-                  </a:txBody>
-                  <a:tcPr/>
-                </a:tc>
-                <a:extLst>
-                  <a:ext uri="{0D108BD9-81ED-4DB2-BD59-A6C34878D82A}">
-                    <a16:rowId xmlns:a16="http://schemas.microsoft.com/office/drawing/2014/main" val="2607604872"/>
-                  </a:ext>
-                </a:extLst>
-              </a:tr>
-              <a:tr h="0">
-                <a:tc>
-                  <a:txBody>
-                    <a:bodyPr/>
-                    <a:lstStyle/>
-                    <a:p>
-                      <a:r>
-                        <a:rPr lang="en-AU" b="0" dirty="0"/>
-                        <a:t>Bryce national park observation duration</a:t>
-                      </a:r>
-                    </a:p>
-                  </a:txBody>
-                  <a:tcPr/>
-                </a:tc>
-                <a:tc>
-                  <a:txBody>
-                    <a:bodyPr/>
-                    <a:lstStyle/>
-                    <a:p>
-                      <a:r>
-                        <a:rPr lang="en-AU" dirty="0"/>
-                        <a:t>2 weeks</a:t>
-                      </a:r>
-                    </a:p>
-                  </a:txBody>
-                  <a:tcPr/>
-                </a:tc>
-                <a:extLst>
-                  <a:ext uri="{0D108BD9-81ED-4DB2-BD59-A6C34878D82A}">
-                    <a16:rowId xmlns:a16="http://schemas.microsoft.com/office/drawing/2014/main" val="969804178"/>
-                  </a:ext>
-                </a:extLst>
-              </a:tr>
-            </a:tbl>
-          </a:graphicData>
-        </a:graphic>
-      </p:graphicFrame>
     </p:spTree>
     <p:extLst>
       <p:ext uri="{BB962C8B-B14F-4D97-AF65-F5344CB8AC3E}">
@@ -4917,7 +4748,7 @@
 </p:sld>
 </file>
 
-<file path=ppt/slides/slide2.xml><?xml version="1.0" encoding="utf-8"?>
+<file path=ppt/slides/slide11.xml><?xml version="1.0" encoding="utf-8"?>
 <p:sld xmlns:a="http://schemas.openxmlformats.org/drawingml/2006/main" xmlns:r="http://schemas.openxmlformats.org/officeDocument/2006/relationships" xmlns:p="http://schemas.openxmlformats.org/presentationml/2006/main">
   <p:cSld>
     <p:spTree>
@@ -4950,8 +4781,12 @@
           <a:lstStyle/>
           <a:p>
             <a:r>
-              <a:rPr lang="fr-FR" dirty="0"/>
-              <a:t>Agenda </a:t>
+              <a:rPr lang="en-AU" dirty="0"/>
+              <a:t>Recommendation - </a:t>
+            </a:r>
+            <a:r>
+              <a:rPr lang="en-GB" dirty="0"/>
+              <a:t>Foot  and mouth disease study </a:t>
             </a:r>
             <a:endParaRPr lang="en-US" dirty="0"/>
           </a:p>
@@ -4959,12 +4794,12 @@
       </p:sp>
       <p:sp>
         <p:nvSpPr>
-          <p:cNvPr id="3" name="Content Placeholder 2"/>
-          <p:cNvSpPr>
-            <a:spLocks noGrp="1"/>
-          </p:cNvSpPr>
-          <p:nvPr>
-            <p:ph idx="1"/>
+          <p:cNvPr id="3" name="Slide Number Placeholder 2"/>
+          <p:cNvSpPr>
+            <a:spLocks noGrp="1"/>
+          </p:cNvSpPr>
+          <p:nvPr>
+            <p:ph type="sldNum" sz="quarter" idx="12"/>
           </p:nvPr>
         </p:nvSpPr>
         <p:spPr/>
@@ -4972,81 +4807,22 @@
           <a:bodyPr/>
           <a:lstStyle/>
           <a:p>
-            <a:r>
-              <a:rPr lang="en-US" dirty="0"/>
-              <a:t>Data description</a:t>
-            </a:r>
-          </a:p>
-          <a:p>
-            <a:pPr lvl="1"/>
-            <a:r>
-              <a:rPr lang="en-US" dirty="0"/>
-              <a:t>Species in national park</a:t>
-            </a:r>
-          </a:p>
-          <a:p>
-            <a:pPr lvl="1"/>
-            <a:r>
-              <a:rPr lang="en-US" dirty="0"/>
-              <a:t>7 day observation from four national parks</a:t>
-            </a:r>
-          </a:p>
-          <a:p>
-            <a:r>
-              <a:rPr lang="en-US" dirty="0"/>
-              <a:t>Data analysis summary</a:t>
-            </a:r>
-          </a:p>
-          <a:p>
-            <a:r>
-              <a:rPr lang="en-GB" dirty="0"/>
-              <a:t>Endangered species</a:t>
-            </a:r>
-          </a:p>
-          <a:p>
-            <a:pPr lvl="1"/>
-            <a:r>
-              <a:rPr lang="en-GB" dirty="0"/>
-              <a:t>The significance calculations for endangered status between different categories of species</a:t>
-            </a:r>
-          </a:p>
-          <a:p>
-            <a:pPr lvl="1"/>
-            <a:r>
-              <a:rPr lang="en-GB" dirty="0"/>
-              <a:t>A recommendation for conservationists concerned about endangered species</a:t>
-            </a:r>
-          </a:p>
-          <a:p>
-            <a:r>
-              <a:rPr lang="en-GB" dirty="0"/>
-              <a:t>Foot and mouth disease study</a:t>
-            </a:r>
-          </a:p>
-          <a:p>
-            <a:pPr lvl="1"/>
-            <a:r>
-              <a:rPr lang="en-GB" dirty="0"/>
-              <a:t>Sample size determination</a:t>
-            </a:r>
-          </a:p>
-          <a:p>
-            <a:pPr lvl="1"/>
-            <a:r>
-              <a:rPr lang="en-GB" dirty="0"/>
-              <a:t>recommendation</a:t>
-            </a:r>
-          </a:p>
-        </p:txBody>
-      </p:sp>
-      <p:sp>
-        <p:nvSpPr>
-          <p:cNvPr id="4" name="Slide Number Placeholder 3"/>
-          <p:cNvSpPr>
-            <a:spLocks noGrp="1"/>
-          </p:cNvSpPr>
-          <p:nvPr>
-            <p:ph type="sldNum" sz="quarter" idx="12"/>
+            <a:fld id="{9CD8D479-8942-46E8-A226-A4E01F7A105C}" type="slidenum">
+              <a:rPr lang="en-US" smtClean="0"/>
+              <a:t>11</a:t>
+            </a:fld>
+            <a:endParaRPr lang="en-US"/>
+          </a:p>
+        </p:txBody>
+      </p:sp>
+      <p:sp>
+        <p:nvSpPr>
+          <p:cNvPr id="4" name="Date Placeholder 3"/>
+          <p:cNvSpPr>
+            <a:spLocks noGrp="1"/>
+          </p:cNvSpPr>
+          <p:nvPr>
+            <p:ph type="dt" sz="half" idx="10"/>
           </p:nvPr>
         </p:nvSpPr>
         <p:spPr/>
@@ -5054,22 +4830,23 @@
           <a:bodyPr/>
           <a:lstStyle/>
           <a:p>
-            <a:fld id="{9CD8D479-8942-46E8-A226-A4E01F7A105C}" type="slidenum">
+            <a:fld id="{9386AC23-C97B-41FB-9B89-C7FE0FB631CA}" type="datetime1">
               <a:rPr lang="en-US" smtClean="0"/>
-              <a:t>2</a:t>
+              <a:pPr/>
+              <a:t>5/7/2018</a:t>
             </a:fld>
-            <a:endParaRPr lang="en-US"/>
-          </a:p>
-        </p:txBody>
-      </p:sp>
-      <p:sp>
-        <p:nvSpPr>
-          <p:cNvPr id="5" name="Date Placeholder 4"/>
-          <p:cNvSpPr>
-            <a:spLocks noGrp="1"/>
-          </p:cNvSpPr>
-          <p:nvPr>
-            <p:ph type="dt" sz="half" idx="10"/>
+            <a:endParaRPr lang="en-US" dirty="0"/>
+          </a:p>
+        </p:txBody>
+      </p:sp>
+      <p:sp>
+        <p:nvSpPr>
+          <p:cNvPr id="5" name="Footer Placeholder 4"/>
+          <p:cNvSpPr>
+            <a:spLocks noGrp="1"/>
+          </p:cNvSpPr>
+          <p:nvPr>
+            <p:ph type="ftr" sz="quarter" idx="11"/>
           </p:nvPr>
         </p:nvSpPr>
         <p:spPr/>
@@ -5077,30 +4854,6 @@
           <a:bodyPr/>
           <a:lstStyle/>
           <a:p>
-            <a:fld id="{6DD1B487-36FD-4CED-B07A-1A81FC6540B1}" type="datetime1">
-              <a:rPr lang="en-US" smtClean="0"/>
-              <a:pPr/>
-              <a:t>5/5/2018</a:t>
-            </a:fld>
-            <a:endParaRPr lang="en-US" dirty="0"/>
-          </a:p>
-        </p:txBody>
-      </p:sp>
-      <p:sp>
-        <p:nvSpPr>
-          <p:cNvPr id="6" name="Footer Placeholder 5"/>
-          <p:cNvSpPr>
-            <a:spLocks noGrp="1"/>
-          </p:cNvSpPr>
-          <p:nvPr>
-            <p:ph type="ftr" sz="quarter" idx="11"/>
-          </p:nvPr>
-        </p:nvSpPr>
-        <p:spPr/>
-        <p:txBody>
-          <a:bodyPr/>
-          <a:lstStyle/>
-          <a:p>
             <a:r>
               <a:rPr lang="en-US"/>
               <a:t>Add a footer</a:t>
@@ -5109,615 +4862,12 @@
           </a:p>
         </p:txBody>
       </p:sp>
-    </p:spTree>
-    <p:extLst>
-      <p:ext uri="{BB962C8B-B14F-4D97-AF65-F5344CB8AC3E}">
-        <p14:creationId xmlns:p14="http://schemas.microsoft.com/office/powerpoint/2010/main" val="1627619141"/>
-      </p:ext>
-    </p:extLst>
-  </p:cSld>
-  <p:clrMapOvr>
-    <a:masterClrMapping/>
-  </p:clrMapOvr>
-  <mc:AlternateContent xmlns:mc="http://schemas.openxmlformats.org/markup-compatibility/2006" xmlns:p14="http://schemas.microsoft.com/office/powerpoint/2010/main">
-    <mc:Choice Requires="p14">
-      <p:transition spd="med" p14:dur="700">
-        <p:fade/>
-      </p:transition>
-    </mc:Choice>
-    <mc:Fallback xmlns="">
-      <p:transition spd="med">
-        <p:fade/>
-      </p:transition>
-    </mc:Fallback>
-  </mc:AlternateContent>
-</p:sld>
-</file>
-
-<file path=ppt/slides/slide3.xml><?xml version="1.0" encoding="utf-8"?>
-<p:sld xmlns:a="http://schemas.openxmlformats.org/drawingml/2006/main" xmlns:r="http://schemas.openxmlformats.org/officeDocument/2006/relationships" xmlns:p="http://schemas.openxmlformats.org/presentationml/2006/main">
-  <p:cSld>
-    <p:spTree>
-      <p:nvGrpSpPr>
-        <p:cNvPr id="1" name=""/>
-        <p:cNvGrpSpPr/>
-        <p:nvPr/>
-      </p:nvGrpSpPr>
-      <p:grpSpPr>
-        <a:xfrm>
-          <a:off x="0" y="0"/>
-          <a:ext cx="0" cy="0"/>
-          <a:chOff x="0" y="0"/>
-          <a:chExt cx="0" cy="0"/>
-        </a:xfrm>
-      </p:grpSpPr>
-      <p:sp>
-        <p:nvSpPr>
-          <p:cNvPr id="2" name="Title 1">
+      <p:sp>
+        <p:nvSpPr>
+          <p:cNvPr id="8" name="Content Placeholder 2">
             <a:extLst>
               <a:ext uri="{FF2B5EF4-FFF2-40B4-BE49-F238E27FC236}">
-                <a16:creationId xmlns:a16="http://schemas.microsoft.com/office/drawing/2014/main" id="{6F415C1F-E379-403B-ABD7-5FE0A104F91E}"/>
-              </a:ext>
-            </a:extLst>
-          </p:cNvPr>
-          <p:cNvSpPr>
-            <a:spLocks noGrp="1"/>
-          </p:cNvSpPr>
-          <p:nvPr>
-            <p:ph type="title"/>
-          </p:nvPr>
-        </p:nvSpPr>
-        <p:spPr/>
-        <p:txBody>
-          <a:bodyPr/>
-          <a:lstStyle/>
-          <a:p>
-            <a:r>
-              <a:rPr lang="en-GB" dirty="0"/>
-              <a:t>Data description</a:t>
-            </a:r>
-          </a:p>
-        </p:txBody>
-      </p:sp>
-      <p:sp>
-        <p:nvSpPr>
-          <p:cNvPr id="3" name="Content Placeholder 2">
-            <a:extLst>
-              <a:ext uri="{FF2B5EF4-FFF2-40B4-BE49-F238E27FC236}">
-                <a16:creationId xmlns:a16="http://schemas.microsoft.com/office/drawing/2014/main" id="{C9DDA6E0-B074-495C-8B23-EB109838A35C}"/>
-              </a:ext>
-            </a:extLst>
-          </p:cNvPr>
-          <p:cNvSpPr>
-            <a:spLocks noGrp="1"/>
-          </p:cNvSpPr>
-          <p:nvPr>
-            <p:ph idx="1"/>
-          </p:nvPr>
-        </p:nvSpPr>
-        <p:spPr>
-          <a:xfrm>
-            <a:off x="1410027" y="1565999"/>
-            <a:ext cx="9371948" cy="4469041"/>
-          </a:xfrm>
-        </p:spPr>
-        <p:txBody>
-          <a:bodyPr>
-            <a:normAutofit/>
-          </a:bodyPr>
-          <a:lstStyle/>
-          <a:p>
-            <a:pPr marL="0" indent="0">
-              <a:buNone/>
-            </a:pPr>
-            <a:r>
-              <a:rPr lang="en-AU" dirty="0"/>
-              <a:t>The given data shows;</a:t>
-            </a:r>
-          </a:p>
-          <a:p>
-            <a:r>
-              <a:rPr lang="en-AU" dirty="0"/>
-              <a:t>total </a:t>
-            </a:r>
-            <a:r>
-              <a:rPr lang="en-AU" b="1" dirty="0"/>
-              <a:t>5824</a:t>
-            </a:r>
-            <a:r>
-              <a:rPr lang="en-AU" dirty="0"/>
-              <a:t> species (raw data) in the national parks</a:t>
-            </a:r>
-          </a:p>
-          <a:p>
-            <a:r>
-              <a:rPr lang="en-AU" b="1" dirty="0"/>
-              <a:t>5504</a:t>
-            </a:r>
-            <a:r>
-              <a:rPr lang="en-AU" dirty="0"/>
-              <a:t> unique species with their </a:t>
-            </a:r>
-            <a:r>
-              <a:rPr lang="en-AU" b="1" dirty="0"/>
-              <a:t>common name</a:t>
-            </a:r>
-          </a:p>
-          <a:p>
-            <a:r>
-              <a:rPr lang="en-AU" b="1" dirty="0"/>
-              <a:t>5541</a:t>
-            </a:r>
-            <a:r>
-              <a:rPr lang="en-AU" dirty="0"/>
-              <a:t> unique scientific name of species</a:t>
-            </a:r>
-            <a:endParaRPr lang="en-AU" b="1" dirty="0"/>
-          </a:p>
-          <a:p>
-            <a:r>
-              <a:rPr lang="en-AU" b="1" dirty="0"/>
-              <a:t>7</a:t>
-            </a:r>
-            <a:r>
-              <a:rPr lang="en-AU" dirty="0"/>
-              <a:t> species categories – </a:t>
-            </a:r>
-            <a:r>
-              <a:rPr lang="en-AU" sz="1200" dirty="0"/>
-              <a:t>Amphibian, Bird, Mammal, Reptile, Nonvascular Plant, Vascular Plant</a:t>
-            </a:r>
-          </a:p>
-          <a:p>
-            <a:r>
-              <a:rPr lang="en-AU" dirty="0"/>
-              <a:t>Current conversation status of species in the national parks as </a:t>
-            </a:r>
-            <a:r>
-              <a:rPr lang="en-GB" dirty="0"/>
-              <a:t>  </a:t>
-            </a:r>
-          </a:p>
-          <a:p>
-            <a:pPr lvl="1"/>
-            <a:r>
-              <a:rPr lang="en-GB" b="1" dirty="0"/>
-              <a:t>Species of Concern </a:t>
-            </a:r>
-            <a:r>
-              <a:rPr lang="en-GB" dirty="0"/>
-              <a:t>- </a:t>
-            </a:r>
-            <a:r>
-              <a:rPr lang="en-US" dirty="0"/>
-              <a:t>declining population or appears to be in need of conservation.</a:t>
-            </a:r>
-            <a:endParaRPr lang="en-GB" dirty="0"/>
-          </a:p>
-          <a:p>
-            <a:pPr lvl="1"/>
-            <a:r>
-              <a:rPr lang="en-GB" b="1" dirty="0"/>
-              <a:t>Endangered</a:t>
-            </a:r>
-            <a:r>
-              <a:rPr lang="en-GB" dirty="0"/>
-              <a:t> - </a:t>
-            </a:r>
-            <a:r>
-              <a:rPr lang="en-US" dirty="0"/>
-              <a:t>seriously at risk of extinction.</a:t>
-            </a:r>
-            <a:endParaRPr lang="en-GB" dirty="0"/>
-          </a:p>
-          <a:p>
-            <a:pPr lvl="1"/>
-            <a:r>
-              <a:rPr lang="en-GB" b="1" dirty="0"/>
-              <a:t>Threatened</a:t>
-            </a:r>
-            <a:r>
-              <a:rPr lang="en-GB" dirty="0"/>
-              <a:t> - </a:t>
-            </a:r>
-            <a:r>
-              <a:rPr lang="en-US" dirty="0"/>
-              <a:t>vulnerable to endangerment in the near future.</a:t>
-            </a:r>
-            <a:endParaRPr lang="en-GB" dirty="0"/>
-          </a:p>
-          <a:p>
-            <a:pPr lvl="1"/>
-            <a:r>
-              <a:rPr lang="en-GB" b="1" dirty="0"/>
-              <a:t>In Recovery </a:t>
-            </a:r>
-            <a:r>
-              <a:rPr lang="en-GB" dirty="0"/>
-              <a:t>- </a:t>
-            </a:r>
-            <a:r>
-              <a:rPr lang="en-US" dirty="0"/>
-              <a:t>formerly Endangered, but currently not in danger of extinction throughout all</a:t>
-            </a:r>
-            <a:endParaRPr lang="en-GB" dirty="0"/>
-          </a:p>
-          <a:p>
-            <a:pPr lvl="1"/>
-            <a:r>
-              <a:rPr lang="en-AU" b="1" dirty="0"/>
-              <a:t>No intervention </a:t>
-            </a:r>
-            <a:r>
-              <a:rPr lang="en-AU" dirty="0"/>
-              <a:t>– not </a:t>
-            </a:r>
-            <a:r>
-              <a:rPr lang="en-US" dirty="0"/>
-              <a:t>categorized, no data</a:t>
-            </a:r>
-            <a:endParaRPr lang="en-AU" dirty="0"/>
-          </a:p>
-        </p:txBody>
-      </p:sp>
-      <p:sp>
-        <p:nvSpPr>
-          <p:cNvPr id="4" name="Slide Number Placeholder 3">
-            <a:extLst>
-              <a:ext uri="{FF2B5EF4-FFF2-40B4-BE49-F238E27FC236}">
-                <a16:creationId xmlns:a16="http://schemas.microsoft.com/office/drawing/2014/main" id="{266642C1-770F-4FCD-97EB-27DE27F965DD}"/>
-              </a:ext>
-            </a:extLst>
-          </p:cNvPr>
-          <p:cNvSpPr>
-            <a:spLocks noGrp="1"/>
-          </p:cNvSpPr>
-          <p:nvPr>
-            <p:ph type="sldNum" sz="quarter" idx="12"/>
-          </p:nvPr>
-        </p:nvSpPr>
-        <p:spPr/>
-        <p:txBody>
-          <a:bodyPr/>
-          <a:lstStyle/>
-          <a:p>
-            <a:fld id="{9CD8D479-8942-46E8-A226-A4E01F7A105C}" type="slidenum">
-              <a:rPr lang="en-GB" smtClean="0"/>
-              <a:t>3</a:t>
-            </a:fld>
-            <a:endParaRPr lang="en-GB"/>
-          </a:p>
-        </p:txBody>
-      </p:sp>
-      <p:sp>
-        <p:nvSpPr>
-          <p:cNvPr id="5" name="Date Placeholder 4">
-            <a:extLst>
-              <a:ext uri="{FF2B5EF4-FFF2-40B4-BE49-F238E27FC236}">
-                <a16:creationId xmlns:a16="http://schemas.microsoft.com/office/drawing/2014/main" id="{C8427C58-7F8B-49BA-B0D8-90BBC83837B2}"/>
-              </a:ext>
-            </a:extLst>
-          </p:cNvPr>
-          <p:cNvSpPr>
-            <a:spLocks noGrp="1"/>
-          </p:cNvSpPr>
-          <p:nvPr>
-            <p:ph type="dt" sz="half" idx="10"/>
-          </p:nvPr>
-        </p:nvSpPr>
-        <p:spPr/>
-        <p:txBody>
-          <a:bodyPr/>
-          <a:lstStyle/>
-          <a:p>
-            <a:fld id="{6DD1B487-36FD-4CED-B07A-1A81FC6540B1}" type="datetime1">
-              <a:rPr lang="en-US" smtClean="0"/>
-              <a:pPr/>
-              <a:t>5/5/2018</a:t>
-            </a:fld>
-            <a:endParaRPr lang="en-US" dirty="0"/>
-          </a:p>
-        </p:txBody>
-      </p:sp>
-      <p:sp>
-        <p:nvSpPr>
-          <p:cNvPr id="6" name="Footer Placeholder 5">
-            <a:extLst>
-              <a:ext uri="{FF2B5EF4-FFF2-40B4-BE49-F238E27FC236}">
-                <a16:creationId xmlns:a16="http://schemas.microsoft.com/office/drawing/2014/main" id="{48FD58BD-05E1-45E1-8B0F-43DB23D080BB}"/>
-              </a:ext>
-            </a:extLst>
-          </p:cNvPr>
-          <p:cNvSpPr>
-            <a:spLocks noGrp="1"/>
-          </p:cNvSpPr>
-          <p:nvPr>
-            <p:ph type="ftr" sz="quarter" idx="11"/>
-          </p:nvPr>
-        </p:nvSpPr>
-        <p:spPr/>
-        <p:txBody>
-          <a:bodyPr/>
-          <a:lstStyle/>
-          <a:p>
-            <a:r>
-              <a:rPr lang="en-US"/>
-              <a:t>Add a footer</a:t>
-            </a:r>
-            <a:endParaRPr lang="en-US" dirty="0"/>
-          </a:p>
-        </p:txBody>
-      </p:sp>
-      <p:pic>
-        <p:nvPicPr>
-          <p:cNvPr id="7" name="Picture 6">
-            <a:extLst>
-              <a:ext uri="{FF2B5EF4-FFF2-40B4-BE49-F238E27FC236}">
-                <a16:creationId xmlns:a16="http://schemas.microsoft.com/office/drawing/2014/main" id="{4C101352-1A4E-44DE-A3ED-C22B3FAD80A7}"/>
-              </a:ext>
-            </a:extLst>
-          </p:cNvPr>
-          <p:cNvPicPr>
-            <a:picLocks noChangeAspect="1"/>
-          </p:cNvPicPr>
-          <p:nvPr/>
-        </p:nvPicPr>
-        <p:blipFill>
-          <a:blip r:embed="rId2"/>
-          <a:stretch>
-            <a:fillRect/>
-          </a:stretch>
-        </p:blipFill>
-        <p:spPr>
-          <a:xfrm>
-            <a:off x="12683700" y="683543"/>
-            <a:ext cx="5323809" cy="2133333"/>
-          </a:xfrm>
-          <a:prstGeom prst="rect">
-            <a:avLst/>
-          </a:prstGeom>
-        </p:spPr>
-      </p:pic>
-    </p:spTree>
-    <p:extLst>
-      <p:ext uri="{BB962C8B-B14F-4D97-AF65-F5344CB8AC3E}">
-        <p14:creationId xmlns:p14="http://schemas.microsoft.com/office/powerpoint/2010/main" val="8744480"/>
-      </p:ext>
-    </p:extLst>
-  </p:cSld>
-  <p:clrMapOvr>
-    <a:masterClrMapping/>
-  </p:clrMapOvr>
-  <mc:AlternateContent xmlns:mc="http://schemas.openxmlformats.org/markup-compatibility/2006" xmlns:p14="http://schemas.microsoft.com/office/powerpoint/2010/main">
-    <mc:Choice Requires="p14">
-      <p:transition spd="med" p14:dur="700">
-        <p:fade/>
-      </p:transition>
-    </mc:Choice>
-    <mc:Fallback xmlns="">
-      <p:transition spd="med">
-        <p:fade/>
-      </p:transition>
-    </mc:Fallback>
-  </mc:AlternateContent>
-</p:sld>
-</file>
-
-<file path=ppt/slides/slide4.xml><?xml version="1.0" encoding="utf-8"?>
-<p:sld xmlns:a="http://schemas.openxmlformats.org/drawingml/2006/main" xmlns:r="http://schemas.openxmlformats.org/officeDocument/2006/relationships" xmlns:p="http://schemas.openxmlformats.org/presentationml/2006/main">
-  <p:cSld>
-    <p:spTree>
-      <p:nvGrpSpPr>
-        <p:cNvPr id="1" name=""/>
-        <p:cNvGrpSpPr/>
-        <p:nvPr/>
-      </p:nvGrpSpPr>
-      <p:grpSpPr>
-        <a:xfrm>
-          <a:off x="0" y="0"/>
-          <a:ext cx="0" cy="0"/>
-          <a:chOff x="0" y="0"/>
-          <a:chExt cx="0" cy="0"/>
-        </a:xfrm>
-      </p:grpSpPr>
-      <p:sp>
-        <p:nvSpPr>
-          <p:cNvPr id="2" name="Title 1">
-            <a:extLst>
-              <a:ext uri="{FF2B5EF4-FFF2-40B4-BE49-F238E27FC236}">
-                <a16:creationId xmlns:a16="http://schemas.microsoft.com/office/drawing/2014/main" id="{BCF3CC47-E98F-4293-BA58-474BB6D6EB2D}"/>
-              </a:ext>
-            </a:extLst>
-          </p:cNvPr>
-          <p:cNvSpPr>
-            <a:spLocks noGrp="1"/>
-          </p:cNvSpPr>
-          <p:nvPr>
-            <p:ph type="title"/>
-          </p:nvPr>
-        </p:nvSpPr>
-        <p:spPr>
-          <a:xfrm>
-            <a:off x="1410026" y="276087"/>
-            <a:ext cx="9371949" cy="1183566"/>
-          </a:xfrm>
-        </p:spPr>
-        <p:txBody>
-          <a:bodyPr/>
-          <a:lstStyle/>
-          <a:p>
-            <a:r>
-              <a:rPr lang="en-AU" dirty="0"/>
-              <a:t>Data analysis I – current conversation status</a:t>
-            </a:r>
-          </a:p>
-        </p:txBody>
-      </p:sp>
-      <p:pic>
-        <p:nvPicPr>
-          <p:cNvPr id="14" name="Content Placeholder 13" descr="A screenshot of a cell phone&#10;&#10;Description generated with high confidence">
-            <a:extLst>
-              <a:ext uri="{FF2B5EF4-FFF2-40B4-BE49-F238E27FC236}">
-                <a16:creationId xmlns:a16="http://schemas.microsoft.com/office/drawing/2014/main" id="{61C8B567-E88C-4A48-9430-E5278F9E75CC}"/>
-              </a:ext>
-            </a:extLst>
-          </p:cNvPr>
-          <p:cNvPicPr>
-            <a:picLocks noGrp="1" noChangeAspect="1"/>
-          </p:cNvPicPr>
-          <p:nvPr>
-            <p:ph idx="1"/>
-          </p:nvPr>
-        </p:nvPicPr>
-        <p:blipFill>
-          <a:blip r:embed="rId2">
-            <a:extLst>
-              <a:ext uri="{28A0092B-C50C-407E-A947-70E740481C1C}">
-                <a14:useLocalDpi xmlns:a14="http://schemas.microsoft.com/office/drawing/2010/main" val="0"/>
-              </a:ext>
-            </a:extLst>
-          </a:blip>
-          <a:stretch>
-            <a:fillRect/>
-          </a:stretch>
-        </p:blipFill>
-        <p:spPr>
-          <a:xfrm>
-            <a:off x="6096000" y="1584298"/>
-            <a:ext cx="4612501" cy="1980000"/>
-          </a:xfrm>
-        </p:spPr>
-      </p:pic>
-      <p:sp>
-        <p:nvSpPr>
-          <p:cNvPr id="4" name="Slide Number Placeholder 3">
-            <a:extLst>
-              <a:ext uri="{FF2B5EF4-FFF2-40B4-BE49-F238E27FC236}">
-                <a16:creationId xmlns:a16="http://schemas.microsoft.com/office/drawing/2014/main" id="{7E2A8674-374C-4664-B9CC-64E28C981979}"/>
-              </a:ext>
-            </a:extLst>
-          </p:cNvPr>
-          <p:cNvSpPr>
-            <a:spLocks noGrp="1"/>
-          </p:cNvSpPr>
-          <p:nvPr>
-            <p:ph type="sldNum" sz="quarter" idx="12"/>
-          </p:nvPr>
-        </p:nvSpPr>
-        <p:spPr/>
-        <p:txBody>
-          <a:bodyPr/>
-          <a:lstStyle/>
-          <a:p>
-            <a:fld id="{9CD8D479-8942-46E8-A226-A4E01F7A105C}" type="slidenum">
-              <a:rPr lang="en-AU" smtClean="0"/>
-              <a:t>4</a:t>
-            </a:fld>
-            <a:endParaRPr lang="en-AU"/>
-          </a:p>
-        </p:txBody>
-      </p:sp>
-      <p:sp>
-        <p:nvSpPr>
-          <p:cNvPr id="5" name="Date Placeholder 4">
-            <a:extLst>
-              <a:ext uri="{FF2B5EF4-FFF2-40B4-BE49-F238E27FC236}">
-                <a16:creationId xmlns:a16="http://schemas.microsoft.com/office/drawing/2014/main" id="{C3CA22D4-3C28-402D-8F31-1FB656677D31}"/>
-              </a:ext>
-            </a:extLst>
-          </p:cNvPr>
-          <p:cNvSpPr>
-            <a:spLocks noGrp="1"/>
-          </p:cNvSpPr>
-          <p:nvPr>
-            <p:ph type="dt" sz="half" idx="10"/>
-          </p:nvPr>
-        </p:nvSpPr>
-        <p:spPr/>
-        <p:txBody>
-          <a:bodyPr/>
-          <a:lstStyle/>
-          <a:p>
-            <a:fld id="{6DD1B487-36FD-4CED-B07A-1A81FC6540B1}" type="datetime1">
-              <a:rPr lang="en-US" smtClean="0"/>
-              <a:pPr/>
-              <a:t>5/6/2018</a:t>
-            </a:fld>
-            <a:endParaRPr lang="en-US" dirty="0"/>
-          </a:p>
-        </p:txBody>
-      </p:sp>
-      <p:sp>
-        <p:nvSpPr>
-          <p:cNvPr id="6" name="Footer Placeholder 5">
-            <a:extLst>
-              <a:ext uri="{FF2B5EF4-FFF2-40B4-BE49-F238E27FC236}">
-                <a16:creationId xmlns:a16="http://schemas.microsoft.com/office/drawing/2014/main" id="{723F3885-F78F-4CC0-A4C1-AEC2D7FFDAAA}"/>
-              </a:ext>
-            </a:extLst>
-          </p:cNvPr>
-          <p:cNvSpPr>
-            <a:spLocks noGrp="1"/>
-          </p:cNvSpPr>
-          <p:nvPr>
-            <p:ph type="ftr" sz="quarter" idx="11"/>
-          </p:nvPr>
-        </p:nvSpPr>
-        <p:spPr/>
-        <p:txBody>
-          <a:bodyPr/>
-          <a:lstStyle/>
-          <a:p>
-            <a:r>
-              <a:rPr lang="en-US"/>
-              <a:t>Add a footer</a:t>
-            </a:r>
-            <a:endParaRPr lang="en-US" dirty="0"/>
-          </a:p>
-        </p:txBody>
-      </p:sp>
-      <p:pic>
-        <p:nvPicPr>
-          <p:cNvPr id="8" name="Content Placeholder 12">
-            <a:extLst>
-              <a:ext uri="{FF2B5EF4-FFF2-40B4-BE49-F238E27FC236}">
-                <a16:creationId xmlns:a16="http://schemas.microsoft.com/office/drawing/2014/main" id="{9F0ED511-71A1-444C-B156-0B7C3F2AAAAE}"/>
-              </a:ext>
-            </a:extLst>
-          </p:cNvPr>
-          <p:cNvPicPr>
-            <a:picLocks noChangeAspect="1"/>
-          </p:cNvPicPr>
-          <p:nvPr/>
-        </p:nvPicPr>
-        <p:blipFill>
-          <a:blip r:embed="rId3">
-            <a:extLst>
-              <a:ext uri="{28A0092B-C50C-407E-A947-70E740481C1C}">
-                <a14:useLocalDpi xmlns:a14="http://schemas.microsoft.com/office/drawing/2010/main" val="0"/>
-              </a:ext>
-            </a:extLst>
-          </a:blip>
-          <a:stretch>
-            <a:fillRect/>
-          </a:stretch>
-        </p:blipFill>
-        <p:spPr>
-          <a:xfrm>
-            <a:off x="1154975" y="4216319"/>
-            <a:ext cx="4827181" cy="1980000"/>
-          </a:xfrm>
-          <a:prstGeom prst="rect">
-            <a:avLst/>
-          </a:prstGeom>
-        </p:spPr>
-      </p:pic>
-      <p:sp>
-        <p:nvSpPr>
-          <p:cNvPr id="15" name="Content Placeholder 3">
-            <a:extLst>
-              <a:ext uri="{FF2B5EF4-FFF2-40B4-BE49-F238E27FC236}">
-                <a16:creationId xmlns:a16="http://schemas.microsoft.com/office/drawing/2014/main" id="{9477112B-0867-4B0E-B6F1-D8C2BEA37087}"/>
+                <a16:creationId xmlns:a16="http://schemas.microsoft.com/office/drawing/2014/main" id="{3790B00C-34B6-4326-9816-17E705947C3D}"/>
               </a:ext>
             </a:extLst>
           </p:cNvPr>
@@ -5728,8 +4878,8 @@
         </p:nvSpPr>
         <p:spPr>
           <a:xfrm>
-            <a:off x="1410026" y="1912907"/>
-            <a:ext cx="4685974" cy="1331224"/>
+            <a:off x="1410027" y="2357305"/>
+            <a:ext cx="9371948" cy="3829377"/>
           </a:xfrm>
           <a:prstGeom prst="rect">
             <a:avLst/>
@@ -5902,22 +5052,1010 @@
             </a:lvl9pPr>
           </a:lstStyle>
           <a:p>
+            <a:r>
+              <a:rPr lang="en-US" sz="2400" dirty="0"/>
+              <a:t>Two selected national parks for recommendation to be observed for duration as stated in the table below;</a:t>
+            </a:r>
+          </a:p>
+          <a:p>
+            <a:endParaRPr lang="en-US" sz="2400" dirty="0"/>
+          </a:p>
+          <a:p>
+            <a:endParaRPr lang="en-US" sz="2400" dirty="0"/>
+          </a:p>
+          <a:p>
+            <a:endParaRPr lang="en-US" sz="2400" dirty="0"/>
+          </a:p>
+          <a:p>
+            <a:r>
+              <a:rPr lang="en-US" sz="2400" dirty="0"/>
+              <a:t>All other national parks should use this method to determine how long each of them will take to ensure enough sheep have been observed.</a:t>
+            </a:r>
+          </a:p>
+          <a:p>
+            <a:endParaRPr lang="en-GB" dirty="0"/>
+          </a:p>
+        </p:txBody>
+      </p:sp>
+      <p:graphicFrame>
+        <p:nvGraphicFramePr>
+          <p:cNvPr id="10" name="Table 9">
+            <a:extLst>
+              <a:ext uri="{FF2B5EF4-FFF2-40B4-BE49-F238E27FC236}">
+                <a16:creationId xmlns:a16="http://schemas.microsoft.com/office/drawing/2014/main" id="{727CED55-31DF-4BA5-9CA7-1F3F181DA71D}"/>
+              </a:ext>
+            </a:extLst>
+          </p:cNvPr>
+          <p:cNvGraphicFramePr>
+            <a:graphicFrameLocks noGrp="1"/>
+          </p:cNvGraphicFramePr>
+          <p:nvPr>
+            <p:extLst>
+              <p:ext uri="{D42A27DB-BD31-4B8C-83A1-F6EECF244321}">
+                <p14:modId xmlns:p14="http://schemas.microsoft.com/office/powerpoint/2010/main" val="2290966170"/>
+              </p:ext>
+            </p:extLst>
+          </p:nvPr>
+        </p:nvGraphicFramePr>
+        <p:xfrm>
+          <a:off x="1537558" y="3210886"/>
+          <a:ext cx="9244415" cy="1097280"/>
+        </p:xfrm>
+        <a:graphic>
+          <a:graphicData uri="http://schemas.openxmlformats.org/drawingml/2006/table">
+            <a:tbl>
+              <a:tblPr firstRow="1" bandRow="1">
+                <a:tableStyleId>{3B4B98B0-60AC-42C2-AFA5-B58CD77FA1E5}</a:tableStyleId>
+              </a:tblPr>
+              <a:tblGrid>
+                <a:gridCol w="6496368">
+                  <a:extLst>
+                    <a:ext uri="{9D8B030D-6E8A-4147-A177-3AD203B41FA5}">
+                      <a16:colId xmlns:a16="http://schemas.microsoft.com/office/drawing/2014/main" val="1953910447"/>
+                    </a:ext>
+                  </a:extLst>
+                </a:gridCol>
+                <a:gridCol w="2748047">
+                  <a:extLst>
+                    <a:ext uri="{9D8B030D-6E8A-4147-A177-3AD203B41FA5}">
+                      <a16:colId xmlns:a16="http://schemas.microsoft.com/office/drawing/2014/main" val="4093997692"/>
+                    </a:ext>
+                  </a:extLst>
+                </a:gridCol>
+              </a:tblGrid>
+              <a:tr h="0">
+                <a:tc>
+                  <a:txBody>
+                    <a:bodyPr/>
+                    <a:lstStyle/>
+                    <a:p>
+                      <a:r>
+                        <a:rPr lang="en-AU" dirty="0"/>
+                        <a:t>Sample size (</a:t>
+                      </a:r>
+                      <a:r>
+                        <a:rPr lang="en-AU" b="0" dirty="0"/>
+                        <a:t>The number of sheep must observed from each park)</a:t>
+                      </a:r>
+                    </a:p>
+                  </a:txBody>
+                  <a:tcPr/>
+                </a:tc>
+                <a:tc>
+                  <a:txBody>
+                    <a:bodyPr/>
+                    <a:lstStyle/>
+                    <a:p>
+                      <a:r>
+                        <a:rPr lang="en-AU" dirty="0"/>
+                        <a:t>510</a:t>
+                      </a:r>
+                    </a:p>
+                  </a:txBody>
+                  <a:tcPr/>
+                </a:tc>
+                <a:extLst>
+                  <a:ext uri="{0D108BD9-81ED-4DB2-BD59-A6C34878D82A}">
+                    <a16:rowId xmlns:a16="http://schemas.microsoft.com/office/drawing/2014/main" val="4292540539"/>
+                  </a:ext>
+                </a:extLst>
+              </a:tr>
+              <a:tr h="0">
+                <a:tc>
+                  <a:txBody>
+                    <a:bodyPr/>
+                    <a:lstStyle/>
+                    <a:p>
+                      <a:r>
+                        <a:rPr lang="en-AU" b="0" dirty="0"/>
+                        <a:t>Yellowstone national park observation duration</a:t>
+                      </a:r>
+                    </a:p>
+                  </a:txBody>
+                  <a:tcPr/>
+                </a:tc>
+                <a:tc>
+                  <a:txBody>
+                    <a:bodyPr/>
+                    <a:lstStyle/>
+                    <a:p>
+                      <a:r>
+                        <a:rPr lang="en-AU" dirty="0"/>
+                        <a:t>1 week</a:t>
+                      </a:r>
+                    </a:p>
+                  </a:txBody>
+                  <a:tcPr/>
+                </a:tc>
+                <a:extLst>
+                  <a:ext uri="{0D108BD9-81ED-4DB2-BD59-A6C34878D82A}">
+                    <a16:rowId xmlns:a16="http://schemas.microsoft.com/office/drawing/2014/main" val="2607604872"/>
+                  </a:ext>
+                </a:extLst>
+              </a:tr>
+              <a:tr h="0">
+                <a:tc>
+                  <a:txBody>
+                    <a:bodyPr/>
+                    <a:lstStyle/>
+                    <a:p>
+                      <a:r>
+                        <a:rPr lang="en-AU" b="0" dirty="0"/>
+                        <a:t>Bryce national park observation duration</a:t>
+                      </a:r>
+                    </a:p>
+                  </a:txBody>
+                  <a:tcPr/>
+                </a:tc>
+                <a:tc>
+                  <a:txBody>
+                    <a:bodyPr/>
+                    <a:lstStyle/>
+                    <a:p>
+                      <a:r>
+                        <a:rPr lang="en-AU" dirty="0"/>
+                        <a:t>2 weeks</a:t>
+                      </a:r>
+                    </a:p>
+                  </a:txBody>
+                  <a:tcPr/>
+                </a:tc>
+                <a:extLst>
+                  <a:ext uri="{0D108BD9-81ED-4DB2-BD59-A6C34878D82A}">
+                    <a16:rowId xmlns:a16="http://schemas.microsoft.com/office/drawing/2014/main" val="969804178"/>
+                  </a:ext>
+                </a:extLst>
+              </a:tr>
+            </a:tbl>
+          </a:graphicData>
+        </a:graphic>
+      </p:graphicFrame>
+    </p:spTree>
+    <p:extLst>
+      <p:ext uri="{BB962C8B-B14F-4D97-AF65-F5344CB8AC3E}">
+        <p14:creationId xmlns:p14="http://schemas.microsoft.com/office/powerpoint/2010/main" val="2330511689"/>
+      </p:ext>
+    </p:extLst>
+  </p:cSld>
+  <p:clrMapOvr>
+    <a:masterClrMapping/>
+  </p:clrMapOvr>
+  <mc:AlternateContent xmlns:mc="http://schemas.openxmlformats.org/markup-compatibility/2006" xmlns:p14="http://schemas.microsoft.com/office/powerpoint/2010/main">
+    <mc:Choice Requires="p14">
+      <p:transition spd="med" p14:dur="700">
+        <p:fade/>
+      </p:transition>
+    </mc:Choice>
+    <mc:Fallback xmlns="">
+      <p:transition spd="med">
+        <p:fade/>
+      </p:transition>
+    </mc:Fallback>
+  </mc:AlternateContent>
+</p:sld>
+</file>
+
+<file path=ppt/slides/slide2.xml><?xml version="1.0" encoding="utf-8"?>
+<p:sld xmlns:a="http://schemas.openxmlformats.org/drawingml/2006/main" xmlns:r="http://schemas.openxmlformats.org/officeDocument/2006/relationships" xmlns:p="http://schemas.openxmlformats.org/presentationml/2006/main">
+  <p:cSld>
+    <p:spTree>
+      <p:nvGrpSpPr>
+        <p:cNvPr id="1" name=""/>
+        <p:cNvGrpSpPr/>
+        <p:nvPr/>
+      </p:nvGrpSpPr>
+      <p:grpSpPr>
+        <a:xfrm>
+          <a:off x="0" y="0"/>
+          <a:ext cx="0" cy="0"/>
+          <a:chOff x="0" y="0"/>
+          <a:chExt cx="0" cy="0"/>
+        </a:xfrm>
+      </p:grpSpPr>
+      <p:sp>
+        <p:nvSpPr>
+          <p:cNvPr id="2" name="Title 1"/>
+          <p:cNvSpPr>
+            <a:spLocks noGrp="1"/>
+          </p:cNvSpPr>
+          <p:nvPr>
+            <p:ph type="title"/>
+          </p:nvPr>
+        </p:nvSpPr>
+        <p:spPr/>
+        <p:txBody>
+          <a:bodyPr/>
+          <a:lstStyle/>
+          <a:p>
+            <a:r>
+              <a:rPr lang="fr-FR" dirty="0"/>
+              <a:t>Agenda </a:t>
+            </a:r>
+            <a:endParaRPr lang="en-US" dirty="0"/>
+          </a:p>
+        </p:txBody>
+      </p:sp>
+      <p:sp>
+        <p:nvSpPr>
+          <p:cNvPr id="3" name="Content Placeholder 2"/>
+          <p:cNvSpPr>
+            <a:spLocks noGrp="1"/>
+          </p:cNvSpPr>
+          <p:nvPr>
+            <p:ph idx="1"/>
+          </p:nvPr>
+        </p:nvSpPr>
+        <p:spPr/>
+        <p:txBody>
+          <a:bodyPr/>
+          <a:lstStyle/>
+          <a:p>
+            <a:r>
+              <a:rPr lang="en-US" dirty="0"/>
+              <a:t>Data description</a:t>
+            </a:r>
+          </a:p>
+          <a:p>
+            <a:pPr lvl="1"/>
+            <a:r>
+              <a:rPr lang="en-US" dirty="0"/>
+              <a:t>Species in national park</a:t>
+            </a:r>
+          </a:p>
+          <a:p>
+            <a:pPr lvl="1"/>
+            <a:r>
+              <a:rPr lang="en-US" dirty="0"/>
+              <a:t>7 day observation from four national parks</a:t>
+            </a:r>
+          </a:p>
+          <a:p>
+            <a:r>
+              <a:rPr lang="en-US" dirty="0"/>
+              <a:t>Data analysis summary</a:t>
+            </a:r>
+          </a:p>
+          <a:p>
+            <a:r>
+              <a:rPr lang="en-GB" dirty="0"/>
+              <a:t>Endangered species</a:t>
+            </a:r>
+          </a:p>
+          <a:p>
+            <a:pPr lvl="1"/>
+            <a:r>
+              <a:rPr lang="en-GB" dirty="0"/>
+              <a:t>The significance calculations for endangered status between different categories of species</a:t>
+            </a:r>
+          </a:p>
+          <a:p>
+            <a:pPr lvl="1"/>
+            <a:r>
+              <a:rPr lang="en-GB" dirty="0"/>
+              <a:t>A recommendation for conservationists concerned about endangered species</a:t>
+            </a:r>
+          </a:p>
+          <a:p>
+            <a:r>
+              <a:rPr lang="en-GB" dirty="0"/>
+              <a:t>Foot and mouth disease study</a:t>
+            </a:r>
+          </a:p>
+          <a:p>
+            <a:pPr lvl="1"/>
+            <a:r>
+              <a:rPr lang="en-GB" dirty="0"/>
+              <a:t>Sample size determination</a:t>
+            </a:r>
+          </a:p>
+          <a:p>
+            <a:pPr lvl="1"/>
+            <a:r>
+              <a:rPr lang="en-GB" dirty="0"/>
+              <a:t>A recommendation for conservationists </a:t>
+            </a:r>
+          </a:p>
+        </p:txBody>
+      </p:sp>
+      <p:sp>
+        <p:nvSpPr>
+          <p:cNvPr id="4" name="Slide Number Placeholder 3"/>
+          <p:cNvSpPr>
+            <a:spLocks noGrp="1"/>
+          </p:cNvSpPr>
+          <p:nvPr>
+            <p:ph type="sldNum" sz="quarter" idx="12"/>
+          </p:nvPr>
+        </p:nvSpPr>
+        <p:spPr/>
+        <p:txBody>
+          <a:bodyPr/>
+          <a:lstStyle/>
+          <a:p>
+            <a:fld id="{9CD8D479-8942-46E8-A226-A4E01F7A105C}" type="slidenum">
+              <a:rPr lang="en-US" smtClean="0"/>
+              <a:t>2</a:t>
+            </a:fld>
+            <a:endParaRPr lang="en-US"/>
+          </a:p>
+        </p:txBody>
+      </p:sp>
+      <p:sp>
+        <p:nvSpPr>
+          <p:cNvPr id="5" name="Date Placeholder 4"/>
+          <p:cNvSpPr>
+            <a:spLocks noGrp="1"/>
+          </p:cNvSpPr>
+          <p:nvPr>
+            <p:ph type="dt" sz="half" idx="10"/>
+          </p:nvPr>
+        </p:nvSpPr>
+        <p:spPr/>
+        <p:txBody>
+          <a:bodyPr/>
+          <a:lstStyle/>
+          <a:p>
+            <a:fld id="{6DD1B487-36FD-4CED-B07A-1A81FC6540B1}" type="datetime1">
+              <a:rPr lang="en-US" smtClean="0"/>
+              <a:pPr/>
+              <a:t>5/7/2018</a:t>
+            </a:fld>
+            <a:endParaRPr lang="en-US" dirty="0"/>
+          </a:p>
+        </p:txBody>
+      </p:sp>
+      <p:sp>
+        <p:nvSpPr>
+          <p:cNvPr id="6" name="Footer Placeholder 5"/>
+          <p:cNvSpPr>
+            <a:spLocks noGrp="1"/>
+          </p:cNvSpPr>
+          <p:nvPr>
+            <p:ph type="ftr" sz="quarter" idx="11"/>
+          </p:nvPr>
+        </p:nvSpPr>
+        <p:spPr/>
+        <p:txBody>
+          <a:bodyPr/>
+          <a:lstStyle/>
+          <a:p>
+            <a:r>
+              <a:rPr lang="en-US"/>
+              <a:t>Add a footer</a:t>
+            </a:r>
+            <a:endParaRPr lang="en-US" dirty="0"/>
+          </a:p>
+        </p:txBody>
+      </p:sp>
+    </p:spTree>
+    <p:extLst>
+      <p:ext uri="{BB962C8B-B14F-4D97-AF65-F5344CB8AC3E}">
+        <p14:creationId xmlns:p14="http://schemas.microsoft.com/office/powerpoint/2010/main" val="1627619141"/>
+      </p:ext>
+    </p:extLst>
+  </p:cSld>
+  <p:clrMapOvr>
+    <a:masterClrMapping/>
+  </p:clrMapOvr>
+  <mc:AlternateContent xmlns:mc="http://schemas.openxmlformats.org/markup-compatibility/2006" xmlns:p14="http://schemas.microsoft.com/office/powerpoint/2010/main">
+    <mc:Choice Requires="p14">
+      <p:transition spd="med" p14:dur="700">
+        <p:fade/>
+      </p:transition>
+    </mc:Choice>
+    <mc:Fallback xmlns="">
+      <p:transition spd="med">
+        <p:fade/>
+      </p:transition>
+    </mc:Fallback>
+  </mc:AlternateContent>
+</p:sld>
+</file>
+
+<file path=ppt/slides/slide3.xml><?xml version="1.0" encoding="utf-8"?>
+<p:sld xmlns:a="http://schemas.openxmlformats.org/drawingml/2006/main" xmlns:r="http://schemas.openxmlformats.org/officeDocument/2006/relationships" xmlns:p="http://schemas.openxmlformats.org/presentationml/2006/main">
+  <p:cSld>
+    <p:spTree>
+      <p:nvGrpSpPr>
+        <p:cNvPr id="1" name=""/>
+        <p:cNvGrpSpPr/>
+        <p:nvPr/>
+      </p:nvGrpSpPr>
+      <p:grpSpPr>
+        <a:xfrm>
+          <a:off x="0" y="0"/>
+          <a:ext cx="0" cy="0"/>
+          <a:chOff x="0" y="0"/>
+          <a:chExt cx="0" cy="0"/>
+        </a:xfrm>
+      </p:grpSpPr>
+      <p:sp>
+        <p:nvSpPr>
+          <p:cNvPr id="2" name="Title 1">
+            <a:extLst>
+              <a:ext uri="{FF2B5EF4-FFF2-40B4-BE49-F238E27FC236}">
+                <a16:creationId xmlns:a16="http://schemas.microsoft.com/office/drawing/2014/main" id="{6F415C1F-E379-403B-ABD7-5FE0A104F91E}"/>
+              </a:ext>
+            </a:extLst>
+          </p:cNvPr>
+          <p:cNvSpPr>
+            <a:spLocks noGrp="1"/>
+          </p:cNvSpPr>
+          <p:nvPr>
+            <p:ph type="title"/>
+          </p:nvPr>
+        </p:nvSpPr>
+        <p:spPr/>
+        <p:txBody>
+          <a:bodyPr/>
+          <a:lstStyle/>
+          <a:p>
+            <a:r>
+              <a:rPr lang="en-GB" dirty="0"/>
+              <a:t>Data description</a:t>
+            </a:r>
+          </a:p>
+        </p:txBody>
+      </p:sp>
+      <p:sp>
+        <p:nvSpPr>
+          <p:cNvPr id="3" name="Content Placeholder 2">
+            <a:extLst>
+              <a:ext uri="{FF2B5EF4-FFF2-40B4-BE49-F238E27FC236}">
+                <a16:creationId xmlns:a16="http://schemas.microsoft.com/office/drawing/2014/main" id="{C9DDA6E0-B074-495C-8B23-EB109838A35C}"/>
+              </a:ext>
+            </a:extLst>
+          </p:cNvPr>
+          <p:cNvSpPr>
+            <a:spLocks noGrp="1"/>
+          </p:cNvSpPr>
+          <p:nvPr>
+            <p:ph idx="1"/>
+          </p:nvPr>
+        </p:nvSpPr>
+        <p:spPr>
+          <a:xfrm>
+            <a:off x="1410027" y="1565999"/>
+            <a:ext cx="9371948" cy="4469041"/>
+          </a:xfrm>
+        </p:spPr>
+        <p:txBody>
+          <a:bodyPr>
+            <a:normAutofit/>
+          </a:bodyPr>
+          <a:lstStyle/>
+          <a:p>
             <a:pPr marL="0" indent="0">
               <a:buNone/>
             </a:pPr>
             <a:r>
               <a:rPr lang="en-AU" dirty="0"/>
-              <a:t>Current conversation status of approximately 200 (3.5% ) of species in national parks show in the given data (graph on the right). </a:t>
-            </a:r>
-          </a:p>
-        </p:txBody>
-      </p:sp>
-      <p:sp>
-        <p:nvSpPr>
-          <p:cNvPr id="19" name="Content Placeholder 3">
+              <a:t>The given data shows;</a:t>
+            </a:r>
+          </a:p>
+          <a:p>
+            <a:r>
+              <a:rPr lang="en-AU" dirty="0"/>
+              <a:t>total </a:t>
+            </a:r>
+            <a:r>
+              <a:rPr lang="en-AU" b="1" dirty="0"/>
+              <a:t>5824</a:t>
+            </a:r>
+            <a:r>
+              <a:rPr lang="en-AU" dirty="0"/>
+              <a:t> species (raw data) in the national parks</a:t>
+            </a:r>
+          </a:p>
+          <a:p>
+            <a:r>
+              <a:rPr lang="en-AU" b="1" dirty="0"/>
+              <a:t>5504</a:t>
+            </a:r>
+            <a:r>
+              <a:rPr lang="en-AU" dirty="0"/>
+              <a:t> unique species with their </a:t>
+            </a:r>
+            <a:r>
+              <a:rPr lang="en-AU" b="1" dirty="0"/>
+              <a:t>common name</a:t>
+            </a:r>
+          </a:p>
+          <a:p>
+            <a:r>
+              <a:rPr lang="en-AU" b="1" dirty="0"/>
+              <a:t>5541</a:t>
+            </a:r>
+            <a:r>
+              <a:rPr lang="en-AU" dirty="0"/>
+              <a:t> unique scientific name of species</a:t>
+            </a:r>
+            <a:endParaRPr lang="en-AU" b="1" dirty="0"/>
+          </a:p>
+          <a:p>
+            <a:r>
+              <a:rPr lang="en-AU" b="1" dirty="0"/>
+              <a:t>7</a:t>
+            </a:r>
+            <a:r>
+              <a:rPr lang="en-AU" dirty="0"/>
+              <a:t> species categories – </a:t>
+            </a:r>
+            <a:r>
+              <a:rPr lang="en-AU" sz="1200" dirty="0"/>
+              <a:t>Amphibian, Bird, Mammal, Reptile, Nonvascular Plant, Vascular Plant</a:t>
+            </a:r>
+          </a:p>
+          <a:p>
+            <a:r>
+              <a:rPr lang="en-AU" dirty="0"/>
+              <a:t>Current conversation status of species in the national parks as </a:t>
+            </a:r>
+            <a:r>
+              <a:rPr lang="en-GB" dirty="0"/>
+              <a:t>  </a:t>
+            </a:r>
+          </a:p>
+          <a:p>
+            <a:pPr lvl="1"/>
+            <a:r>
+              <a:rPr lang="en-GB" b="1" dirty="0"/>
+              <a:t>Species of Concern </a:t>
+            </a:r>
+            <a:r>
+              <a:rPr lang="en-GB" dirty="0"/>
+              <a:t>- </a:t>
+            </a:r>
+            <a:r>
+              <a:rPr lang="en-US" dirty="0"/>
+              <a:t>declining population or appears to be in need of conservation.</a:t>
+            </a:r>
+            <a:endParaRPr lang="en-GB" dirty="0"/>
+          </a:p>
+          <a:p>
+            <a:pPr lvl="1"/>
+            <a:r>
+              <a:rPr lang="en-GB" b="1" dirty="0"/>
+              <a:t>Endangered</a:t>
+            </a:r>
+            <a:r>
+              <a:rPr lang="en-GB" dirty="0"/>
+              <a:t> - </a:t>
+            </a:r>
+            <a:r>
+              <a:rPr lang="en-US" dirty="0"/>
+              <a:t>seriously at risk of extinction.</a:t>
+            </a:r>
+            <a:endParaRPr lang="en-GB" dirty="0"/>
+          </a:p>
+          <a:p>
+            <a:pPr lvl="1"/>
+            <a:r>
+              <a:rPr lang="en-GB" b="1" dirty="0"/>
+              <a:t>Threatened</a:t>
+            </a:r>
+            <a:r>
+              <a:rPr lang="en-GB" dirty="0"/>
+              <a:t> - </a:t>
+            </a:r>
+            <a:r>
+              <a:rPr lang="en-US" dirty="0"/>
+              <a:t>vulnerable to endangerment in the near future.</a:t>
+            </a:r>
+            <a:endParaRPr lang="en-GB" dirty="0"/>
+          </a:p>
+          <a:p>
+            <a:pPr lvl="1"/>
+            <a:r>
+              <a:rPr lang="en-GB" b="1" dirty="0"/>
+              <a:t>In Recovery </a:t>
+            </a:r>
+            <a:r>
+              <a:rPr lang="en-GB" dirty="0"/>
+              <a:t>- </a:t>
+            </a:r>
+            <a:r>
+              <a:rPr lang="en-US" dirty="0"/>
+              <a:t>formerly Endangered, but currently not in danger of extinction throughout all</a:t>
+            </a:r>
+            <a:endParaRPr lang="en-GB" dirty="0"/>
+          </a:p>
+          <a:p>
+            <a:pPr lvl="1"/>
+            <a:r>
+              <a:rPr lang="en-AU" b="1" dirty="0"/>
+              <a:t>No intervention </a:t>
+            </a:r>
+            <a:r>
+              <a:rPr lang="en-AU" dirty="0"/>
+              <a:t>– not </a:t>
+            </a:r>
+            <a:r>
+              <a:rPr lang="en-US" dirty="0"/>
+              <a:t>categorized, no data</a:t>
+            </a:r>
+            <a:endParaRPr lang="en-AU" dirty="0"/>
+          </a:p>
+        </p:txBody>
+      </p:sp>
+      <p:sp>
+        <p:nvSpPr>
+          <p:cNvPr id="4" name="Slide Number Placeholder 3">
             <a:extLst>
               <a:ext uri="{FF2B5EF4-FFF2-40B4-BE49-F238E27FC236}">
-                <a16:creationId xmlns:a16="http://schemas.microsoft.com/office/drawing/2014/main" id="{35D19559-3918-44BD-B87B-61710AE0732F}"/>
+                <a16:creationId xmlns:a16="http://schemas.microsoft.com/office/drawing/2014/main" id="{266642C1-770F-4FCD-97EB-27DE27F965DD}"/>
+              </a:ext>
+            </a:extLst>
+          </p:cNvPr>
+          <p:cNvSpPr>
+            <a:spLocks noGrp="1"/>
+          </p:cNvSpPr>
+          <p:nvPr>
+            <p:ph type="sldNum" sz="quarter" idx="12"/>
+          </p:nvPr>
+        </p:nvSpPr>
+        <p:spPr/>
+        <p:txBody>
+          <a:bodyPr/>
+          <a:lstStyle/>
+          <a:p>
+            <a:fld id="{9CD8D479-8942-46E8-A226-A4E01F7A105C}" type="slidenum">
+              <a:rPr lang="en-GB" smtClean="0"/>
+              <a:t>3</a:t>
+            </a:fld>
+            <a:endParaRPr lang="en-GB"/>
+          </a:p>
+        </p:txBody>
+      </p:sp>
+      <p:sp>
+        <p:nvSpPr>
+          <p:cNvPr id="5" name="Date Placeholder 4">
+            <a:extLst>
+              <a:ext uri="{FF2B5EF4-FFF2-40B4-BE49-F238E27FC236}">
+                <a16:creationId xmlns:a16="http://schemas.microsoft.com/office/drawing/2014/main" id="{C8427C58-7F8B-49BA-B0D8-90BBC83837B2}"/>
+              </a:ext>
+            </a:extLst>
+          </p:cNvPr>
+          <p:cNvSpPr>
+            <a:spLocks noGrp="1"/>
+          </p:cNvSpPr>
+          <p:nvPr>
+            <p:ph type="dt" sz="half" idx="10"/>
+          </p:nvPr>
+        </p:nvSpPr>
+        <p:spPr/>
+        <p:txBody>
+          <a:bodyPr/>
+          <a:lstStyle/>
+          <a:p>
+            <a:fld id="{6DD1B487-36FD-4CED-B07A-1A81FC6540B1}" type="datetime1">
+              <a:rPr lang="en-US" smtClean="0"/>
+              <a:pPr/>
+              <a:t>5/7/2018</a:t>
+            </a:fld>
+            <a:endParaRPr lang="en-US" dirty="0"/>
+          </a:p>
+        </p:txBody>
+      </p:sp>
+      <p:sp>
+        <p:nvSpPr>
+          <p:cNvPr id="6" name="Footer Placeholder 5">
+            <a:extLst>
+              <a:ext uri="{FF2B5EF4-FFF2-40B4-BE49-F238E27FC236}">
+                <a16:creationId xmlns:a16="http://schemas.microsoft.com/office/drawing/2014/main" id="{48FD58BD-05E1-45E1-8B0F-43DB23D080BB}"/>
+              </a:ext>
+            </a:extLst>
+          </p:cNvPr>
+          <p:cNvSpPr>
+            <a:spLocks noGrp="1"/>
+          </p:cNvSpPr>
+          <p:nvPr>
+            <p:ph type="ftr" sz="quarter" idx="11"/>
+          </p:nvPr>
+        </p:nvSpPr>
+        <p:spPr/>
+        <p:txBody>
+          <a:bodyPr/>
+          <a:lstStyle/>
+          <a:p>
+            <a:r>
+              <a:rPr lang="en-US"/>
+              <a:t>Add a footer</a:t>
+            </a:r>
+            <a:endParaRPr lang="en-US" dirty="0"/>
+          </a:p>
+        </p:txBody>
+      </p:sp>
+      <p:pic>
+        <p:nvPicPr>
+          <p:cNvPr id="7" name="Picture 6">
+            <a:extLst>
+              <a:ext uri="{FF2B5EF4-FFF2-40B4-BE49-F238E27FC236}">
+                <a16:creationId xmlns:a16="http://schemas.microsoft.com/office/drawing/2014/main" id="{4C101352-1A4E-44DE-A3ED-C22B3FAD80A7}"/>
+              </a:ext>
+            </a:extLst>
+          </p:cNvPr>
+          <p:cNvPicPr>
+            <a:picLocks noChangeAspect="1"/>
+          </p:cNvPicPr>
+          <p:nvPr/>
+        </p:nvPicPr>
+        <p:blipFill>
+          <a:blip r:embed="rId2"/>
+          <a:stretch>
+            <a:fillRect/>
+          </a:stretch>
+        </p:blipFill>
+        <p:spPr>
+          <a:xfrm>
+            <a:off x="12683700" y="683543"/>
+            <a:ext cx="5323809" cy="2133333"/>
+          </a:xfrm>
+          <a:prstGeom prst="rect">
+            <a:avLst/>
+          </a:prstGeom>
+        </p:spPr>
+      </p:pic>
+    </p:spTree>
+    <p:extLst>
+      <p:ext uri="{BB962C8B-B14F-4D97-AF65-F5344CB8AC3E}">
+        <p14:creationId xmlns:p14="http://schemas.microsoft.com/office/powerpoint/2010/main" val="8744480"/>
+      </p:ext>
+    </p:extLst>
+  </p:cSld>
+  <p:clrMapOvr>
+    <a:masterClrMapping/>
+  </p:clrMapOvr>
+  <mc:AlternateContent xmlns:mc="http://schemas.openxmlformats.org/markup-compatibility/2006" xmlns:p14="http://schemas.microsoft.com/office/powerpoint/2010/main">
+    <mc:Choice Requires="p14">
+      <p:transition spd="med" p14:dur="700">
+        <p:fade/>
+      </p:transition>
+    </mc:Choice>
+    <mc:Fallback xmlns="">
+      <p:transition spd="med">
+        <p:fade/>
+      </p:transition>
+    </mc:Fallback>
+  </mc:AlternateContent>
+</p:sld>
+</file>
+
+<file path=ppt/slides/slide4.xml><?xml version="1.0" encoding="utf-8"?>
+<p:sld xmlns:a="http://schemas.openxmlformats.org/drawingml/2006/main" xmlns:r="http://schemas.openxmlformats.org/officeDocument/2006/relationships" xmlns:p="http://schemas.openxmlformats.org/presentationml/2006/main">
+  <p:cSld>
+    <p:spTree>
+      <p:nvGrpSpPr>
+        <p:cNvPr id="1" name=""/>
+        <p:cNvGrpSpPr/>
+        <p:nvPr/>
+      </p:nvGrpSpPr>
+      <p:grpSpPr>
+        <a:xfrm>
+          <a:off x="0" y="0"/>
+          <a:ext cx="0" cy="0"/>
+          <a:chOff x="0" y="0"/>
+          <a:chExt cx="0" cy="0"/>
+        </a:xfrm>
+      </p:grpSpPr>
+      <p:sp>
+        <p:nvSpPr>
+          <p:cNvPr id="2" name="Title 1">
+            <a:extLst>
+              <a:ext uri="{FF2B5EF4-FFF2-40B4-BE49-F238E27FC236}">
+                <a16:creationId xmlns:a16="http://schemas.microsoft.com/office/drawing/2014/main" id="{BCF3CC47-E98F-4293-BA58-474BB6D6EB2D}"/>
+              </a:ext>
+            </a:extLst>
+          </p:cNvPr>
+          <p:cNvSpPr>
+            <a:spLocks noGrp="1"/>
+          </p:cNvSpPr>
+          <p:nvPr>
+            <p:ph type="title"/>
+          </p:nvPr>
+        </p:nvSpPr>
+        <p:spPr>
+          <a:xfrm>
+            <a:off x="1410026" y="276087"/>
+            <a:ext cx="9371949" cy="1183566"/>
+          </a:xfrm>
+        </p:spPr>
+        <p:txBody>
+          <a:bodyPr/>
+          <a:lstStyle/>
+          <a:p>
+            <a:r>
+              <a:rPr lang="en-AU" dirty="0"/>
+              <a:t>Data analysis I – current conversation status</a:t>
+            </a:r>
+          </a:p>
+        </p:txBody>
+      </p:sp>
+      <p:pic>
+        <p:nvPicPr>
+          <p:cNvPr id="14" name="Content Placeholder 13" descr="A screenshot of a cell phone&#10;&#10;Description generated with high confidence">
+            <a:extLst>
+              <a:ext uri="{FF2B5EF4-FFF2-40B4-BE49-F238E27FC236}">
+                <a16:creationId xmlns:a16="http://schemas.microsoft.com/office/drawing/2014/main" id="{61C8B567-E88C-4A48-9430-E5278F9E75CC}"/>
+              </a:ext>
+            </a:extLst>
+          </p:cNvPr>
+          <p:cNvPicPr>
+            <a:picLocks noGrp="1" noChangeAspect="1"/>
+          </p:cNvPicPr>
+          <p:nvPr>
+            <p:ph idx="1"/>
+          </p:nvPr>
+        </p:nvPicPr>
+        <p:blipFill>
+          <a:blip r:embed="rId2">
+            <a:extLst>
+              <a:ext uri="{28A0092B-C50C-407E-A947-70E740481C1C}">
+                <a14:useLocalDpi xmlns:a14="http://schemas.microsoft.com/office/drawing/2010/main" val="0"/>
+              </a:ext>
+            </a:extLst>
+          </a:blip>
+          <a:stretch>
+            <a:fillRect/>
+          </a:stretch>
+        </p:blipFill>
+        <p:spPr>
+          <a:xfrm>
+            <a:off x="6096000" y="1584298"/>
+            <a:ext cx="4612501" cy="1980000"/>
+          </a:xfrm>
+        </p:spPr>
+      </p:pic>
+      <p:sp>
+        <p:nvSpPr>
+          <p:cNvPr id="4" name="Slide Number Placeholder 3">
+            <a:extLst>
+              <a:ext uri="{FF2B5EF4-FFF2-40B4-BE49-F238E27FC236}">
+                <a16:creationId xmlns:a16="http://schemas.microsoft.com/office/drawing/2014/main" id="{7E2A8674-374C-4664-B9CC-64E28C981979}"/>
+              </a:ext>
+            </a:extLst>
+          </p:cNvPr>
+          <p:cNvSpPr>
+            <a:spLocks noGrp="1"/>
+          </p:cNvSpPr>
+          <p:nvPr>
+            <p:ph type="sldNum" sz="quarter" idx="12"/>
+          </p:nvPr>
+        </p:nvSpPr>
+        <p:spPr/>
+        <p:txBody>
+          <a:bodyPr/>
+          <a:lstStyle/>
+          <a:p>
+            <a:fld id="{9CD8D479-8942-46E8-A226-A4E01F7A105C}" type="slidenum">
+              <a:rPr lang="en-AU" smtClean="0"/>
+              <a:t>4</a:t>
+            </a:fld>
+            <a:endParaRPr lang="en-AU"/>
+          </a:p>
+        </p:txBody>
+      </p:sp>
+      <p:sp>
+        <p:nvSpPr>
+          <p:cNvPr id="5" name="Date Placeholder 4">
+            <a:extLst>
+              <a:ext uri="{FF2B5EF4-FFF2-40B4-BE49-F238E27FC236}">
+                <a16:creationId xmlns:a16="http://schemas.microsoft.com/office/drawing/2014/main" id="{C3CA22D4-3C28-402D-8F31-1FB656677D31}"/>
+              </a:ext>
+            </a:extLst>
+          </p:cNvPr>
+          <p:cNvSpPr>
+            <a:spLocks noGrp="1"/>
+          </p:cNvSpPr>
+          <p:nvPr>
+            <p:ph type="dt" sz="half" idx="10"/>
+          </p:nvPr>
+        </p:nvSpPr>
+        <p:spPr/>
+        <p:txBody>
+          <a:bodyPr/>
+          <a:lstStyle/>
+          <a:p>
+            <a:fld id="{6DD1B487-36FD-4CED-B07A-1A81FC6540B1}" type="datetime1">
+              <a:rPr lang="en-US" smtClean="0"/>
+              <a:pPr/>
+              <a:t>5/7/2018</a:t>
+            </a:fld>
+            <a:endParaRPr lang="en-US" dirty="0"/>
+          </a:p>
+        </p:txBody>
+      </p:sp>
+      <p:sp>
+        <p:nvSpPr>
+          <p:cNvPr id="6" name="Footer Placeholder 5">
+            <a:extLst>
+              <a:ext uri="{FF2B5EF4-FFF2-40B4-BE49-F238E27FC236}">
+                <a16:creationId xmlns:a16="http://schemas.microsoft.com/office/drawing/2014/main" id="{723F3885-F78F-4CC0-A4C1-AEC2D7FFDAAA}"/>
+              </a:ext>
+            </a:extLst>
+          </p:cNvPr>
+          <p:cNvSpPr>
+            <a:spLocks noGrp="1"/>
+          </p:cNvSpPr>
+          <p:nvPr>
+            <p:ph type="ftr" sz="quarter" idx="11"/>
+          </p:nvPr>
+        </p:nvSpPr>
+        <p:spPr/>
+        <p:txBody>
+          <a:bodyPr/>
+          <a:lstStyle/>
+          <a:p>
+            <a:r>
+              <a:rPr lang="en-US"/>
+              <a:t>Add a footer</a:t>
+            </a:r>
+            <a:endParaRPr lang="en-US" dirty="0"/>
+          </a:p>
+        </p:txBody>
+      </p:sp>
+      <p:pic>
+        <p:nvPicPr>
+          <p:cNvPr id="8" name="Content Placeholder 12">
+            <a:extLst>
+              <a:ext uri="{FF2B5EF4-FFF2-40B4-BE49-F238E27FC236}">
+                <a16:creationId xmlns:a16="http://schemas.microsoft.com/office/drawing/2014/main" id="{9F0ED511-71A1-444C-B156-0B7C3F2AAAAE}"/>
+              </a:ext>
+            </a:extLst>
+          </p:cNvPr>
+          <p:cNvPicPr>
+            <a:picLocks noChangeAspect="1"/>
+          </p:cNvPicPr>
+          <p:nvPr/>
+        </p:nvPicPr>
+        <p:blipFill>
+          <a:blip r:embed="rId3">
+            <a:extLst>
+              <a:ext uri="{28A0092B-C50C-407E-A947-70E740481C1C}">
+                <a14:useLocalDpi xmlns:a14="http://schemas.microsoft.com/office/drawing/2010/main" val="0"/>
+              </a:ext>
+            </a:extLst>
+          </a:blip>
+          <a:stretch>
+            <a:fillRect/>
+          </a:stretch>
+        </p:blipFill>
+        <p:spPr>
+          <a:xfrm>
+            <a:off x="1154975" y="4216319"/>
+            <a:ext cx="4827181" cy="1980000"/>
+          </a:xfrm>
+          <a:prstGeom prst="rect">
+            <a:avLst/>
+          </a:prstGeom>
+        </p:spPr>
+      </p:pic>
+      <p:sp>
+        <p:nvSpPr>
+          <p:cNvPr id="15" name="Content Placeholder 3">
+            <a:extLst>
+              <a:ext uri="{FF2B5EF4-FFF2-40B4-BE49-F238E27FC236}">
+                <a16:creationId xmlns:a16="http://schemas.microsoft.com/office/drawing/2014/main" id="{9477112B-0867-4B0E-B6F1-D8C2BEA37087}"/>
               </a:ext>
             </a:extLst>
           </p:cNvPr>
@@ -5928,8 +6066,8 @@
         </p:nvSpPr>
         <p:spPr>
           <a:xfrm>
-            <a:off x="7357170" y="3602999"/>
-            <a:ext cx="2552373" cy="357629"/>
+            <a:off x="1410026" y="1912907"/>
+            <a:ext cx="4685974" cy="1331224"/>
           </a:xfrm>
           <a:prstGeom prst="rect">
             <a:avLst/>
@@ -6107,6 +6245,206 @@
             </a:pPr>
             <a:r>
               <a:rPr lang="en-AU" dirty="0"/>
+              <a:t>Current conversation status of approximately 200 (3.5% ) of species in national parks show in the given data (graph on the right). </a:t>
+            </a:r>
+          </a:p>
+        </p:txBody>
+      </p:sp>
+      <p:sp>
+        <p:nvSpPr>
+          <p:cNvPr id="19" name="Content Placeholder 3">
+            <a:extLst>
+              <a:ext uri="{FF2B5EF4-FFF2-40B4-BE49-F238E27FC236}">
+                <a16:creationId xmlns:a16="http://schemas.microsoft.com/office/drawing/2014/main" id="{35D19559-3918-44BD-B87B-61710AE0732F}"/>
+              </a:ext>
+            </a:extLst>
+          </p:cNvPr>
+          <p:cNvSpPr txBox="1">
+            <a:spLocks/>
+          </p:cNvSpPr>
+          <p:nvPr/>
+        </p:nvSpPr>
+        <p:spPr>
+          <a:xfrm>
+            <a:off x="7357170" y="3602999"/>
+            <a:ext cx="2552373" cy="357629"/>
+          </a:xfrm>
+          <a:prstGeom prst="rect">
+            <a:avLst/>
+          </a:prstGeom>
+        </p:spPr>
+        <p:txBody>
+          <a:bodyPr/>
+          <a:lstStyle>
+            <a:lvl1pPr marL="210312" indent="-210312" algn="l" defTabSz="914400" rtl="0" eaLnBrk="1" latinLnBrk="0" hangingPunct="1">
+              <a:lnSpc>
+                <a:spcPct val="90000"/>
+              </a:lnSpc>
+              <a:spcBef>
+                <a:spcPts val="1100"/>
+              </a:spcBef>
+              <a:buFont typeface="Arial" panose="020B0604020202020204" pitchFamily="34" charset="0"/>
+              <a:buChar char="•"/>
+              <a:defRPr sz="2200" kern="1200">
+                <a:solidFill>
+                  <a:schemeClr val="tx1"/>
+                </a:solidFill>
+                <a:latin typeface="+mn-lt"/>
+                <a:ea typeface="+mn-ea"/>
+                <a:cs typeface="+mn-cs"/>
+              </a:defRPr>
+            </a:lvl1pPr>
+            <a:lvl2pPr marL="438912" indent="-155448" algn="l" defTabSz="914400" rtl="0" eaLnBrk="1" latinLnBrk="0" hangingPunct="1">
+              <a:lnSpc>
+                <a:spcPct val="90000"/>
+              </a:lnSpc>
+              <a:spcBef>
+                <a:spcPts val="400"/>
+              </a:spcBef>
+              <a:buFont typeface="Arial" panose="020B0604020202020204" pitchFamily="34" charset="0"/>
+              <a:buChar char="•"/>
+              <a:defRPr sz="1800" kern="1200">
+                <a:solidFill>
+                  <a:schemeClr val="tx1"/>
+                </a:solidFill>
+                <a:latin typeface="+mn-lt"/>
+                <a:ea typeface="+mn-ea"/>
+                <a:cs typeface="+mn-cs"/>
+              </a:defRPr>
+            </a:lvl2pPr>
+            <a:lvl3pPr marL="676656" indent="-155448" algn="l" defTabSz="914400" rtl="0" eaLnBrk="1" latinLnBrk="0" hangingPunct="1">
+              <a:lnSpc>
+                <a:spcPct val="90000"/>
+              </a:lnSpc>
+              <a:spcBef>
+                <a:spcPts val="400"/>
+              </a:spcBef>
+              <a:buFont typeface="Arial" panose="020B0604020202020204" pitchFamily="34" charset="0"/>
+              <a:buChar char="•"/>
+              <a:defRPr sz="1600" kern="1200">
+                <a:solidFill>
+                  <a:schemeClr val="tx1"/>
+                </a:solidFill>
+                <a:latin typeface="+mn-lt"/>
+                <a:ea typeface="+mn-ea"/>
+                <a:cs typeface="+mn-cs"/>
+              </a:defRPr>
+            </a:lvl3pPr>
+            <a:lvl4pPr marL="905256" indent="-155448" algn="l" defTabSz="914400" rtl="0" eaLnBrk="1" latinLnBrk="0" hangingPunct="1">
+              <a:lnSpc>
+                <a:spcPct val="90000"/>
+              </a:lnSpc>
+              <a:spcBef>
+                <a:spcPts val="400"/>
+              </a:spcBef>
+              <a:buFont typeface="Arial" panose="020B0604020202020204" pitchFamily="34" charset="0"/>
+              <a:buChar char="•"/>
+              <a:defRPr sz="1600" kern="1200">
+                <a:solidFill>
+                  <a:schemeClr val="tx1"/>
+                </a:solidFill>
+                <a:latin typeface="+mn-lt"/>
+                <a:ea typeface="+mn-ea"/>
+                <a:cs typeface="+mn-cs"/>
+              </a:defRPr>
+            </a:lvl4pPr>
+            <a:lvl5pPr marL="1133856" indent="-155448" algn="l" defTabSz="914400" rtl="0" eaLnBrk="1" latinLnBrk="0" hangingPunct="1">
+              <a:lnSpc>
+                <a:spcPct val="90000"/>
+              </a:lnSpc>
+              <a:spcBef>
+                <a:spcPts val="400"/>
+              </a:spcBef>
+              <a:buFont typeface="Arial" panose="020B0604020202020204" pitchFamily="34" charset="0"/>
+              <a:buChar char="•"/>
+              <a:defRPr sz="1600" kern="1200">
+                <a:solidFill>
+                  <a:schemeClr val="tx1"/>
+                </a:solidFill>
+                <a:latin typeface="+mn-lt"/>
+                <a:ea typeface="+mn-ea"/>
+                <a:cs typeface="+mn-cs"/>
+              </a:defRPr>
+            </a:lvl5pPr>
+            <a:lvl6pPr marL="1362456" indent="-155448" algn="l" defTabSz="914400" rtl="0" eaLnBrk="1" latinLnBrk="0" hangingPunct="1">
+              <a:lnSpc>
+                <a:spcPct val="90000"/>
+              </a:lnSpc>
+              <a:spcBef>
+                <a:spcPts val="400"/>
+              </a:spcBef>
+              <a:buFont typeface="Arial" panose="020B0604020202020204" pitchFamily="34" charset="0"/>
+              <a:buChar char="•"/>
+              <a:defRPr sz="1600" kern="1200">
+                <a:solidFill>
+                  <a:schemeClr val="tx1"/>
+                </a:solidFill>
+                <a:latin typeface="+mn-lt"/>
+                <a:ea typeface="+mn-ea"/>
+                <a:cs typeface="+mn-cs"/>
+              </a:defRPr>
+            </a:lvl6pPr>
+            <a:lvl7pPr marL="1591056" indent="-155448" algn="l" defTabSz="914400" rtl="0" eaLnBrk="1" latinLnBrk="0" hangingPunct="1">
+              <a:lnSpc>
+                <a:spcPct val="90000"/>
+              </a:lnSpc>
+              <a:spcBef>
+                <a:spcPts val="400"/>
+              </a:spcBef>
+              <a:buFont typeface="Arial" panose="020B0604020202020204" pitchFamily="34" charset="0"/>
+              <a:buChar char="•"/>
+              <a:defRPr sz="1600" kern="1200">
+                <a:solidFill>
+                  <a:schemeClr val="tx1"/>
+                </a:solidFill>
+                <a:latin typeface="+mn-lt"/>
+                <a:ea typeface="+mn-ea"/>
+                <a:cs typeface="+mn-cs"/>
+              </a:defRPr>
+            </a:lvl7pPr>
+            <a:lvl8pPr marL="1819656" indent="-155448" algn="l" defTabSz="914400" rtl="0" eaLnBrk="1" latinLnBrk="0" hangingPunct="1">
+              <a:lnSpc>
+                <a:spcPct val="90000"/>
+              </a:lnSpc>
+              <a:spcBef>
+                <a:spcPts val="400"/>
+              </a:spcBef>
+              <a:buFont typeface="Arial" panose="020B0604020202020204" pitchFamily="34" charset="0"/>
+              <a:buChar char="•"/>
+              <a:defRPr sz="1600" kern="1200">
+                <a:solidFill>
+                  <a:schemeClr val="tx1"/>
+                </a:solidFill>
+                <a:latin typeface="+mn-lt"/>
+                <a:ea typeface="+mn-ea"/>
+                <a:cs typeface="+mn-cs"/>
+              </a:defRPr>
+            </a:lvl8pPr>
+            <a:lvl9pPr marL="2048256" indent="-155448" algn="l" defTabSz="914400" rtl="0" eaLnBrk="1" latinLnBrk="0" hangingPunct="1">
+              <a:lnSpc>
+                <a:spcPct val="90000"/>
+              </a:lnSpc>
+              <a:spcBef>
+                <a:spcPts val="400"/>
+              </a:spcBef>
+              <a:buFont typeface="Arial" panose="020B0604020202020204" pitchFamily="34" charset="0"/>
+              <a:buChar char="•"/>
+              <a:defRPr sz="1600" kern="1200">
+                <a:solidFill>
+                  <a:schemeClr val="tx1"/>
+                </a:solidFill>
+                <a:latin typeface="+mn-lt"/>
+                <a:ea typeface="+mn-ea"/>
+                <a:cs typeface="+mn-cs"/>
+              </a:defRPr>
+            </a:lvl9pPr>
+          </a:lstStyle>
+          <a:p>
+            <a:pPr marL="0" indent="0">
+              <a:buNone/>
+            </a:pPr>
+            <a:r>
+              <a:rPr lang="en-AU" dirty="0"/>
               <a:t>Categorised species</a:t>
             </a:r>
           </a:p>
@@ -6293,7 +6631,7 @@
             <a:fld id="{93A66BA0-BF77-43AC-894A-20AD8220B887}" type="datetime1">
               <a:rPr lang="en-US" smtClean="0"/>
               <a:pPr/>
-              <a:t>5/6/2018</a:t>
+              <a:t>5/7/2018</a:t>
             </a:fld>
             <a:endParaRPr lang="en-US" dirty="0"/>
           </a:p>
@@ -7496,7 +7834,7 @@
             <a:fld id="{94C81B4D-F060-418E-A958-B2BDC1A258F8}" type="datetime1">
               <a:rPr lang="en-US" smtClean="0"/>
               <a:pPr/>
-              <a:t>5/6/2018</a:t>
+              <a:t>5/7/2018</a:t>
             </a:fld>
             <a:endParaRPr lang="en-US" dirty="0"/>
           </a:p>
@@ -8281,7 +8619,7 @@
             <a:fld id="{9386AC23-C97B-41FB-9B89-C7FE0FB631CA}" type="datetime1">
               <a:rPr lang="en-US" smtClean="0"/>
               <a:pPr/>
-              <a:t>5/6/2018</a:t>
+              <a:t>5/7/2018</a:t>
             </a:fld>
             <a:endParaRPr lang="en-US" dirty="0"/>
           </a:p>
@@ -8673,7 +9011,7 @@
             <a:fld id="{6DD1B487-36FD-4CED-B07A-1A81FC6540B1}" type="datetime1">
               <a:rPr lang="en-US" smtClean="0"/>
               <a:pPr/>
-              <a:t>5/6/2018</a:t>
+              <a:t>5/7/2018</a:t>
             </a:fld>
             <a:endParaRPr lang="en-US" dirty="0"/>
           </a:p>
@@ -8876,7 +9214,7 @@
             </a:pPr>
             <a:r>
               <a:rPr lang="en-US" dirty="0"/>
-              <a:t>We will determine the sample size and make a recommendation on how many weeks a couple of parks need to observe to observe enough sheep. </a:t>
+              <a:t>We will determine the sample size and make a recommendation on how many weeks for selected parks need to observe enough sheep. </a:t>
             </a:r>
             <a:r>
               <a:rPr lang="en-US" b="1" dirty="0"/>
@@ -8938,7 +9276,7 @@
             <a:fld id="{6DD1B487-36FD-4CED-B07A-1A81FC6540B1}" type="datetime1">
               <a:rPr lang="en-US" smtClean="0"/>
               <a:pPr/>
-              <a:t>5/6/2018</a:t>
+              <a:t>5/7/2018</a:t>
             </a:fld>
             <a:endParaRPr lang="en-US" dirty="0"/>
           </a:p>

--- a/DataScience/Capstone/biodiversity.pptx
+++ b/DataScience/Capstone/biodiversity.pptx
@@ -4256,7 +4256,9 @@
         </p:nvSpPr>
         <p:spPr/>
         <p:txBody>
-          <a:bodyPr/>
+          <a:bodyPr>
+            <a:normAutofit fontScale="85000" lnSpcReduction="20000"/>
+          </a:bodyPr>
           <a:lstStyle/>
           <a:p>
             <a:r>
@@ -4267,6 +4269,13 @@
               <a:rPr lang="en-US" dirty="0"/>
               <a:t> (Christine) Lee</a:t>
             </a:r>
+          </a:p>
+          <a:p>
+            <a:r>
+              <a:rPr lang="en-US"/>
+              <a:t>sooyun.career@gmail.com</a:t>
+            </a:r>
+            <a:endParaRPr lang="en-US" dirty="0"/>
           </a:p>
         </p:txBody>
       </p:sp>
